--- a/hw01.pptx
+++ b/hw01.pptx
@@ -1,26 +1,27 @@
 
 <file path=ppt/presentation.xml><?xml version="1.0" encoding="utf-8"?>
-<p:presentation xmlns:a="http://schemas.openxmlformats.org/drawingml/2006/main" xmlns:r="http://schemas.openxmlformats.org/officeDocument/2006/relationships" xmlns:mc="http://schemas.openxmlformats.org/markup-compatibility/2006" xmlns:mv="urn:schemas-microsoft-com:mac:vml" xmlns:p="http://schemas.openxmlformats.org/presentationml/2006/main" xmlns:c="http://schemas.openxmlformats.org/drawingml/2006/chart" xmlns:dgm="http://schemas.openxmlformats.org/drawingml/2006/diagram" xmlns:o="urn:schemas-microsoft-com:office:office" xmlns:v="urn:schemas-microsoft-com:vml" xmlns:pvml="urn:schemas-microsoft-com:office:powerpoint" xmlns:com="http://schemas.openxmlformats.org/drawingml/2006/compatibility" xmlns:p14="http://schemas.microsoft.com/office/powerpoint/2010/main" xmlns:p15="http://schemas.microsoft.com/office/powerpoint/2012/main" xmlns:ahyp="http://schemas.microsoft.com/office/drawing/2018/hyperlinkcolor" autoCompressPictures="0" strictFirstAndLastChars="0" saveSubsetFonts="1">
+<p:presentation xmlns:a="http://schemas.openxmlformats.org/drawingml/2006/main" xmlns:r="http://schemas.openxmlformats.org/officeDocument/2006/relationships" xmlns:p="http://schemas.openxmlformats.org/presentationml/2006/main" strictFirstAndLastChars="0" saveSubsetFonts="1" autoCompressPictures="0">
   <p:sldMasterIdLst>
-    <p:sldMasterId id="2147483659" r:id="rId4"/>
+    <p:sldMasterId id="2147483659" r:id="rId1"/>
   </p:sldMasterIdLst>
   <p:notesMasterIdLst>
-    <p:notesMasterId r:id="rId5"/>
+    <p:notesMasterId r:id="rId11"/>
   </p:notesMasterIdLst>
   <p:sldIdLst>
-    <p:sldId id="256" r:id="rId6"/>
-    <p:sldId id="257" r:id="rId7"/>
-    <p:sldId id="258" r:id="rId8"/>
-    <p:sldId id="259" r:id="rId9"/>
-    <p:sldId id="260" r:id="rId10"/>
-    <p:sldId id="261" r:id="rId11"/>
-    <p:sldId id="262" r:id="rId12"/>
-    <p:sldId id="263" r:id="rId13"/>
+    <p:sldId id="256" r:id="rId2"/>
+    <p:sldId id="257" r:id="rId3"/>
+    <p:sldId id="258" r:id="rId4"/>
+    <p:sldId id="259" r:id="rId5"/>
+    <p:sldId id="260" r:id="rId6"/>
+    <p:sldId id="261" r:id="rId7"/>
+    <p:sldId id="262" r:id="rId8"/>
+    <p:sldId id="263" r:id="rId9"/>
+    <p:sldId id="264" r:id="rId10"/>
   </p:sldIdLst>
-  <p:sldSz cy="5143500" cx="9144000"/>
+  <p:sldSz cx="9144000" cy="5143500" type="screen16x9"/>
   <p:notesSz cx="6858000" cy="9144000"/>
   <p:defaultTextStyle>
-    <a:defPPr lvl="0" marR="0" rtl="0" algn="l">
+    <a:defPPr marR="0" lvl="0" algn="l" rtl="0">
       <a:lnSpc>
         <a:spcPct val="100000"/>
       </a:lnSpc>
@@ -31,7 +32,7 @@
         <a:spcPts val="0"/>
       </a:spcAft>
     </a:defPPr>
-    <a:lvl1pPr lvl="0" marR="0" rtl="0" algn="l">
+    <a:lvl1pPr marR="0" lvl="0" algn="l" rtl="0">
       <a:lnSpc>
         <a:spcPct val="100000"/>
       </a:lnSpc>
@@ -45,7 +46,7 @@
         <a:srgbClr val="000000"/>
       </a:buClr>
       <a:buFont typeface="Arial"/>
-      <a:defRPr b="0" i="0" sz="1400" u="none" cap="none" strike="noStrike">
+      <a:defRPr sz="1400" b="0" i="0" u="none" strike="noStrike" cap="none">
         <a:solidFill>
           <a:srgbClr val="000000"/>
         </a:solidFill>
@@ -55,7 +56,7 @@
         <a:sym typeface="Arial"/>
       </a:defRPr>
     </a:lvl1pPr>
-    <a:lvl2pPr lvl="1" marR="0" rtl="0" algn="l">
+    <a:lvl2pPr marR="0" lvl="1" algn="l" rtl="0">
       <a:lnSpc>
         <a:spcPct val="100000"/>
       </a:lnSpc>
@@ -69,7 +70,7 @@
         <a:srgbClr val="000000"/>
       </a:buClr>
       <a:buFont typeface="Arial"/>
-      <a:defRPr b="0" i="0" sz="1400" u="none" cap="none" strike="noStrike">
+      <a:defRPr sz="1400" b="0" i="0" u="none" strike="noStrike" cap="none">
         <a:solidFill>
           <a:srgbClr val="000000"/>
         </a:solidFill>
@@ -79,7 +80,7 @@
         <a:sym typeface="Arial"/>
       </a:defRPr>
     </a:lvl2pPr>
-    <a:lvl3pPr lvl="2" marR="0" rtl="0" algn="l">
+    <a:lvl3pPr marR="0" lvl="2" algn="l" rtl="0">
       <a:lnSpc>
         <a:spcPct val="100000"/>
       </a:lnSpc>
@@ -93,7 +94,7 @@
         <a:srgbClr val="000000"/>
       </a:buClr>
       <a:buFont typeface="Arial"/>
-      <a:defRPr b="0" i="0" sz="1400" u="none" cap="none" strike="noStrike">
+      <a:defRPr sz="1400" b="0" i="0" u="none" strike="noStrike" cap="none">
         <a:solidFill>
           <a:srgbClr val="000000"/>
         </a:solidFill>
@@ -103,7 +104,7 @@
         <a:sym typeface="Arial"/>
       </a:defRPr>
     </a:lvl3pPr>
-    <a:lvl4pPr lvl="3" marR="0" rtl="0" algn="l">
+    <a:lvl4pPr marR="0" lvl="3" algn="l" rtl="0">
       <a:lnSpc>
         <a:spcPct val="100000"/>
       </a:lnSpc>
@@ -117,7 +118,7 @@
         <a:srgbClr val="000000"/>
       </a:buClr>
       <a:buFont typeface="Arial"/>
-      <a:defRPr b="0" i="0" sz="1400" u="none" cap="none" strike="noStrike">
+      <a:defRPr sz="1400" b="0" i="0" u="none" strike="noStrike" cap="none">
         <a:solidFill>
           <a:srgbClr val="000000"/>
         </a:solidFill>
@@ -127,7 +128,7 @@
         <a:sym typeface="Arial"/>
       </a:defRPr>
     </a:lvl4pPr>
-    <a:lvl5pPr lvl="4" marR="0" rtl="0" algn="l">
+    <a:lvl5pPr marR="0" lvl="4" algn="l" rtl="0">
       <a:lnSpc>
         <a:spcPct val="100000"/>
       </a:lnSpc>
@@ -141,7 +142,7 @@
         <a:srgbClr val="000000"/>
       </a:buClr>
       <a:buFont typeface="Arial"/>
-      <a:defRPr b="0" i="0" sz="1400" u="none" cap="none" strike="noStrike">
+      <a:defRPr sz="1400" b="0" i="0" u="none" strike="noStrike" cap="none">
         <a:solidFill>
           <a:srgbClr val="000000"/>
         </a:solidFill>
@@ -151,7 +152,7 @@
         <a:sym typeface="Arial"/>
       </a:defRPr>
     </a:lvl5pPr>
-    <a:lvl6pPr lvl="5" marR="0" rtl="0" algn="l">
+    <a:lvl6pPr marR="0" lvl="5" algn="l" rtl="0">
       <a:lnSpc>
         <a:spcPct val="100000"/>
       </a:lnSpc>
@@ -165,7 +166,7 @@
         <a:srgbClr val="000000"/>
       </a:buClr>
       <a:buFont typeface="Arial"/>
-      <a:defRPr b="0" i="0" sz="1400" u="none" cap="none" strike="noStrike">
+      <a:defRPr sz="1400" b="0" i="0" u="none" strike="noStrike" cap="none">
         <a:solidFill>
           <a:srgbClr val="000000"/>
         </a:solidFill>
@@ -175,7 +176,7 @@
         <a:sym typeface="Arial"/>
       </a:defRPr>
     </a:lvl6pPr>
-    <a:lvl7pPr lvl="6" marR="0" rtl="0" algn="l">
+    <a:lvl7pPr marR="0" lvl="6" algn="l" rtl="0">
       <a:lnSpc>
         <a:spcPct val="100000"/>
       </a:lnSpc>
@@ -189,7 +190,7 @@
         <a:srgbClr val="000000"/>
       </a:buClr>
       <a:buFont typeface="Arial"/>
-      <a:defRPr b="0" i="0" sz="1400" u="none" cap="none" strike="noStrike">
+      <a:defRPr sz="1400" b="0" i="0" u="none" strike="noStrike" cap="none">
         <a:solidFill>
           <a:srgbClr val="000000"/>
         </a:solidFill>
@@ -199,7 +200,7 @@
         <a:sym typeface="Arial"/>
       </a:defRPr>
     </a:lvl7pPr>
-    <a:lvl8pPr lvl="7" marR="0" rtl="0" algn="l">
+    <a:lvl8pPr marR="0" lvl="7" algn="l" rtl="0">
       <a:lnSpc>
         <a:spcPct val="100000"/>
       </a:lnSpc>
@@ -213,7 +214,7 @@
         <a:srgbClr val="000000"/>
       </a:buClr>
       <a:buFont typeface="Arial"/>
-      <a:defRPr b="0" i="0" sz="1400" u="none" cap="none" strike="noStrike">
+      <a:defRPr sz="1400" b="0" i="0" u="none" strike="noStrike" cap="none">
         <a:solidFill>
           <a:srgbClr val="000000"/>
         </a:solidFill>
@@ -223,7 +224,7 @@
         <a:sym typeface="Arial"/>
       </a:defRPr>
     </a:lvl8pPr>
-    <a:lvl9pPr lvl="8" marR="0" rtl="0" algn="l">
+    <a:lvl9pPr marR="0" lvl="8" algn="l" rtl="0">
       <a:lnSpc>
         <a:spcPct val="100000"/>
       </a:lnSpc>
@@ -237,7 +238,7 @@
         <a:srgbClr val="000000"/>
       </a:buClr>
       <a:buFont typeface="Arial"/>
-      <a:defRPr b="0" i="0" sz="1400" u="none" cap="none" strike="noStrike">
+      <a:defRPr sz="1400" b="0" i="0" u="none" strike="noStrike" cap="none">
         <a:solidFill>
           <a:srgbClr val="000000"/>
         </a:solidFill>
@@ -250,7 +251,7 @@
   </p:defaultTextStyle>
   <p:extLst>
     <p:ext uri="{EFAFB233-063F-42B5-8137-9DF3F51BA10A}">
-      <p15:sldGuideLst>
+      <p15:sldGuideLst xmlns:p15="http://schemas.microsoft.com/office/powerpoint/2012/main">
         <p15:guide id="1" orient="horz" pos="1620">
           <p15:clr>
             <a:srgbClr val="747775"/>
@@ -268,11 +269,16 @@
 </file>
 
 <file path=ppt/notesMasters/notesMaster1.xml><?xml version="1.0" encoding="utf-8"?>
-<p:notesMaster xmlns:a="http://schemas.openxmlformats.org/drawingml/2006/main" xmlns:r="http://schemas.openxmlformats.org/officeDocument/2006/relationships" xmlns:mc="http://schemas.openxmlformats.org/markup-compatibility/2006" xmlns:mv="urn:schemas-microsoft-com:mac:vml" xmlns:p="http://schemas.openxmlformats.org/presentationml/2006/main" xmlns:c="http://schemas.openxmlformats.org/drawingml/2006/chart" xmlns:dgm="http://schemas.openxmlformats.org/drawingml/2006/diagram" xmlns:o="urn:schemas-microsoft-com:office:office" xmlns:v="urn:schemas-microsoft-com:vml" xmlns:pvml="urn:schemas-microsoft-com:office:powerpoint" xmlns:com="http://schemas.openxmlformats.org/drawingml/2006/compatibility" xmlns:p14="http://schemas.microsoft.com/office/powerpoint/2010/main" xmlns:p15="http://schemas.microsoft.com/office/powerpoint/2012/main" xmlns:ahyp="http://schemas.microsoft.com/office/drawing/2018/hyperlinkcolor">
+<p:notesMaster xmlns:a="http://schemas.openxmlformats.org/drawingml/2006/main" xmlns:r="http://schemas.openxmlformats.org/officeDocument/2006/relationships" xmlns:p="http://schemas.openxmlformats.org/presentationml/2006/main">
   <p:cSld>
+    <p:bg>
+      <p:bgRef idx="1001">
+        <a:schemeClr val="bg1"/>
+      </p:bgRef>
+    </p:bg>
     <p:spTree>
       <p:nvGrpSpPr>
-        <p:cNvPr id="2" name="Shape 2"/>
+        <p:cNvPr id="1" name="Shape 2"/>
         <p:cNvGrpSpPr/>
         <p:nvPr/>
       </p:nvGrpSpPr>
@@ -287,9 +293,11 @@
       <p:sp>
         <p:nvSpPr>
           <p:cNvPr id="3" name="Google Shape;3;n"/>
-          <p:cNvSpPr/>
+          <p:cNvSpPr>
+            <a:spLocks noGrp="1" noRot="1" noChangeAspect="1"/>
+          </p:cNvSpPr>
           <p:nvPr>
-            <p:ph idx="2" type="sldImg"/>
+            <p:ph type="sldImg" idx="2"/>
           </p:nvPr>
         </p:nvSpPr>
         <p:spPr>
@@ -298,9 +306,13 @@
             <a:ext cx="6096075" cy="3429000"/>
           </a:xfrm>
           <a:custGeom>
-            <a:rect b="b" l="l" r="r" t="t"/>
+            <a:avLst/>
+            <a:gdLst/>
+            <a:ahLst/>
+            <a:cxnLst/>
+            <a:rect l="l" t="t" r="r" b="b"/>
             <a:pathLst>
-              <a:path extrusionOk="0" h="120000" w="120000">
+              <a:path w="120000" h="120000" extrusionOk="0">
                 <a:moveTo>
                   <a:pt x="0" y="0"/>
                 </a:moveTo>
@@ -318,23 +330,25 @@
             </a:pathLst>
           </a:custGeom>
           <a:noFill/>
-          <a:ln cap="flat" cmpd="sng" w="9525">
+          <a:ln w="9525" cap="flat" cmpd="sng">
             <a:solidFill>
               <a:srgbClr val="000000"/>
             </a:solidFill>
             <a:prstDash val="solid"/>
             <a:round/>
-            <a:headEnd len="sm" w="sm" type="none"/>
-            <a:tailEnd len="sm" w="sm" type="none"/>
+            <a:headEnd type="none" w="sm" len="sm"/>
+            <a:tailEnd type="none" w="sm" len="sm"/>
           </a:ln>
         </p:spPr>
       </p:sp>
       <p:sp>
         <p:nvSpPr>
           <p:cNvPr id="4" name="Google Shape;4;n"/>
-          <p:cNvSpPr txBox="1"/>
+          <p:cNvSpPr txBox="1">
+            <a:spLocks noGrp="1"/>
+          </p:cNvSpPr>
           <p:nvPr>
-            <p:ph idx="1" type="body"/>
+            <p:ph type="body" idx="1"/>
           </p:nvPr>
         </p:nvSpPr>
         <p:spPr>
@@ -351,11 +365,11 @@
           </a:ln>
         </p:spPr>
         <p:txBody>
-          <a:bodyPr anchorCtr="0" anchor="t" bIns="91425" lIns="91425" spcFirstLastPara="1" rIns="91425" wrap="square" tIns="91425">
+          <a:bodyPr spcFirstLastPara="1" wrap="square" lIns="91425" tIns="91425" rIns="91425" bIns="91425" anchor="t" anchorCtr="0">
             <a:noAutofit/>
           </a:bodyPr>
           <a:lstStyle>
-            <a:lvl1pPr indent="-298450" lvl="0" marL="457200">
+            <a:lvl1pPr marL="457200" lvl="0" indent="-298450">
               <a:spcBef>
                 <a:spcPts val="0"/>
               </a:spcBef>
@@ -366,7 +380,7 @@
               <a:buChar char="●"/>
               <a:defRPr sz="1100"/>
             </a:lvl1pPr>
-            <a:lvl2pPr indent="-298450" lvl="1" marL="914400">
+            <a:lvl2pPr marL="914400" lvl="1" indent="-298450">
               <a:spcBef>
                 <a:spcPts val="0"/>
               </a:spcBef>
@@ -377,7 +391,7 @@
               <a:buChar char="○"/>
               <a:defRPr sz="1100"/>
             </a:lvl2pPr>
-            <a:lvl3pPr indent="-298450" lvl="2" marL="1371600">
+            <a:lvl3pPr marL="1371600" lvl="2" indent="-298450">
               <a:spcBef>
                 <a:spcPts val="0"/>
               </a:spcBef>
@@ -388,7 +402,7 @@
               <a:buChar char="■"/>
               <a:defRPr sz="1100"/>
             </a:lvl3pPr>
-            <a:lvl4pPr indent="-298450" lvl="3" marL="1828800">
+            <a:lvl4pPr marL="1828800" lvl="3" indent="-298450">
               <a:spcBef>
                 <a:spcPts val="0"/>
               </a:spcBef>
@@ -399,7 +413,7 @@
               <a:buChar char="●"/>
               <a:defRPr sz="1100"/>
             </a:lvl4pPr>
-            <a:lvl5pPr indent="-298450" lvl="4" marL="2286000">
+            <a:lvl5pPr marL="2286000" lvl="4" indent="-298450">
               <a:spcBef>
                 <a:spcPts val="0"/>
               </a:spcBef>
@@ -410,7 +424,7 @@
               <a:buChar char="○"/>
               <a:defRPr sz="1100"/>
             </a:lvl5pPr>
-            <a:lvl6pPr indent="-298450" lvl="5" marL="2743200">
+            <a:lvl6pPr marL="2743200" lvl="5" indent="-298450">
               <a:spcBef>
                 <a:spcPts val="0"/>
               </a:spcBef>
@@ -421,7 +435,7 @@
               <a:buChar char="■"/>
               <a:defRPr sz="1100"/>
             </a:lvl6pPr>
-            <a:lvl7pPr indent="-298450" lvl="6" marL="3200400">
+            <a:lvl7pPr marL="3200400" lvl="6" indent="-298450">
               <a:spcBef>
                 <a:spcPts val="0"/>
               </a:spcBef>
@@ -432,7 +446,7 @@
               <a:buChar char="●"/>
               <a:defRPr sz="1100"/>
             </a:lvl7pPr>
-            <a:lvl8pPr indent="-298450" lvl="7" marL="3657600">
+            <a:lvl8pPr marL="3657600" lvl="7" indent="-298450">
               <a:spcBef>
                 <a:spcPts val="0"/>
               </a:spcBef>
@@ -443,7 +457,7 @@
               <a:buChar char="○"/>
               <a:defRPr sz="1100"/>
             </a:lvl8pPr>
-            <a:lvl9pPr indent="-298450" lvl="8" marL="4114800">
+            <a:lvl9pPr marL="4114800" lvl="8" indent="-298450">
               <a:spcBef>
                 <a:spcPts val="0"/>
               </a:spcBef>
@@ -455,14 +469,16 @@
               <a:defRPr sz="1100"/>
             </a:lvl9pPr>
           </a:lstStyle>
-          <a:p/>
+          <a:p>
+            <a:endParaRPr/>
+          </a:p>
         </p:txBody>
       </p:sp>
     </p:spTree>
   </p:cSld>
-  <p:clrMap accent1="accent1" accent2="accent2" accent3="accent3" accent4="accent4" accent5="accent5" accent6="accent6" bg1="lt1" bg2="dk2" tx1="dk1" tx2="lt2" folHlink="folHlink" hlink="hlink"/>
+  <p:clrMap bg1="lt1" tx1="dk1" bg2="dk2" tx2="lt2" accent1="accent1" accent2="accent2" accent3="accent3" accent4="accent4" accent5="accent5" accent6="accent6" hlink="hlink" folHlink="folHlink"/>
   <p:notesStyle>
-    <a:defPPr lvl="0" marR="0" rtl="0" algn="l">
+    <a:defPPr marR="0" lvl="0" algn="l" rtl="0">
       <a:lnSpc>
         <a:spcPct val="100000"/>
       </a:lnSpc>
@@ -473,7 +489,7 @@
         <a:spcPts val="0"/>
       </a:spcAft>
     </a:defPPr>
-    <a:lvl1pPr lvl="0" marR="0" rtl="0" algn="l">
+    <a:lvl1pPr marR="0" lvl="0" algn="l" rtl="0">
       <a:lnSpc>
         <a:spcPct val="100000"/>
       </a:lnSpc>
@@ -487,7 +503,7 @@
         <a:srgbClr val="000000"/>
       </a:buClr>
       <a:buFont typeface="Arial"/>
-      <a:defRPr b="0" i="0" sz="1400" u="none" cap="none" strike="noStrike">
+      <a:defRPr sz="1400" b="0" i="0" u="none" strike="noStrike" cap="none">
         <a:solidFill>
           <a:srgbClr val="000000"/>
         </a:solidFill>
@@ -497,7 +513,7 @@
         <a:sym typeface="Arial"/>
       </a:defRPr>
     </a:lvl1pPr>
-    <a:lvl2pPr lvl="1" marR="0" rtl="0" algn="l">
+    <a:lvl2pPr marR="0" lvl="1" algn="l" rtl="0">
       <a:lnSpc>
         <a:spcPct val="100000"/>
       </a:lnSpc>
@@ -511,7 +527,7 @@
         <a:srgbClr val="000000"/>
       </a:buClr>
       <a:buFont typeface="Arial"/>
-      <a:defRPr b="0" i="0" sz="1400" u="none" cap="none" strike="noStrike">
+      <a:defRPr sz="1400" b="0" i="0" u="none" strike="noStrike" cap="none">
         <a:solidFill>
           <a:srgbClr val="000000"/>
         </a:solidFill>
@@ -521,7 +537,7 @@
         <a:sym typeface="Arial"/>
       </a:defRPr>
     </a:lvl2pPr>
-    <a:lvl3pPr lvl="2" marR="0" rtl="0" algn="l">
+    <a:lvl3pPr marR="0" lvl="2" algn="l" rtl="0">
       <a:lnSpc>
         <a:spcPct val="100000"/>
       </a:lnSpc>
@@ -535,7 +551,7 @@
         <a:srgbClr val="000000"/>
       </a:buClr>
       <a:buFont typeface="Arial"/>
-      <a:defRPr b="0" i="0" sz="1400" u="none" cap="none" strike="noStrike">
+      <a:defRPr sz="1400" b="0" i="0" u="none" strike="noStrike" cap="none">
         <a:solidFill>
           <a:srgbClr val="000000"/>
         </a:solidFill>
@@ -545,7 +561,7 @@
         <a:sym typeface="Arial"/>
       </a:defRPr>
     </a:lvl3pPr>
-    <a:lvl4pPr lvl="3" marR="0" rtl="0" algn="l">
+    <a:lvl4pPr marR="0" lvl="3" algn="l" rtl="0">
       <a:lnSpc>
         <a:spcPct val="100000"/>
       </a:lnSpc>
@@ -559,7 +575,7 @@
         <a:srgbClr val="000000"/>
       </a:buClr>
       <a:buFont typeface="Arial"/>
-      <a:defRPr b="0" i="0" sz="1400" u="none" cap="none" strike="noStrike">
+      <a:defRPr sz="1400" b="0" i="0" u="none" strike="noStrike" cap="none">
         <a:solidFill>
           <a:srgbClr val="000000"/>
         </a:solidFill>
@@ -569,7 +585,7 @@
         <a:sym typeface="Arial"/>
       </a:defRPr>
     </a:lvl4pPr>
-    <a:lvl5pPr lvl="4" marR="0" rtl="0" algn="l">
+    <a:lvl5pPr marR="0" lvl="4" algn="l" rtl="0">
       <a:lnSpc>
         <a:spcPct val="100000"/>
       </a:lnSpc>
@@ -583,7 +599,7 @@
         <a:srgbClr val="000000"/>
       </a:buClr>
       <a:buFont typeface="Arial"/>
-      <a:defRPr b="0" i="0" sz="1400" u="none" cap="none" strike="noStrike">
+      <a:defRPr sz="1400" b="0" i="0" u="none" strike="noStrike" cap="none">
         <a:solidFill>
           <a:srgbClr val="000000"/>
         </a:solidFill>
@@ -593,7 +609,7 @@
         <a:sym typeface="Arial"/>
       </a:defRPr>
     </a:lvl5pPr>
-    <a:lvl6pPr lvl="5" marR="0" rtl="0" algn="l">
+    <a:lvl6pPr marR="0" lvl="5" algn="l" rtl="0">
       <a:lnSpc>
         <a:spcPct val="100000"/>
       </a:lnSpc>
@@ -607,7 +623,7 @@
         <a:srgbClr val="000000"/>
       </a:buClr>
       <a:buFont typeface="Arial"/>
-      <a:defRPr b="0" i="0" sz="1400" u="none" cap="none" strike="noStrike">
+      <a:defRPr sz="1400" b="0" i="0" u="none" strike="noStrike" cap="none">
         <a:solidFill>
           <a:srgbClr val="000000"/>
         </a:solidFill>
@@ -617,7 +633,7 @@
         <a:sym typeface="Arial"/>
       </a:defRPr>
     </a:lvl6pPr>
-    <a:lvl7pPr lvl="6" marR="0" rtl="0" algn="l">
+    <a:lvl7pPr marR="0" lvl="6" algn="l" rtl="0">
       <a:lnSpc>
         <a:spcPct val="100000"/>
       </a:lnSpc>
@@ -631,7 +647,7 @@
         <a:srgbClr val="000000"/>
       </a:buClr>
       <a:buFont typeface="Arial"/>
-      <a:defRPr b="0" i="0" sz="1400" u="none" cap="none" strike="noStrike">
+      <a:defRPr sz="1400" b="0" i="0" u="none" strike="noStrike" cap="none">
         <a:solidFill>
           <a:srgbClr val="000000"/>
         </a:solidFill>
@@ -641,7 +657,7 @@
         <a:sym typeface="Arial"/>
       </a:defRPr>
     </a:lvl7pPr>
-    <a:lvl8pPr lvl="7" marR="0" rtl="0" algn="l">
+    <a:lvl8pPr marR="0" lvl="7" algn="l" rtl="0">
       <a:lnSpc>
         <a:spcPct val="100000"/>
       </a:lnSpc>
@@ -655,7 +671,7 @@
         <a:srgbClr val="000000"/>
       </a:buClr>
       <a:buFont typeface="Arial"/>
-      <a:defRPr b="0" i="0" sz="1400" u="none" cap="none" strike="noStrike">
+      <a:defRPr sz="1400" b="0" i="0" u="none" strike="noStrike" cap="none">
         <a:solidFill>
           <a:srgbClr val="000000"/>
         </a:solidFill>
@@ -665,7 +681,7 @@
         <a:sym typeface="Arial"/>
       </a:defRPr>
     </a:lvl8pPr>
-    <a:lvl9pPr lvl="8" marR="0" rtl="0" algn="l">
+    <a:lvl9pPr marR="0" lvl="8" algn="l" rtl="0">
       <a:lnSpc>
         <a:spcPct val="100000"/>
       </a:lnSpc>
@@ -679,7 +695,7 @@
         <a:srgbClr val="000000"/>
       </a:buClr>
       <a:buFont typeface="Arial"/>
-      <a:defRPr b="0" i="0" sz="1400" u="none" cap="none" strike="noStrike">
+      <a:defRPr sz="1400" b="0" i="0" u="none" strike="noStrike" cap="none">
         <a:solidFill>
           <a:srgbClr val="000000"/>
         </a:solidFill>
@@ -694,11 +710,11 @@
 </file>
 
 <file path=ppt/notesSlides/notesSlide1.xml><?xml version="1.0" encoding="utf-8"?>
-<p:notes xmlns:a="http://schemas.openxmlformats.org/drawingml/2006/main" xmlns:r="http://schemas.openxmlformats.org/officeDocument/2006/relationships" xmlns:mc="http://schemas.openxmlformats.org/markup-compatibility/2006" xmlns:mv="urn:schemas-microsoft-com:mac:vml" xmlns:p="http://schemas.openxmlformats.org/presentationml/2006/main" xmlns:c="http://schemas.openxmlformats.org/drawingml/2006/chart" xmlns:dgm="http://schemas.openxmlformats.org/drawingml/2006/diagram" xmlns:o="urn:schemas-microsoft-com:office:office" xmlns:v="urn:schemas-microsoft-com:vml" xmlns:pvml="urn:schemas-microsoft-com:office:powerpoint" xmlns:com="http://schemas.openxmlformats.org/drawingml/2006/compatibility" xmlns:p14="http://schemas.microsoft.com/office/powerpoint/2010/main" xmlns:p15="http://schemas.microsoft.com/office/powerpoint/2012/main" xmlns:ahyp="http://schemas.microsoft.com/office/drawing/2018/hyperlinkcolor" showMasterPhAnim="0" showMasterSp="0">
+<p:notes xmlns:a="http://schemas.openxmlformats.org/drawingml/2006/main" xmlns:r="http://schemas.openxmlformats.org/officeDocument/2006/relationships" xmlns:p="http://schemas.openxmlformats.org/presentationml/2006/main" showMasterSp="0" showMasterPhAnim="0">
   <p:cSld>
     <p:spTree>
       <p:nvGrpSpPr>
-        <p:cNvPr id="50" name="Shape 50"/>
+        <p:cNvPr id="1" name="Shape 50"/>
         <p:cNvGrpSpPr/>
         <p:nvPr/>
       </p:nvGrpSpPr>
@@ -713,20 +729,26 @@
       <p:sp>
         <p:nvSpPr>
           <p:cNvPr id="51" name="Google Shape;51;p:notes"/>
-          <p:cNvSpPr/>
+          <p:cNvSpPr>
+            <a:spLocks noGrp="1" noRot="1" noChangeAspect="1"/>
+          </p:cNvSpPr>
           <p:nvPr>
-            <p:ph idx="2" type="sldImg"/>
+            <p:ph type="sldImg" idx="2"/>
           </p:nvPr>
         </p:nvSpPr>
         <p:spPr>
           <a:xfrm>
-            <a:off x="381300" y="685800"/>
-            <a:ext cx="6096075" cy="3429000"/>
+            <a:off x="381000" y="685800"/>
+            <a:ext cx="6096000" cy="3429000"/>
           </a:xfrm>
           <a:custGeom>
-            <a:rect b="b" l="l" r="r" t="t"/>
+            <a:avLst/>
+            <a:gdLst/>
+            <a:ahLst/>
+            <a:cxnLst/>
+            <a:rect l="l" t="t" r="r" b="b"/>
             <a:pathLst>
-              <a:path extrusionOk="0" h="120000" w="120000">
+              <a:path w="120000" h="120000" extrusionOk="0">
                 <a:moveTo>
                   <a:pt x="0" y="0"/>
                 </a:moveTo>
@@ -748,9 +770,11 @@
       <p:sp>
         <p:nvSpPr>
           <p:cNvPr id="52" name="Google Shape;52;p:notes"/>
-          <p:cNvSpPr txBox="1"/>
+          <p:cNvSpPr txBox="1">
+            <a:spLocks noGrp="1"/>
+          </p:cNvSpPr>
           <p:nvPr>
-            <p:ph idx="1" type="body"/>
+            <p:ph type="body" idx="1"/>
           </p:nvPr>
         </p:nvSpPr>
         <p:spPr>
@@ -763,12 +787,12 @@
           </a:prstGeom>
         </p:spPr>
         <p:txBody>
-          <a:bodyPr anchorCtr="0" anchor="t" bIns="91425" lIns="91425" spcFirstLastPara="1" rIns="91425" wrap="square" tIns="91425">
+          <a:bodyPr spcFirstLastPara="1" wrap="square" lIns="91425" tIns="91425" rIns="91425" bIns="91425" anchor="t" anchorCtr="0">
             <a:noAutofit/>
           </a:bodyPr>
           <a:lstStyle/>
           <a:p>
-            <a:pPr indent="0" lvl="0" marL="0" rtl="0" algn="l">
+            <a:pPr marL="0" lvl="0" indent="0" algn="l" rtl="0">
               <a:spcBef>
                 <a:spcPts val="0"/>
               </a:spcBef>
@@ -777,9 +801,6 @@
               </a:spcAft>
               <a:buNone/>
             </a:pPr>
-            <a:r>
-              <a:t/>
-            </a:r>
             <a:endParaRPr/>
           </a:p>
         </p:txBody>
@@ -793,11 +814,11 @@
 </file>
 
 <file path=ppt/notesSlides/notesSlide2.xml><?xml version="1.0" encoding="utf-8"?>
-<p:notes xmlns:a="http://schemas.openxmlformats.org/drawingml/2006/main" xmlns:r="http://schemas.openxmlformats.org/officeDocument/2006/relationships" xmlns:mc="http://schemas.openxmlformats.org/markup-compatibility/2006" xmlns:mv="urn:schemas-microsoft-com:mac:vml" xmlns:p="http://schemas.openxmlformats.org/presentationml/2006/main" xmlns:c="http://schemas.openxmlformats.org/drawingml/2006/chart" xmlns:dgm="http://schemas.openxmlformats.org/drawingml/2006/diagram" xmlns:o="urn:schemas-microsoft-com:office:office" xmlns:v="urn:schemas-microsoft-com:vml" xmlns:pvml="urn:schemas-microsoft-com:office:powerpoint" xmlns:com="http://schemas.openxmlformats.org/drawingml/2006/compatibility" xmlns:p14="http://schemas.microsoft.com/office/powerpoint/2010/main" xmlns:p15="http://schemas.microsoft.com/office/powerpoint/2012/main" xmlns:ahyp="http://schemas.microsoft.com/office/drawing/2018/hyperlinkcolor" showMasterPhAnim="0" showMasterSp="0">
+<p:notes xmlns:a="http://schemas.openxmlformats.org/drawingml/2006/main" xmlns:r="http://schemas.openxmlformats.org/officeDocument/2006/relationships" xmlns:p="http://schemas.openxmlformats.org/presentationml/2006/main" showMasterSp="0" showMasterPhAnim="0">
   <p:cSld>
     <p:spTree>
       <p:nvGrpSpPr>
-        <p:cNvPr id="56" name="Shape 56"/>
+        <p:cNvPr id="1" name="Shape 56"/>
         <p:cNvGrpSpPr/>
         <p:nvPr/>
       </p:nvGrpSpPr>
@@ -812,20 +833,26 @@
       <p:sp>
         <p:nvSpPr>
           <p:cNvPr id="57" name="Google Shape;57;g2ff0b6e14c9_0_45:notes"/>
-          <p:cNvSpPr/>
+          <p:cNvSpPr>
+            <a:spLocks noGrp="1" noRot="1" noChangeAspect="1"/>
+          </p:cNvSpPr>
           <p:nvPr>
-            <p:ph idx="2" type="sldImg"/>
+            <p:ph type="sldImg" idx="2"/>
           </p:nvPr>
         </p:nvSpPr>
         <p:spPr>
           <a:xfrm>
-            <a:off x="381300" y="685800"/>
+            <a:off x="381000" y="685800"/>
             <a:ext cx="6096000" cy="3429000"/>
           </a:xfrm>
           <a:custGeom>
-            <a:rect b="b" l="l" r="r" t="t"/>
+            <a:avLst/>
+            <a:gdLst/>
+            <a:ahLst/>
+            <a:cxnLst/>
+            <a:rect l="l" t="t" r="r" b="b"/>
             <a:pathLst>
-              <a:path extrusionOk="0" h="120000" w="120000">
+              <a:path w="120000" h="120000" extrusionOk="0">
                 <a:moveTo>
                   <a:pt x="0" y="0"/>
                 </a:moveTo>
@@ -847,9 +874,11 @@
       <p:sp>
         <p:nvSpPr>
           <p:cNvPr id="58" name="Google Shape;58;g2ff0b6e14c9_0_45:notes"/>
-          <p:cNvSpPr txBox="1"/>
+          <p:cNvSpPr txBox="1">
+            <a:spLocks noGrp="1"/>
+          </p:cNvSpPr>
           <p:nvPr>
-            <p:ph idx="1" type="body"/>
+            <p:ph type="body" idx="1"/>
           </p:nvPr>
         </p:nvSpPr>
         <p:spPr>
@@ -862,12 +891,12 @@
           </a:prstGeom>
         </p:spPr>
         <p:txBody>
-          <a:bodyPr anchorCtr="0" anchor="t" bIns="91425" lIns="91425" spcFirstLastPara="1" rIns="91425" wrap="square" tIns="91425">
+          <a:bodyPr spcFirstLastPara="1" wrap="square" lIns="91425" tIns="91425" rIns="91425" bIns="91425" anchor="t" anchorCtr="0">
             <a:noAutofit/>
           </a:bodyPr>
           <a:lstStyle/>
           <a:p>
-            <a:pPr indent="0" lvl="0" marL="0" rtl="0" algn="l">
+            <a:pPr marL="0" lvl="0" indent="0" algn="l" rtl="0">
               <a:spcBef>
                 <a:spcPts val="0"/>
               </a:spcBef>
@@ -888,7 +917,7 @@
             <a:endParaRPr/>
           </a:p>
           <a:p>
-            <a:pPr indent="0" lvl="0" marL="0" rtl="0" algn="l">
+            <a:pPr marL="0" lvl="0" indent="0" algn="l" rtl="0">
               <a:spcBef>
                 <a:spcPts val="0"/>
               </a:spcBef>
@@ -914,11 +943,11 @@
 </file>
 
 <file path=ppt/notesSlides/notesSlide3.xml><?xml version="1.0" encoding="utf-8"?>
-<p:notes xmlns:a="http://schemas.openxmlformats.org/drawingml/2006/main" xmlns:r="http://schemas.openxmlformats.org/officeDocument/2006/relationships" xmlns:mc="http://schemas.openxmlformats.org/markup-compatibility/2006" xmlns:mv="urn:schemas-microsoft-com:mac:vml" xmlns:p="http://schemas.openxmlformats.org/presentationml/2006/main" xmlns:c="http://schemas.openxmlformats.org/drawingml/2006/chart" xmlns:dgm="http://schemas.openxmlformats.org/drawingml/2006/diagram" xmlns:o="urn:schemas-microsoft-com:office:office" xmlns:v="urn:schemas-microsoft-com:vml" xmlns:pvml="urn:schemas-microsoft-com:office:powerpoint" xmlns:com="http://schemas.openxmlformats.org/drawingml/2006/compatibility" xmlns:p14="http://schemas.microsoft.com/office/powerpoint/2010/main" xmlns:p15="http://schemas.microsoft.com/office/powerpoint/2012/main" xmlns:ahyp="http://schemas.microsoft.com/office/drawing/2018/hyperlinkcolor" showMasterPhAnim="0" showMasterSp="0">
+<p:notes xmlns:a="http://schemas.openxmlformats.org/drawingml/2006/main" xmlns:r="http://schemas.openxmlformats.org/officeDocument/2006/relationships" xmlns:p="http://schemas.openxmlformats.org/presentationml/2006/main" showMasterSp="0" showMasterPhAnim="0">
   <p:cSld>
     <p:spTree>
       <p:nvGrpSpPr>
-        <p:cNvPr id="63" name="Shape 63"/>
+        <p:cNvPr id="1" name="Shape 63"/>
         <p:cNvGrpSpPr/>
         <p:nvPr/>
       </p:nvGrpSpPr>
@@ -933,20 +962,26 @@
       <p:sp>
         <p:nvSpPr>
           <p:cNvPr id="64" name="Google Shape;64;g2ff0b6e14c9_0_50:notes"/>
-          <p:cNvSpPr/>
+          <p:cNvSpPr>
+            <a:spLocks noGrp="1" noRot="1" noChangeAspect="1"/>
+          </p:cNvSpPr>
           <p:nvPr>
-            <p:ph idx="2" type="sldImg"/>
+            <p:ph type="sldImg" idx="2"/>
           </p:nvPr>
         </p:nvSpPr>
         <p:spPr>
           <a:xfrm>
-            <a:off x="381300" y="685800"/>
+            <a:off x="381000" y="685800"/>
             <a:ext cx="6096000" cy="3429000"/>
           </a:xfrm>
           <a:custGeom>
-            <a:rect b="b" l="l" r="r" t="t"/>
+            <a:avLst/>
+            <a:gdLst/>
+            <a:ahLst/>
+            <a:cxnLst/>
+            <a:rect l="l" t="t" r="r" b="b"/>
             <a:pathLst>
-              <a:path extrusionOk="0" h="120000" w="120000">
+              <a:path w="120000" h="120000" extrusionOk="0">
                 <a:moveTo>
                   <a:pt x="0" y="0"/>
                 </a:moveTo>
@@ -968,9 +1003,11 @@
       <p:sp>
         <p:nvSpPr>
           <p:cNvPr id="65" name="Google Shape;65;g2ff0b6e14c9_0_50:notes"/>
-          <p:cNvSpPr txBox="1"/>
+          <p:cNvSpPr txBox="1">
+            <a:spLocks noGrp="1"/>
+          </p:cNvSpPr>
           <p:nvPr>
-            <p:ph idx="1" type="body"/>
+            <p:ph type="body" idx="1"/>
           </p:nvPr>
         </p:nvSpPr>
         <p:spPr>
@@ -983,12 +1020,12 @@
           </a:prstGeom>
         </p:spPr>
         <p:txBody>
-          <a:bodyPr anchorCtr="0" anchor="t" bIns="91425" lIns="91425" spcFirstLastPara="1" rIns="91425" wrap="square" tIns="91425">
+          <a:bodyPr spcFirstLastPara="1" wrap="square" lIns="91425" tIns="91425" rIns="91425" bIns="91425" anchor="t" anchorCtr="0">
             <a:noAutofit/>
           </a:bodyPr>
           <a:lstStyle/>
           <a:p>
-            <a:pPr indent="0" lvl="0" marL="0" rtl="0" algn="l">
+            <a:pPr marL="0" lvl="0" indent="0" algn="l" rtl="0">
               <a:spcBef>
                 <a:spcPts val="0"/>
               </a:spcBef>
@@ -1009,7 +1046,7 @@
             <a:endParaRPr/>
           </a:p>
           <a:p>
-            <a:pPr indent="0" lvl="0" marL="0" rtl="0" algn="l">
+            <a:pPr marL="0" lvl="0" indent="0" algn="l" rtl="0">
               <a:spcBef>
                 <a:spcPts val="0"/>
               </a:spcBef>
@@ -1030,7 +1067,7 @@
             <a:endParaRPr/>
           </a:p>
           <a:p>
-            <a:pPr indent="0" lvl="0" marL="0" rtl="0" algn="l">
+            <a:pPr marL="0" lvl="0" indent="0" algn="l" rtl="0">
               <a:spcBef>
                 <a:spcPts val="0"/>
               </a:spcBef>
@@ -1039,9 +1076,6 @@
               </a:spcAft>
               <a:buNone/>
             </a:pPr>
-            <a:r>
-              <a:t/>
-            </a:r>
             <a:endParaRPr/>
           </a:p>
         </p:txBody>
@@ -1055,11 +1089,11 @@
 </file>
 
 <file path=ppt/notesSlides/notesSlide4.xml><?xml version="1.0" encoding="utf-8"?>
-<p:notes xmlns:a="http://schemas.openxmlformats.org/drawingml/2006/main" xmlns:r="http://schemas.openxmlformats.org/officeDocument/2006/relationships" xmlns:mc="http://schemas.openxmlformats.org/markup-compatibility/2006" xmlns:mv="urn:schemas-microsoft-com:mac:vml" xmlns:p="http://schemas.openxmlformats.org/presentationml/2006/main" xmlns:c="http://schemas.openxmlformats.org/drawingml/2006/chart" xmlns:dgm="http://schemas.openxmlformats.org/drawingml/2006/diagram" xmlns:o="urn:schemas-microsoft-com:office:office" xmlns:v="urn:schemas-microsoft-com:vml" xmlns:pvml="urn:schemas-microsoft-com:office:powerpoint" xmlns:com="http://schemas.openxmlformats.org/drawingml/2006/compatibility" xmlns:p14="http://schemas.microsoft.com/office/powerpoint/2010/main" xmlns:p15="http://schemas.microsoft.com/office/powerpoint/2012/main" xmlns:ahyp="http://schemas.microsoft.com/office/drawing/2018/hyperlinkcolor" showMasterPhAnim="0" showMasterSp="0">
+<p:notes xmlns:a="http://schemas.openxmlformats.org/drawingml/2006/main" xmlns:r="http://schemas.openxmlformats.org/officeDocument/2006/relationships" xmlns:p="http://schemas.openxmlformats.org/presentationml/2006/main" showMasterSp="0" showMasterPhAnim="0">
   <p:cSld>
     <p:spTree>
       <p:nvGrpSpPr>
-        <p:cNvPr id="70" name="Shape 70"/>
+        <p:cNvPr id="1" name="Shape 70"/>
         <p:cNvGrpSpPr/>
         <p:nvPr/>
       </p:nvGrpSpPr>
@@ -1074,20 +1108,26 @@
       <p:sp>
         <p:nvSpPr>
           <p:cNvPr id="71" name="Google Shape;71;g2ff0b6e14c9_0_95:notes"/>
-          <p:cNvSpPr/>
+          <p:cNvSpPr>
+            <a:spLocks noGrp="1" noRot="1" noChangeAspect="1"/>
+          </p:cNvSpPr>
           <p:nvPr>
-            <p:ph idx="2" type="sldImg"/>
+            <p:ph type="sldImg" idx="2"/>
           </p:nvPr>
         </p:nvSpPr>
         <p:spPr>
           <a:xfrm>
-            <a:off x="381300" y="685800"/>
+            <a:off x="381000" y="685800"/>
             <a:ext cx="6096000" cy="3429000"/>
           </a:xfrm>
           <a:custGeom>
-            <a:rect b="b" l="l" r="r" t="t"/>
+            <a:avLst/>
+            <a:gdLst/>
+            <a:ahLst/>
+            <a:cxnLst/>
+            <a:rect l="l" t="t" r="r" b="b"/>
             <a:pathLst>
-              <a:path extrusionOk="0" h="120000" w="120000">
+              <a:path w="120000" h="120000" extrusionOk="0">
                 <a:moveTo>
                   <a:pt x="0" y="0"/>
                 </a:moveTo>
@@ -1109,9 +1149,11 @@
       <p:sp>
         <p:nvSpPr>
           <p:cNvPr id="72" name="Google Shape;72;g2ff0b6e14c9_0_95:notes"/>
-          <p:cNvSpPr txBox="1"/>
+          <p:cNvSpPr txBox="1">
+            <a:spLocks noGrp="1"/>
+          </p:cNvSpPr>
           <p:nvPr>
-            <p:ph idx="1" type="body"/>
+            <p:ph type="body" idx="1"/>
           </p:nvPr>
         </p:nvSpPr>
         <p:spPr>
@@ -1124,12 +1166,12 @@
           </a:prstGeom>
         </p:spPr>
         <p:txBody>
-          <a:bodyPr anchorCtr="0" anchor="t" bIns="91425" lIns="91425" spcFirstLastPara="1" rIns="91425" wrap="square" tIns="91425">
+          <a:bodyPr spcFirstLastPara="1" wrap="square" lIns="91425" tIns="91425" rIns="91425" bIns="91425" anchor="t" anchorCtr="0">
             <a:noAutofit/>
           </a:bodyPr>
           <a:lstStyle/>
           <a:p>
-            <a:pPr indent="0" lvl="0" marL="0" rtl="0" algn="l">
+            <a:pPr marL="0" lvl="0" indent="0" algn="l" rtl="0">
               <a:spcBef>
                 <a:spcPts val="0"/>
               </a:spcBef>
@@ -1145,7 +1187,7 @@
             <a:endParaRPr/>
           </a:p>
           <a:p>
-            <a:pPr indent="0" lvl="0" marL="0" rtl="0" algn="l">
+            <a:pPr marL="0" lvl="0" indent="0" algn="l" rtl="0">
               <a:spcBef>
                 <a:spcPts val="0"/>
               </a:spcBef>
@@ -1166,7 +1208,7 @@
             <a:endParaRPr/>
           </a:p>
           <a:p>
-            <a:pPr indent="0" lvl="0" marL="0" rtl="0" algn="l">
+            <a:pPr marL="0" lvl="0" indent="0" algn="l" rtl="0">
               <a:spcBef>
                 <a:spcPts val="0"/>
               </a:spcBef>
@@ -1180,13 +1222,10 @@
               <a:buFont typeface="Arial"/>
               <a:buNone/>
             </a:pPr>
-            <a:r>
-              <a:t/>
-            </a:r>
             <a:endParaRPr/>
           </a:p>
           <a:p>
-            <a:pPr indent="0" lvl="0" marL="0" rtl="0" algn="l">
+            <a:pPr marL="0" lvl="0" indent="0" algn="l" rtl="0">
               <a:spcBef>
                 <a:spcPts val="0"/>
               </a:spcBef>
@@ -1195,9 +1234,6 @@
               </a:spcAft>
               <a:buNone/>
             </a:pPr>
-            <a:r>
-              <a:t/>
-            </a:r>
             <a:endParaRPr/>
           </a:p>
         </p:txBody>
@@ -1211,11 +1247,11 @@
 </file>
 
 <file path=ppt/notesSlides/notesSlide5.xml><?xml version="1.0" encoding="utf-8"?>
-<p:notes xmlns:a="http://schemas.openxmlformats.org/drawingml/2006/main" xmlns:r="http://schemas.openxmlformats.org/officeDocument/2006/relationships" xmlns:mc="http://schemas.openxmlformats.org/markup-compatibility/2006" xmlns:mv="urn:schemas-microsoft-com:mac:vml" xmlns:p="http://schemas.openxmlformats.org/presentationml/2006/main" xmlns:c="http://schemas.openxmlformats.org/drawingml/2006/chart" xmlns:dgm="http://schemas.openxmlformats.org/drawingml/2006/diagram" xmlns:o="urn:schemas-microsoft-com:office:office" xmlns:v="urn:schemas-microsoft-com:vml" xmlns:pvml="urn:schemas-microsoft-com:office:powerpoint" xmlns:com="http://schemas.openxmlformats.org/drawingml/2006/compatibility" xmlns:p14="http://schemas.microsoft.com/office/powerpoint/2010/main" xmlns:p15="http://schemas.microsoft.com/office/powerpoint/2012/main" xmlns:ahyp="http://schemas.microsoft.com/office/drawing/2018/hyperlinkcolor" showMasterPhAnim="0" showMasterSp="0">
+<p:notes xmlns:a="http://schemas.openxmlformats.org/drawingml/2006/main" xmlns:r="http://schemas.openxmlformats.org/officeDocument/2006/relationships" xmlns:p="http://schemas.openxmlformats.org/presentationml/2006/main" showMasterSp="0" showMasterPhAnim="0">
   <p:cSld>
     <p:spTree>
       <p:nvGrpSpPr>
-        <p:cNvPr id="77" name="Shape 77"/>
+        <p:cNvPr id="1" name="Shape 77"/>
         <p:cNvGrpSpPr/>
         <p:nvPr/>
       </p:nvGrpSpPr>
@@ -1230,20 +1266,26 @@
       <p:sp>
         <p:nvSpPr>
           <p:cNvPr id="78" name="Google Shape;78;g2ff0b6e14c9_0_113:notes"/>
-          <p:cNvSpPr/>
+          <p:cNvSpPr>
+            <a:spLocks noGrp="1" noRot="1" noChangeAspect="1"/>
+          </p:cNvSpPr>
           <p:nvPr>
-            <p:ph idx="2" type="sldImg"/>
+            <p:ph type="sldImg" idx="2"/>
           </p:nvPr>
         </p:nvSpPr>
         <p:spPr>
           <a:xfrm>
-            <a:off x="381300" y="685800"/>
+            <a:off x="381000" y="685800"/>
             <a:ext cx="6096000" cy="3429000"/>
           </a:xfrm>
           <a:custGeom>
-            <a:rect b="b" l="l" r="r" t="t"/>
+            <a:avLst/>
+            <a:gdLst/>
+            <a:ahLst/>
+            <a:cxnLst/>
+            <a:rect l="l" t="t" r="r" b="b"/>
             <a:pathLst>
-              <a:path extrusionOk="0" h="120000" w="120000">
+              <a:path w="120000" h="120000" extrusionOk="0">
                 <a:moveTo>
                   <a:pt x="0" y="0"/>
                 </a:moveTo>
@@ -1265,9 +1307,11 @@
       <p:sp>
         <p:nvSpPr>
           <p:cNvPr id="79" name="Google Shape;79;g2ff0b6e14c9_0_113:notes"/>
-          <p:cNvSpPr txBox="1"/>
+          <p:cNvSpPr txBox="1">
+            <a:spLocks noGrp="1"/>
+          </p:cNvSpPr>
           <p:nvPr>
-            <p:ph idx="1" type="body"/>
+            <p:ph type="body" idx="1"/>
           </p:nvPr>
         </p:nvSpPr>
         <p:spPr>
@@ -1280,12 +1324,12 @@
           </a:prstGeom>
         </p:spPr>
         <p:txBody>
-          <a:bodyPr anchorCtr="0" anchor="t" bIns="91425" lIns="91425" spcFirstLastPara="1" rIns="91425" wrap="square" tIns="91425">
+          <a:bodyPr spcFirstLastPara="1" wrap="square" lIns="91425" tIns="91425" rIns="91425" bIns="91425" anchor="t" anchorCtr="0">
             <a:noAutofit/>
           </a:bodyPr>
           <a:lstStyle/>
           <a:p>
-            <a:pPr indent="0" lvl="0" marL="0" rtl="0" algn="l">
+            <a:pPr marL="0" lvl="0" indent="0" algn="l" rtl="0">
               <a:spcBef>
                 <a:spcPts val="0"/>
               </a:spcBef>
@@ -1314,7 +1358,7 @@
             </a:endParaRPr>
           </a:p>
           <a:p>
-            <a:pPr indent="0" lvl="0" marL="0" rtl="0" algn="l">
+            <a:pPr marL="0" lvl="0" indent="0" algn="l" rtl="0">
               <a:spcBef>
                 <a:spcPts val="0"/>
               </a:spcBef>
@@ -1339,7 +1383,7 @@
             <a:endParaRPr/>
           </a:p>
           <a:p>
-            <a:pPr indent="0" lvl="0" marL="0" rtl="0" algn="l">
+            <a:pPr marL="0" lvl="0" indent="0" algn="l" rtl="0">
               <a:spcBef>
                 <a:spcPts val="0"/>
               </a:spcBef>
@@ -1348,13 +1392,10 @@
               </a:spcAft>
               <a:buNone/>
             </a:pPr>
-            <a:r>
-              <a:t/>
-            </a:r>
             <a:endParaRPr/>
           </a:p>
           <a:p>
-            <a:pPr indent="0" lvl="0" marL="0" rtl="0" algn="l">
+            <a:pPr marL="0" lvl="0" indent="0" algn="l" rtl="0">
               <a:spcBef>
                 <a:spcPts val="0"/>
               </a:spcBef>
@@ -1363,9 +1404,6 @@
               </a:spcAft>
               <a:buNone/>
             </a:pPr>
-            <a:r>
-              <a:t/>
-            </a:r>
             <a:endParaRPr/>
           </a:p>
         </p:txBody>
@@ -1379,11 +1417,11 @@
 </file>
 
 <file path=ppt/notesSlides/notesSlide6.xml><?xml version="1.0" encoding="utf-8"?>
-<p:notes xmlns:a="http://schemas.openxmlformats.org/drawingml/2006/main" xmlns:r="http://schemas.openxmlformats.org/officeDocument/2006/relationships" xmlns:mc="http://schemas.openxmlformats.org/markup-compatibility/2006" xmlns:mv="urn:schemas-microsoft-com:mac:vml" xmlns:p="http://schemas.openxmlformats.org/presentationml/2006/main" xmlns:c="http://schemas.openxmlformats.org/drawingml/2006/chart" xmlns:dgm="http://schemas.openxmlformats.org/drawingml/2006/diagram" xmlns:o="urn:schemas-microsoft-com:office:office" xmlns:v="urn:schemas-microsoft-com:vml" xmlns:pvml="urn:schemas-microsoft-com:office:powerpoint" xmlns:com="http://schemas.openxmlformats.org/drawingml/2006/compatibility" xmlns:p14="http://schemas.microsoft.com/office/powerpoint/2010/main" xmlns:p15="http://schemas.microsoft.com/office/powerpoint/2012/main" xmlns:ahyp="http://schemas.microsoft.com/office/drawing/2018/hyperlinkcolor" showMasterPhAnim="0" showMasterSp="0">
+<p:notes xmlns:a="http://schemas.openxmlformats.org/drawingml/2006/main" xmlns:r="http://schemas.openxmlformats.org/officeDocument/2006/relationships" xmlns:p="http://schemas.openxmlformats.org/presentationml/2006/main" showMasterSp="0" showMasterPhAnim="0">
   <p:cSld>
     <p:spTree>
       <p:nvGrpSpPr>
-        <p:cNvPr id="84" name="Shape 84"/>
+        <p:cNvPr id="1" name="Shape 84"/>
         <p:cNvGrpSpPr/>
         <p:nvPr/>
       </p:nvGrpSpPr>
@@ -1398,20 +1436,26 @@
       <p:sp>
         <p:nvSpPr>
           <p:cNvPr id="85" name="Google Shape;85;g2ff0b6e14c9_0_127:notes"/>
-          <p:cNvSpPr/>
+          <p:cNvSpPr>
+            <a:spLocks noGrp="1" noRot="1" noChangeAspect="1"/>
+          </p:cNvSpPr>
           <p:nvPr>
-            <p:ph idx="2" type="sldImg"/>
+            <p:ph type="sldImg" idx="2"/>
           </p:nvPr>
         </p:nvSpPr>
         <p:spPr>
           <a:xfrm>
-            <a:off x="381300" y="685800"/>
+            <a:off x="381000" y="685800"/>
             <a:ext cx="6096000" cy="3429000"/>
           </a:xfrm>
           <a:custGeom>
-            <a:rect b="b" l="l" r="r" t="t"/>
+            <a:avLst/>
+            <a:gdLst/>
+            <a:ahLst/>
+            <a:cxnLst/>
+            <a:rect l="l" t="t" r="r" b="b"/>
             <a:pathLst>
-              <a:path extrusionOk="0" h="120000" w="120000">
+              <a:path w="120000" h="120000" extrusionOk="0">
                 <a:moveTo>
                   <a:pt x="0" y="0"/>
                 </a:moveTo>
@@ -1433,9 +1477,11 @@
       <p:sp>
         <p:nvSpPr>
           <p:cNvPr id="86" name="Google Shape;86;g2ff0b6e14c9_0_127:notes"/>
-          <p:cNvSpPr txBox="1"/>
+          <p:cNvSpPr txBox="1">
+            <a:spLocks noGrp="1"/>
+          </p:cNvSpPr>
           <p:nvPr>
-            <p:ph idx="1" type="body"/>
+            <p:ph type="body" idx="1"/>
           </p:nvPr>
         </p:nvSpPr>
         <p:spPr>
@@ -1448,12 +1494,12 @@
           </a:prstGeom>
         </p:spPr>
         <p:txBody>
-          <a:bodyPr anchorCtr="0" anchor="t" bIns="91425" lIns="91425" spcFirstLastPara="1" rIns="91425" wrap="square" tIns="91425">
+          <a:bodyPr spcFirstLastPara="1" wrap="square" lIns="91425" tIns="91425" rIns="91425" bIns="91425" anchor="t" anchorCtr="0">
             <a:noAutofit/>
           </a:bodyPr>
           <a:lstStyle/>
           <a:p>
-            <a:pPr indent="0" lvl="0" marL="0" rtl="0" algn="l">
+            <a:pPr marL="0" lvl="0" indent="0" algn="l" rtl="0">
               <a:spcBef>
                 <a:spcPts val="0"/>
               </a:spcBef>
@@ -1482,7 +1528,7 @@
             </a:endParaRPr>
           </a:p>
           <a:p>
-            <a:pPr indent="0" lvl="0" marL="0" rtl="0" algn="l">
+            <a:pPr marL="0" lvl="0" indent="0" algn="l" rtl="0">
               <a:spcBef>
                 <a:spcPts val="0"/>
               </a:spcBef>
@@ -1521,11 +1567,11 @@
 </file>
 
 <file path=ppt/notesSlides/notesSlide7.xml><?xml version="1.0" encoding="utf-8"?>
-<p:notes xmlns:a="http://schemas.openxmlformats.org/drawingml/2006/main" xmlns:r="http://schemas.openxmlformats.org/officeDocument/2006/relationships" xmlns:mc="http://schemas.openxmlformats.org/markup-compatibility/2006" xmlns:mv="urn:schemas-microsoft-com:mac:vml" xmlns:p="http://schemas.openxmlformats.org/presentationml/2006/main" xmlns:c="http://schemas.openxmlformats.org/drawingml/2006/chart" xmlns:dgm="http://schemas.openxmlformats.org/drawingml/2006/diagram" xmlns:o="urn:schemas-microsoft-com:office:office" xmlns:v="urn:schemas-microsoft-com:vml" xmlns:pvml="urn:schemas-microsoft-com:office:powerpoint" xmlns:com="http://schemas.openxmlformats.org/drawingml/2006/compatibility" xmlns:p14="http://schemas.microsoft.com/office/powerpoint/2010/main" xmlns:p15="http://schemas.microsoft.com/office/powerpoint/2012/main" xmlns:ahyp="http://schemas.microsoft.com/office/drawing/2018/hyperlinkcolor" showMasterPhAnim="0" showMasterSp="0">
+<p:notes xmlns:a="http://schemas.openxmlformats.org/drawingml/2006/main" xmlns:r="http://schemas.openxmlformats.org/officeDocument/2006/relationships" xmlns:p="http://schemas.openxmlformats.org/presentationml/2006/main" showMasterSp="0" showMasterPhAnim="0">
   <p:cSld>
     <p:spTree>
       <p:nvGrpSpPr>
-        <p:cNvPr id="91" name="Shape 91"/>
+        <p:cNvPr id="1" name="Shape 91"/>
         <p:cNvGrpSpPr/>
         <p:nvPr/>
       </p:nvGrpSpPr>
@@ -1540,20 +1586,26 @@
       <p:sp>
         <p:nvSpPr>
           <p:cNvPr id="92" name="Google Shape;92;g2ff0b6e14c9_0_133:notes"/>
-          <p:cNvSpPr/>
+          <p:cNvSpPr>
+            <a:spLocks noGrp="1" noRot="1" noChangeAspect="1"/>
+          </p:cNvSpPr>
           <p:nvPr>
-            <p:ph idx="2" type="sldImg"/>
+            <p:ph type="sldImg" idx="2"/>
           </p:nvPr>
         </p:nvSpPr>
         <p:spPr>
           <a:xfrm>
-            <a:off x="381300" y="685800"/>
+            <a:off x="381000" y="685800"/>
             <a:ext cx="6096000" cy="3429000"/>
           </a:xfrm>
           <a:custGeom>
-            <a:rect b="b" l="l" r="r" t="t"/>
+            <a:avLst/>
+            <a:gdLst/>
+            <a:ahLst/>
+            <a:cxnLst/>
+            <a:rect l="l" t="t" r="r" b="b"/>
             <a:pathLst>
-              <a:path extrusionOk="0" h="120000" w="120000">
+              <a:path w="120000" h="120000" extrusionOk="0">
                 <a:moveTo>
                   <a:pt x="0" y="0"/>
                 </a:moveTo>
@@ -1575,9 +1627,11 @@
       <p:sp>
         <p:nvSpPr>
           <p:cNvPr id="93" name="Google Shape;93;g2ff0b6e14c9_0_133:notes"/>
-          <p:cNvSpPr txBox="1"/>
+          <p:cNvSpPr txBox="1">
+            <a:spLocks noGrp="1"/>
+          </p:cNvSpPr>
           <p:nvPr>
-            <p:ph idx="1" type="body"/>
+            <p:ph type="body" idx="1"/>
           </p:nvPr>
         </p:nvSpPr>
         <p:spPr>
@@ -1590,12 +1644,12 @@
           </a:prstGeom>
         </p:spPr>
         <p:txBody>
-          <a:bodyPr anchorCtr="0" anchor="t" bIns="91425" lIns="91425" spcFirstLastPara="1" rIns="91425" wrap="square" tIns="91425">
+          <a:bodyPr spcFirstLastPara="1" wrap="square" lIns="91425" tIns="91425" rIns="91425" bIns="91425" anchor="t" anchorCtr="0">
             <a:noAutofit/>
           </a:bodyPr>
           <a:lstStyle/>
           <a:p>
-            <a:pPr indent="0" lvl="0" marL="0" rtl="0" algn="l">
+            <a:pPr marL="0" lvl="0" indent="0" algn="l" rtl="0">
               <a:spcBef>
                 <a:spcPts val="0"/>
               </a:spcBef>
@@ -1619,7 +1673,7 @@
             </a:endParaRPr>
           </a:p>
           <a:p>
-            <a:pPr indent="0" lvl="0" marL="0" rtl="0" algn="l">
+            <a:pPr marL="0" lvl="0" indent="0" algn="l" rtl="0">
               <a:spcBef>
                 <a:spcPts val="0"/>
               </a:spcBef>
@@ -1643,7 +1697,7 @@
             </a:endParaRPr>
           </a:p>
           <a:p>
-            <a:pPr indent="0" lvl="0" marL="0" rtl="0" algn="l">
+            <a:pPr marL="0" lvl="0" indent="0" algn="l" rtl="0">
               <a:spcBef>
                 <a:spcPts val="0"/>
               </a:spcBef>
@@ -1652,9 +1706,6 @@
               </a:spcAft>
               <a:buNone/>
             </a:pPr>
-            <a:r>
-              <a:t/>
-            </a:r>
             <a:endParaRPr>
               <a:solidFill>
                 <a:schemeClr val="dk1"/>
@@ -1662,7 +1713,7 @@
             </a:endParaRPr>
           </a:p>
           <a:p>
-            <a:pPr indent="0" lvl="0" marL="0" rtl="0" algn="l">
+            <a:pPr marL="0" lvl="0" indent="0" algn="l" rtl="0">
               <a:spcBef>
                 <a:spcPts val="0"/>
               </a:spcBef>
@@ -1671,9 +1722,6 @@
               </a:spcAft>
               <a:buNone/>
             </a:pPr>
-            <a:r>
-              <a:t/>
-            </a:r>
             <a:endParaRPr>
               <a:solidFill>
                 <a:schemeClr val="dk1"/>
@@ -1691,11 +1739,11 @@
 </file>
 
 <file path=ppt/notesSlides/notesSlide8.xml><?xml version="1.0" encoding="utf-8"?>
-<p:notes xmlns:a="http://schemas.openxmlformats.org/drawingml/2006/main" xmlns:r="http://schemas.openxmlformats.org/officeDocument/2006/relationships" xmlns:mc="http://schemas.openxmlformats.org/markup-compatibility/2006" xmlns:mv="urn:schemas-microsoft-com:mac:vml" xmlns:p="http://schemas.openxmlformats.org/presentationml/2006/main" xmlns:c="http://schemas.openxmlformats.org/drawingml/2006/chart" xmlns:dgm="http://schemas.openxmlformats.org/drawingml/2006/diagram" xmlns:o="urn:schemas-microsoft-com:office:office" xmlns:v="urn:schemas-microsoft-com:vml" xmlns:pvml="urn:schemas-microsoft-com:office:powerpoint" xmlns:com="http://schemas.openxmlformats.org/drawingml/2006/compatibility" xmlns:p14="http://schemas.microsoft.com/office/powerpoint/2010/main" xmlns:p15="http://schemas.microsoft.com/office/powerpoint/2012/main" xmlns:ahyp="http://schemas.microsoft.com/office/drawing/2018/hyperlinkcolor" showMasterPhAnim="0" showMasterSp="0">
+<p:notes xmlns:a="http://schemas.openxmlformats.org/drawingml/2006/main" xmlns:r="http://schemas.openxmlformats.org/officeDocument/2006/relationships" xmlns:p="http://schemas.openxmlformats.org/presentationml/2006/main" showMasterSp="0" showMasterPhAnim="0">
   <p:cSld>
     <p:spTree>
       <p:nvGrpSpPr>
-        <p:cNvPr id="98" name="Shape 98"/>
+        <p:cNvPr id="1" name="Shape 98"/>
         <p:cNvGrpSpPr/>
         <p:nvPr/>
       </p:nvGrpSpPr>
@@ -1710,20 +1758,26 @@
       <p:sp>
         <p:nvSpPr>
           <p:cNvPr id="99" name="Google Shape;99;g2ff0b6e14c9_0_141:notes"/>
-          <p:cNvSpPr/>
+          <p:cNvSpPr>
+            <a:spLocks noGrp="1" noRot="1" noChangeAspect="1"/>
+          </p:cNvSpPr>
           <p:nvPr>
-            <p:ph idx="2" type="sldImg"/>
+            <p:ph type="sldImg" idx="2"/>
           </p:nvPr>
         </p:nvSpPr>
         <p:spPr>
           <a:xfrm>
-            <a:off x="381300" y="685800"/>
+            <a:off x="381000" y="685800"/>
             <a:ext cx="6096000" cy="3429000"/>
           </a:xfrm>
           <a:custGeom>
-            <a:rect b="b" l="l" r="r" t="t"/>
+            <a:avLst/>
+            <a:gdLst/>
+            <a:ahLst/>
+            <a:cxnLst/>
+            <a:rect l="l" t="t" r="r" b="b"/>
             <a:pathLst>
-              <a:path extrusionOk="0" h="120000" w="120000">
+              <a:path w="120000" h="120000" extrusionOk="0">
                 <a:moveTo>
                   <a:pt x="0" y="0"/>
                 </a:moveTo>
@@ -1745,9 +1799,11 @@
       <p:sp>
         <p:nvSpPr>
           <p:cNvPr id="100" name="Google Shape;100;g2ff0b6e14c9_0_141:notes"/>
-          <p:cNvSpPr txBox="1"/>
+          <p:cNvSpPr txBox="1">
+            <a:spLocks noGrp="1"/>
+          </p:cNvSpPr>
           <p:nvPr>
-            <p:ph idx="1" type="body"/>
+            <p:ph type="body" idx="1"/>
           </p:nvPr>
         </p:nvSpPr>
         <p:spPr>
@@ -1760,12 +1816,12 @@
           </a:prstGeom>
         </p:spPr>
         <p:txBody>
-          <a:bodyPr anchorCtr="0" anchor="t" bIns="91425" lIns="91425" spcFirstLastPara="1" rIns="91425" wrap="square" tIns="91425">
+          <a:bodyPr spcFirstLastPara="1" wrap="square" lIns="91425" tIns="91425" rIns="91425" bIns="91425" anchor="t" anchorCtr="0">
             <a:noAutofit/>
           </a:bodyPr>
           <a:lstStyle/>
           <a:p>
-            <a:pPr indent="0" lvl="0" marL="0" rtl="0" algn="l">
+            <a:pPr marL="0" lvl="0" indent="0" algn="l" rtl="0">
               <a:spcBef>
                 <a:spcPts val="0"/>
               </a:spcBef>
@@ -1794,7 +1850,7 @@
             </a:endParaRPr>
           </a:p>
           <a:p>
-            <a:pPr indent="0" lvl="0" marL="0" rtl="0" algn="l">
+            <a:pPr marL="0" lvl="0" indent="0" algn="l" rtl="0">
               <a:spcBef>
                 <a:spcPts val="0"/>
               </a:spcBef>
@@ -1823,7 +1879,7 @@
             </a:endParaRPr>
           </a:p>
           <a:p>
-            <a:pPr indent="0" lvl="0" marL="0" rtl="0" algn="l">
+            <a:pPr marL="0" lvl="0" indent="0" algn="l" rtl="0">
               <a:spcBef>
                 <a:spcPts val="0"/>
               </a:spcBef>
@@ -1837,9 +1893,6 @@
               <a:buFont typeface="Arial"/>
               <a:buNone/>
             </a:pPr>
-            <a:r>
-              <a:t/>
-            </a:r>
             <a:endParaRPr>
               <a:solidFill>
                 <a:schemeClr val="dk1"/>
@@ -1847,7 +1900,7 @@
             </a:endParaRPr>
           </a:p>
           <a:p>
-            <a:pPr indent="0" lvl="0" marL="0" rtl="0" algn="l">
+            <a:pPr marL="0" lvl="0" indent="0" algn="l" rtl="0">
               <a:spcBef>
                 <a:spcPts val="0"/>
               </a:spcBef>
@@ -1856,9 +1909,6 @@
               </a:spcAft>
               <a:buNone/>
             </a:pPr>
-            <a:r>
-              <a:t/>
-            </a:r>
             <a:endParaRPr>
               <a:solidFill>
                 <a:schemeClr val="dk1"/>
@@ -1876,11 +1926,11 @@
 </file>
 
 <file path=ppt/slideLayouts/slideLayout1.xml><?xml version="1.0" encoding="utf-8"?>
-<p:sldLayout xmlns:a="http://schemas.openxmlformats.org/drawingml/2006/main" xmlns:r="http://schemas.openxmlformats.org/officeDocument/2006/relationships" xmlns:mc="http://schemas.openxmlformats.org/markup-compatibility/2006" xmlns:mv="urn:schemas-microsoft-com:mac:vml" xmlns:p="http://schemas.openxmlformats.org/presentationml/2006/main" xmlns:c="http://schemas.openxmlformats.org/drawingml/2006/chart" xmlns:dgm="http://schemas.openxmlformats.org/drawingml/2006/diagram" xmlns:o="urn:schemas-microsoft-com:office:office" xmlns:v="urn:schemas-microsoft-com:vml" xmlns:pvml="urn:schemas-microsoft-com:office:powerpoint" xmlns:com="http://schemas.openxmlformats.org/drawingml/2006/compatibility" xmlns:p14="http://schemas.microsoft.com/office/powerpoint/2010/main" xmlns:p15="http://schemas.microsoft.com/office/powerpoint/2012/main" xmlns:ahyp="http://schemas.microsoft.com/office/drawing/2018/hyperlinkcolor" matchingName="Title slide" type="title">
+<p:sldLayout xmlns:a="http://schemas.openxmlformats.org/drawingml/2006/main" xmlns:r="http://schemas.openxmlformats.org/officeDocument/2006/relationships" xmlns:p="http://schemas.openxmlformats.org/presentationml/2006/main" matchingName="Title slide" type="title">
   <p:cSld name="TITLE">
     <p:spTree>
       <p:nvGrpSpPr>
-        <p:cNvPr id="9" name="Shape 9"/>
+        <p:cNvPr id="1" name="Shape 9"/>
         <p:cNvGrpSpPr/>
         <p:nvPr/>
       </p:nvGrpSpPr>
@@ -1895,7 +1945,9 @@
       <p:sp>
         <p:nvSpPr>
           <p:cNvPr id="10" name="Google Shape;10;p2"/>
-          <p:cNvSpPr txBox="1"/>
+          <p:cNvSpPr txBox="1">
+            <a:spLocks noGrp="1"/>
+          </p:cNvSpPr>
           <p:nvPr>
             <p:ph type="ctrTitle"/>
           </p:nvPr>
@@ -1910,7 +1962,7 @@
           </a:prstGeom>
         </p:spPr>
         <p:txBody>
-          <a:bodyPr anchorCtr="0" anchor="b" bIns="91425" lIns="91425" spcFirstLastPara="1" rIns="91425" wrap="square" tIns="91425">
+          <a:bodyPr spcFirstLastPara="1" wrap="square" lIns="91425" tIns="91425" rIns="91425" bIns="91425" anchor="b" anchorCtr="0">
             <a:normAutofit/>
           </a:bodyPr>
           <a:lstStyle>
@@ -2014,15 +2066,19 @@
               <a:defRPr sz="5200"/>
             </a:lvl9pPr>
           </a:lstStyle>
-          <a:p/>
+          <a:p>
+            <a:endParaRPr/>
+          </a:p>
         </p:txBody>
       </p:sp>
       <p:sp>
         <p:nvSpPr>
           <p:cNvPr id="11" name="Google Shape;11;p2"/>
-          <p:cNvSpPr txBox="1"/>
+          <p:cNvSpPr txBox="1">
+            <a:spLocks noGrp="1"/>
+          </p:cNvSpPr>
           <p:nvPr>
-            <p:ph idx="1" type="subTitle"/>
+            <p:ph type="subTitle" idx="1"/>
           </p:nvPr>
         </p:nvSpPr>
         <p:spPr>
@@ -2035,7 +2091,7 @@
           </a:prstGeom>
         </p:spPr>
         <p:txBody>
-          <a:bodyPr anchorCtr="0" anchor="t" bIns="91425" lIns="91425" spcFirstLastPara="1" rIns="91425" wrap="square" tIns="91425">
+          <a:bodyPr spcFirstLastPara="1" wrap="square" lIns="91425" tIns="91425" rIns="91425" bIns="91425" anchor="t" anchorCtr="0">
             <a:normAutofit/>
           </a:bodyPr>
           <a:lstStyle>
@@ -2166,15 +2222,19 @@
               <a:defRPr sz="2800"/>
             </a:lvl9pPr>
           </a:lstStyle>
-          <a:p/>
+          <a:p>
+            <a:endParaRPr/>
+          </a:p>
         </p:txBody>
       </p:sp>
       <p:sp>
         <p:nvSpPr>
           <p:cNvPr id="12" name="Google Shape;12;p2"/>
-          <p:cNvSpPr txBox="1"/>
+          <p:cNvSpPr txBox="1">
+            <a:spLocks noGrp="1"/>
+          </p:cNvSpPr>
           <p:nvPr>
-            <p:ph idx="12" type="sldNum"/>
+            <p:ph type="sldNum" idx="12"/>
           </p:nvPr>
         </p:nvSpPr>
         <p:spPr>
@@ -2187,7 +2247,7 @@
           </a:prstGeom>
         </p:spPr>
         <p:txBody>
-          <a:bodyPr anchorCtr="0" anchor="ctr" bIns="91425" lIns="91425" spcFirstLastPara="1" rIns="91425" wrap="square" tIns="91425">
+          <a:bodyPr spcFirstLastPara="1" wrap="square" lIns="91425" tIns="91425" rIns="91425" bIns="91425" anchor="ctr" anchorCtr="0">
             <a:normAutofit/>
           </a:bodyPr>
           <a:lstStyle>
@@ -2229,7 +2289,7 @@
             </a:lvl9pPr>
           </a:lstStyle>
           <a:p>
-            <a:pPr indent="0" lvl="0" marL="0" rtl="0" algn="r">
+            <a:pPr marL="0" lvl="0" indent="0" algn="r" rtl="0">
               <a:spcBef>
                 <a:spcPts val="0"/>
               </a:spcBef>
@@ -2255,11 +2315,11 @@
 </file>
 
 <file path=ppt/slideLayouts/slideLayout10.xml><?xml version="1.0" encoding="utf-8"?>
-<p:sldLayout xmlns:a="http://schemas.openxmlformats.org/drawingml/2006/main" xmlns:r="http://schemas.openxmlformats.org/officeDocument/2006/relationships" xmlns:mc="http://schemas.openxmlformats.org/markup-compatibility/2006" xmlns:mv="urn:schemas-microsoft-com:mac:vml" xmlns:p="http://schemas.openxmlformats.org/presentationml/2006/main" xmlns:c="http://schemas.openxmlformats.org/drawingml/2006/chart" xmlns:dgm="http://schemas.openxmlformats.org/drawingml/2006/diagram" xmlns:o="urn:schemas-microsoft-com:office:office" xmlns:v="urn:schemas-microsoft-com:vml" xmlns:pvml="urn:schemas-microsoft-com:office:powerpoint" xmlns:com="http://schemas.openxmlformats.org/drawingml/2006/compatibility" xmlns:p14="http://schemas.microsoft.com/office/powerpoint/2010/main" xmlns:p15="http://schemas.microsoft.com/office/powerpoint/2012/main" xmlns:ahyp="http://schemas.microsoft.com/office/drawing/2018/hyperlinkcolor" matchingName="Big number">
+<p:sldLayout xmlns:a="http://schemas.openxmlformats.org/drawingml/2006/main" xmlns:r="http://schemas.openxmlformats.org/officeDocument/2006/relationships" xmlns:p="http://schemas.openxmlformats.org/presentationml/2006/main" matchingName="Big number">
   <p:cSld name="BIG_NUMBER">
     <p:spTree>
       <p:nvGrpSpPr>
-        <p:cNvPr id="44" name="Shape 44"/>
+        <p:cNvPr id="1" name="Shape 44"/>
         <p:cNvGrpSpPr/>
         <p:nvPr/>
       </p:nvGrpSpPr>
@@ -2274,9 +2334,11 @@
       <p:sp>
         <p:nvSpPr>
           <p:cNvPr id="45" name="Google Shape;45;p11"/>
-          <p:cNvSpPr txBox="1"/>
+          <p:cNvSpPr txBox="1">
+            <a:spLocks noGrp="1"/>
+          </p:cNvSpPr>
           <p:nvPr>
-            <p:ph hasCustomPrompt="1" type="title"/>
+            <p:ph type="title" hasCustomPrompt="1"/>
           </p:nvPr>
         </p:nvSpPr>
         <p:spPr>
@@ -2289,7 +2351,7 @@
           </a:prstGeom>
         </p:spPr>
         <p:txBody>
-          <a:bodyPr anchorCtr="0" anchor="b" bIns="91425" lIns="91425" spcFirstLastPara="1" rIns="91425" wrap="square" tIns="91425">
+          <a:bodyPr spcFirstLastPara="1" wrap="square" lIns="91425" tIns="91425" rIns="91425" bIns="91425" anchor="b" anchorCtr="0">
             <a:normAutofit/>
           </a:bodyPr>
           <a:lstStyle>
@@ -2403,9 +2465,11 @@
       <p:sp>
         <p:nvSpPr>
           <p:cNvPr id="46" name="Google Shape;46;p11"/>
-          <p:cNvSpPr txBox="1"/>
+          <p:cNvSpPr txBox="1">
+            <a:spLocks noGrp="1"/>
+          </p:cNvSpPr>
           <p:nvPr>
-            <p:ph idx="1" type="body"/>
+            <p:ph type="body" idx="1"/>
           </p:nvPr>
         </p:nvSpPr>
         <p:spPr>
@@ -2418,11 +2482,11 @@
           </a:prstGeom>
         </p:spPr>
         <p:txBody>
-          <a:bodyPr anchorCtr="0" anchor="t" bIns="91425" lIns="91425" spcFirstLastPara="1" rIns="91425" wrap="square" tIns="91425">
+          <a:bodyPr spcFirstLastPara="1" wrap="square" lIns="91425" tIns="91425" rIns="91425" bIns="91425" anchor="t" anchorCtr="0">
             <a:normAutofit/>
           </a:bodyPr>
           <a:lstStyle>
-            <a:lvl1pPr indent="-342900" lvl="0" marL="457200" algn="ctr">
+            <a:lvl1pPr marL="457200" lvl="0" indent="-342900" algn="ctr">
               <a:spcBef>
                 <a:spcPts val="0"/>
               </a:spcBef>
@@ -2433,7 +2497,7 @@
               <a:buChar char="●"/>
               <a:defRPr/>
             </a:lvl1pPr>
-            <a:lvl2pPr indent="-317500" lvl="1" marL="914400" algn="ctr">
+            <a:lvl2pPr marL="914400" lvl="1" indent="-317500" algn="ctr">
               <a:spcBef>
                 <a:spcPts val="0"/>
               </a:spcBef>
@@ -2444,7 +2508,7 @@
               <a:buChar char="○"/>
               <a:defRPr/>
             </a:lvl2pPr>
-            <a:lvl3pPr indent="-317500" lvl="2" marL="1371600" algn="ctr">
+            <a:lvl3pPr marL="1371600" lvl="2" indent="-317500" algn="ctr">
               <a:spcBef>
                 <a:spcPts val="0"/>
               </a:spcBef>
@@ -2455,7 +2519,7 @@
               <a:buChar char="■"/>
               <a:defRPr/>
             </a:lvl3pPr>
-            <a:lvl4pPr indent="-317500" lvl="3" marL="1828800" algn="ctr">
+            <a:lvl4pPr marL="1828800" lvl="3" indent="-317500" algn="ctr">
               <a:spcBef>
                 <a:spcPts val="0"/>
               </a:spcBef>
@@ -2466,7 +2530,7 @@
               <a:buChar char="●"/>
               <a:defRPr/>
             </a:lvl4pPr>
-            <a:lvl5pPr indent="-317500" lvl="4" marL="2286000" algn="ctr">
+            <a:lvl5pPr marL="2286000" lvl="4" indent="-317500" algn="ctr">
               <a:spcBef>
                 <a:spcPts val="0"/>
               </a:spcBef>
@@ -2477,7 +2541,7 @@
               <a:buChar char="○"/>
               <a:defRPr/>
             </a:lvl5pPr>
-            <a:lvl6pPr indent="-317500" lvl="5" marL="2743200" algn="ctr">
+            <a:lvl6pPr marL="2743200" lvl="5" indent="-317500" algn="ctr">
               <a:spcBef>
                 <a:spcPts val="0"/>
               </a:spcBef>
@@ -2488,7 +2552,7 @@
               <a:buChar char="■"/>
               <a:defRPr/>
             </a:lvl6pPr>
-            <a:lvl7pPr indent="-317500" lvl="6" marL="3200400" algn="ctr">
+            <a:lvl7pPr marL="3200400" lvl="6" indent="-317500" algn="ctr">
               <a:spcBef>
                 <a:spcPts val="0"/>
               </a:spcBef>
@@ -2499,7 +2563,7 @@
               <a:buChar char="●"/>
               <a:defRPr/>
             </a:lvl7pPr>
-            <a:lvl8pPr indent="-317500" lvl="7" marL="3657600" algn="ctr">
+            <a:lvl8pPr marL="3657600" lvl="7" indent="-317500" algn="ctr">
               <a:spcBef>
                 <a:spcPts val="0"/>
               </a:spcBef>
@@ -2510,7 +2574,7 @@
               <a:buChar char="○"/>
               <a:defRPr/>
             </a:lvl8pPr>
-            <a:lvl9pPr indent="-317500" lvl="8" marL="4114800" algn="ctr">
+            <a:lvl9pPr marL="4114800" lvl="8" indent="-317500" algn="ctr">
               <a:spcBef>
                 <a:spcPts val="0"/>
               </a:spcBef>
@@ -2522,15 +2586,19 @@
               <a:defRPr/>
             </a:lvl9pPr>
           </a:lstStyle>
-          <a:p/>
+          <a:p>
+            <a:endParaRPr/>
+          </a:p>
         </p:txBody>
       </p:sp>
       <p:sp>
         <p:nvSpPr>
           <p:cNvPr id="47" name="Google Shape;47;p11"/>
-          <p:cNvSpPr txBox="1"/>
+          <p:cNvSpPr txBox="1">
+            <a:spLocks noGrp="1"/>
+          </p:cNvSpPr>
           <p:nvPr>
-            <p:ph idx="12" type="sldNum"/>
+            <p:ph type="sldNum" idx="12"/>
           </p:nvPr>
         </p:nvSpPr>
         <p:spPr>
@@ -2543,7 +2611,7 @@
           </a:prstGeom>
         </p:spPr>
         <p:txBody>
-          <a:bodyPr anchorCtr="0" anchor="ctr" bIns="91425" lIns="91425" spcFirstLastPara="1" rIns="91425" wrap="square" tIns="91425">
+          <a:bodyPr spcFirstLastPara="1" wrap="square" lIns="91425" tIns="91425" rIns="91425" bIns="91425" anchor="ctr" anchorCtr="0">
             <a:normAutofit/>
           </a:bodyPr>
           <a:lstStyle>
@@ -2585,7 +2653,7 @@
             </a:lvl9pPr>
           </a:lstStyle>
           <a:p>
-            <a:pPr indent="0" lvl="0" marL="0" rtl="0" algn="r">
+            <a:pPr marL="0" lvl="0" indent="0" algn="r" rtl="0">
               <a:spcBef>
                 <a:spcPts val="0"/>
               </a:spcBef>
@@ -2611,11 +2679,11 @@
 </file>
 
 <file path=ppt/slideLayouts/slideLayout11.xml><?xml version="1.0" encoding="utf-8"?>
-<p:sldLayout xmlns:a="http://schemas.openxmlformats.org/drawingml/2006/main" xmlns:r="http://schemas.openxmlformats.org/officeDocument/2006/relationships" xmlns:mc="http://schemas.openxmlformats.org/markup-compatibility/2006" xmlns:mv="urn:schemas-microsoft-com:mac:vml" xmlns:p="http://schemas.openxmlformats.org/presentationml/2006/main" xmlns:c="http://schemas.openxmlformats.org/drawingml/2006/chart" xmlns:dgm="http://schemas.openxmlformats.org/drawingml/2006/diagram" xmlns:o="urn:schemas-microsoft-com:office:office" xmlns:v="urn:schemas-microsoft-com:vml" xmlns:pvml="urn:schemas-microsoft-com:office:powerpoint" xmlns:com="http://schemas.openxmlformats.org/drawingml/2006/compatibility" xmlns:p14="http://schemas.microsoft.com/office/powerpoint/2010/main" xmlns:p15="http://schemas.microsoft.com/office/powerpoint/2012/main" xmlns:ahyp="http://schemas.microsoft.com/office/drawing/2018/hyperlinkcolor" matchingName="Blank" type="blank">
+<p:sldLayout xmlns:a="http://schemas.openxmlformats.org/drawingml/2006/main" xmlns:r="http://schemas.openxmlformats.org/officeDocument/2006/relationships" xmlns:p="http://schemas.openxmlformats.org/presentationml/2006/main" matchingName="Blank" type="blank">
   <p:cSld name="BLANK">
     <p:spTree>
       <p:nvGrpSpPr>
-        <p:cNvPr id="48" name="Shape 48"/>
+        <p:cNvPr id="1" name="Shape 48"/>
         <p:cNvGrpSpPr/>
         <p:nvPr/>
       </p:nvGrpSpPr>
@@ -2630,9 +2698,11 @@
       <p:sp>
         <p:nvSpPr>
           <p:cNvPr id="49" name="Google Shape;49;p12"/>
-          <p:cNvSpPr txBox="1"/>
+          <p:cNvSpPr txBox="1">
+            <a:spLocks noGrp="1"/>
+          </p:cNvSpPr>
           <p:nvPr>
-            <p:ph idx="12" type="sldNum"/>
+            <p:ph type="sldNum" idx="12"/>
           </p:nvPr>
         </p:nvSpPr>
         <p:spPr>
@@ -2645,7 +2715,7 @@
           </a:prstGeom>
         </p:spPr>
         <p:txBody>
-          <a:bodyPr anchorCtr="0" anchor="ctr" bIns="91425" lIns="91425" spcFirstLastPara="1" rIns="91425" wrap="square" tIns="91425">
+          <a:bodyPr spcFirstLastPara="1" wrap="square" lIns="91425" tIns="91425" rIns="91425" bIns="91425" anchor="ctr" anchorCtr="0">
             <a:normAutofit/>
           </a:bodyPr>
           <a:lstStyle>
@@ -2687,7 +2757,7 @@
             </a:lvl9pPr>
           </a:lstStyle>
           <a:p>
-            <a:pPr indent="0" lvl="0" marL="0" rtl="0" algn="r">
+            <a:pPr marL="0" lvl="0" indent="0" algn="r" rtl="0">
               <a:spcBef>
                 <a:spcPts val="0"/>
               </a:spcBef>
@@ -2713,11 +2783,11 @@
 </file>
 
 <file path=ppt/slideLayouts/slideLayout2.xml><?xml version="1.0" encoding="utf-8"?>
-<p:sldLayout xmlns:a="http://schemas.openxmlformats.org/drawingml/2006/main" xmlns:r="http://schemas.openxmlformats.org/officeDocument/2006/relationships" xmlns:mc="http://schemas.openxmlformats.org/markup-compatibility/2006" xmlns:mv="urn:schemas-microsoft-com:mac:vml" xmlns:p="http://schemas.openxmlformats.org/presentationml/2006/main" xmlns:c="http://schemas.openxmlformats.org/drawingml/2006/chart" xmlns:dgm="http://schemas.openxmlformats.org/drawingml/2006/diagram" xmlns:o="urn:schemas-microsoft-com:office:office" xmlns:v="urn:schemas-microsoft-com:vml" xmlns:pvml="urn:schemas-microsoft-com:office:powerpoint" xmlns:com="http://schemas.openxmlformats.org/drawingml/2006/compatibility" xmlns:p14="http://schemas.microsoft.com/office/powerpoint/2010/main" xmlns:p15="http://schemas.microsoft.com/office/powerpoint/2012/main" xmlns:ahyp="http://schemas.microsoft.com/office/drawing/2018/hyperlinkcolor" matchingName="Section header" type="secHead">
+<p:sldLayout xmlns:a="http://schemas.openxmlformats.org/drawingml/2006/main" xmlns:r="http://schemas.openxmlformats.org/officeDocument/2006/relationships" xmlns:p="http://schemas.openxmlformats.org/presentationml/2006/main" matchingName="Section header" type="secHead">
   <p:cSld name="SECTION_HEADER">
     <p:spTree>
       <p:nvGrpSpPr>
-        <p:cNvPr id="13" name="Shape 13"/>
+        <p:cNvPr id="1" name="Shape 13"/>
         <p:cNvGrpSpPr/>
         <p:nvPr/>
       </p:nvGrpSpPr>
@@ -2732,7 +2802,9 @@
       <p:sp>
         <p:nvSpPr>
           <p:cNvPr id="14" name="Google Shape;14;p3"/>
-          <p:cNvSpPr txBox="1"/>
+          <p:cNvSpPr txBox="1">
+            <a:spLocks noGrp="1"/>
+          </p:cNvSpPr>
           <p:nvPr>
             <p:ph type="title"/>
           </p:nvPr>
@@ -2747,7 +2819,7 @@
           </a:prstGeom>
         </p:spPr>
         <p:txBody>
-          <a:bodyPr anchorCtr="0" anchor="ctr" bIns="91425" lIns="91425" spcFirstLastPara="1" rIns="91425" wrap="square" tIns="91425">
+          <a:bodyPr spcFirstLastPara="1" wrap="square" lIns="91425" tIns="91425" rIns="91425" bIns="91425" anchor="ctr" anchorCtr="0">
             <a:normAutofit/>
           </a:bodyPr>
           <a:lstStyle>
@@ -2851,15 +2923,19 @@
               <a:defRPr sz="3600"/>
             </a:lvl9pPr>
           </a:lstStyle>
-          <a:p/>
+          <a:p>
+            <a:endParaRPr/>
+          </a:p>
         </p:txBody>
       </p:sp>
       <p:sp>
         <p:nvSpPr>
           <p:cNvPr id="15" name="Google Shape;15;p3"/>
-          <p:cNvSpPr txBox="1"/>
+          <p:cNvSpPr txBox="1">
+            <a:spLocks noGrp="1"/>
+          </p:cNvSpPr>
           <p:nvPr>
-            <p:ph idx="12" type="sldNum"/>
+            <p:ph type="sldNum" idx="12"/>
           </p:nvPr>
         </p:nvSpPr>
         <p:spPr>
@@ -2872,7 +2948,7 @@
           </a:prstGeom>
         </p:spPr>
         <p:txBody>
-          <a:bodyPr anchorCtr="0" anchor="ctr" bIns="91425" lIns="91425" spcFirstLastPara="1" rIns="91425" wrap="square" tIns="91425">
+          <a:bodyPr spcFirstLastPara="1" wrap="square" lIns="91425" tIns="91425" rIns="91425" bIns="91425" anchor="ctr" anchorCtr="0">
             <a:normAutofit/>
           </a:bodyPr>
           <a:lstStyle>
@@ -2914,7 +2990,7 @@
             </a:lvl9pPr>
           </a:lstStyle>
           <a:p>
-            <a:pPr indent="0" lvl="0" marL="0" rtl="0" algn="r">
+            <a:pPr marL="0" lvl="0" indent="0" algn="r" rtl="0">
               <a:spcBef>
                 <a:spcPts val="0"/>
               </a:spcBef>
@@ -2940,11 +3016,11 @@
 </file>
 
 <file path=ppt/slideLayouts/slideLayout3.xml><?xml version="1.0" encoding="utf-8"?>
-<p:sldLayout xmlns:a="http://schemas.openxmlformats.org/drawingml/2006/main" xmlns:r="http://schemas.openxmlformats.org/officeDocument/2006/relationships" xmlns:mc="http://schemas.openxmlformats.org/markup-compatibility/2006" xmlns:mv="urn:schemas-microsoft-com:mac:vml" xmlns:p="http://schemas.openxmlformats.org/presentationml/2006/main" xmlns:c="http://schemas.openxmlformats.org/drawingml/2006/chart" xmlns:dgm="http://schemas.openxmlformats.org/drawingml/2006/diagram" xmlns:o="urn:schemas-microsoft-com:office:office" xmlns:v="urn:schemas-microsoft-com:vml" xmlns:pvml="urn:schemas-microsoft-com:office:powerpoint" xmlns:com="http://schemas.openxmlformats.org/drawingml/2006/compatibility" xmlns:p14="http://schemas.microsoft.com/office/powerpoint/2010/main" xmlns:p15="http://schemas.microsoft.com/office/powerpoint/2012/main" xmlns:ahyp="http://schemas.microsoft.com/office/drawing/2018/hyperlinkcolor" matchingName="Title and body" type="tx">
+<p:sldLayout xmlns:a="http://schemas.openxmlformats.org/drawingml/2006/main" xmlns:r="http://schemas.openxmlformats.org/officeDocument/2006/relationships" xmlns:p="http://schemas.openxmlformats.org/presentationml/2006/main" matchingName="Title and body" type="tx">
   <p:cSld name="TITLE_AND_BODY">
     <p:spTree>
       <p:nvGrpSpPr>
-        <p:cNvPr id="16" name="Shape 16"/>
+        <p:cNvPr id="1" name="Shape 16"/>
         <p:cNvGrpSpPr/>
         <p:nvPr/>
       </p:nvGrpSpPr>
@@ -2959,7 +3035,9 @@
       <p:sp>
         <p:nvSpPr>
           <p:cNvPr id="17" name="Google Shape;17;p4"/>
-          <p:cNvSpPr txBox="1"/>
+          <p:cNvSpPr txBox="1">
+            <a:spLocks noGrp="1"/>
+          </p:cNvSpPr>
           <p:nvPr>
             <p:ph type="title"/>
           </p:nvPr>
@@ -2974,7 +3052,7 @@
           </a:prstGeom>
         </p:spPr>
         <p:txBody>
-          <a:bodyPr anchorCtr="0" anchor="t" bIns="91425" lIns="91425" spcFirstLastPara="1" rIns="91425" wrap="square" tIns="91425">
+          <a:bodyPr spcFirstLastPara="1" wrap="square" lIns="91425" tIns="91425" rIns="91425" bIns="91425" anchor="t" anchorCtr="0">
             <a:normAutofit/>
           </a:bodyPr>
           <a:lstStyle>
@@ -3078,15 +3156,19 @@
               <a:defRPr/>
             </a:lvl9pPr>
           </a:lstStyle>
-          <a:p/>
+          <a:p>
+            <a:endParaRPr/>
+          </a:p>
         </p:txBody>
       </p:sp>
       <p:sp>
         <p:nvSpPr>
           <p:cNvPr id="18" name="Google Shape;18;p4"/>
-          <p:cNvSpPr txBox="1"/>
+          <p:cNvSpPr txBox="1">
+            <a:spLocks noGrp="1"/>
+          </p:cNvSpPr>
           <p:nvPr>
-            <p:ph idx="1" type="body"/>
+            <p:ph type="body" idx="1"/>
           </p:nvPr>
         </p:nvSpPr>
         <p:spPr>
@@ -3099,11 +3181,11 @@
           </a:prstGeom>
         </p:spPr>
         <p:txBody>
-          <a:bodyPr anchorCtr="0" anchor="t" bIns="91425" lIns="91425" spcFirstLastPara="1" rIns="91425" wrap="square" tIns="91425">
+          <a:bodyPr spcFirstLastPara="1" wrap="square" lIns="91425" tIns="91425" rIns="91425" bIns="91425" anchor="t" anchorCtr="0">
             <a:normAutofit/>
           </a:bodyPr>
           <a:lstStyle>
-            <a:lvl1pPr indent="-342900" lvl="0" marL="457200">
+            <a:lvl1pPr marL="457200" lvl="0" indent="-342900">
               <a:spcBef>
                 <a:spcPts val="0"/>
               </a:spcBef>
@@ -3114,7 +3196,7 @@
               <a:buChar char="●"/>
               <a:defRPr/>
             </a:lvl1pPr>
-            <a:lvl2pPr indent="-317500" lvl="1" marL="914400">
+            <a:lvl2pPr marL="914400" lvl="1" indent="-317500">
               <a:spcBef>
                 <a:spcPts val="0"/>
               </a:spcBef>
@@ -3125,7 +3207,7 @@
               <a:buChar char="○"/>
               <a:defRPr/>
             </a:lvl2pPr>
-            <a:lvl3pPr indent="-317500" lvl="2" marL="1371600">
+            <a:lvl3pPr marL="1371600" lvl="2" indent="-317500">
               <a:spcBef>
                 <a:spcPts val="0"/>
               </a:spcBef>
@@ -3136,7 +3218,7 @@
               <a:buChar char="■"/>
               <a:defRPr/>
             </a:lvl3pPr>
-            <a:lvl4pPr indent="-317500" lvl="3" marL="1828800">
+            <a:lvl4pPr marL="1828800" lvl="3" indent="-317500">
               <a:spcBef>
                 <a:spcPts val="0"/>
               </a:spcBef>
@@ -3147,7 +3229,7 @@
               <a:buChar char="●"/>
               <a:defRPr/>
             </a:lvl4pPr>
-            <a:lvl5pPr indent="-317500" lvl="4" marL="2286000">
+            <a:lvl5pPr marL="2286000" lvl="4" indent="-317500">
               <a:spcBef>
                 <a:spcPts val="0"/>
               </a:spcBef>
@@ -3158,7 +3240,7 @@
               <a:buChar char="○"/>
               <a:defRPr/>
             </a:lvl5pPr>
-            <a:lvl6pPr indent="-317500" lvl="5" marL="2743200">
+            <a:lvl6pPr marL="2743200" lvl="5" indent="-317500">
               <a:spcBef>
                 <a:spcPts val="0"/>
               </a:spcBef>
@@ -3169,7 +3251,7 @@
               <a:buChar char="■"/>
               <a:defRPr/>
             </a:lvl6pPr>
-            <a:lvl7pPr indent="-317500" lvl="6" marL="3200400">
+            <a:lvl7pPr marL="3200400" lvl="6" indent="-317500">
               <a:spcBef>
                 <a:spcPts val="0"/>
               </a:spcBef>
@@ -3180,7 +3262,7 @@
               <a:buChar char="●"/>
               <a:defRPr/>
             </a:lvl7pPr>
-            <a:lvl8pPr indent="-317500" lvl="7" marL="3657600">
+            <a:lvl8pPr marL="3657600" lvl="7" indent="-317500">
               <a:spcBef>
                 <a:spcPts val="0"/>
               </a:spcBef>
@@ -3191,7 +3273,7 @@
               <a:buChar char="○"/>
               <a:defRPr/>
             </a:lvl8pPr>
-            <a:lvl9pPr indent="-317500" lvl="8" marL="4114800">
+            <a:lvl9pPr marL="4114800" lvl="8" indent="-317500">
               <a:spcBef>
                 <a:spcPts val="0"/>
               </a:spcBef>
@@ -3203,15 +3285,19 @@
               <a:defRPr/>
             </a:lvl9pPr>
           </a:lstStyle>
-          <a:p/>
+          <a:p>
+            <a:endParaRPr/>
+          </a:p>
         </p:txBody>
       </p:sp>
       <p:sp>
         <p:nvSpPr>
           <p:cNvPr id="19" name="Google Shape;19;p4"/>
-          <p:cNvSpPr txBox="1"/>
+          <p:cNvSpPr txBox="1">
+            <a:spLocks noGrp="1"/>
+          </p:cNvSpPr>
           <p:nvPr>
-            <p:ph idx="12" type="sldNum"/>
+            <p:ph type="sldNum" idx="12"/>
           </p:nvPr>
         </p:nvSpPr>
         <p:spPr>
@@ -3224,7 +3310,7 @@
           </a:prstGeom>
         </p:spPr>
         <p:txBody>
-          <a:bodyPr anchorCtr="0" anchor="ctr" bIns="91425" lIns="91425" spcFirstLastPara="1" rIns="91425" wrap="square" tIns="91425">
+          <a:bodyPr spcFirstLastPara="1" wrap="square" lIns="91425" tIns="91425" rIns="91425" bIns="91425" anchor="ctr" anchorCtr="0">
             <a:normAutofit/>
           </a:bodyPr>
           <a:lstStyle>
@@ -3266,7 +3352,7 @@
             </a:lvl9pPr>
           </a:lstStyle>
           <a:p>
-            <a:pPr indent="0" lvl="0" marL="0" rtl="0" algn="r">
+            <a:pPr marL="0" lvl="0" indent="0" algn="r" rtl="0">
               <a:spcBef>
                 <a:spcPts val="0"/>
               </a:spcBef>
@@ -3292,11 +3378,11 @@
 </file>
 
 <file path=ppt/slideLayouts/slideLayout4.xml><?xml version="1.0" encoding="utf-8"?>
-<p:sldLayout xmlns:a="http://schemas.openxmlformats.org/drawingml/2006/main" xmlns:r="http://schemas.openxmlformats.org/officeDocument/2006/relationships" xmlns:mc="http://schemas.openxmlformats.org/markup-compatibility/2006" xmlns:mv="urn:schemas-microsoft-com:mac:vml" xmlns:p="http://schemas.openxmlformats.org/presentationml/2006/main" xmlns:c="http://schemas.openxmlformats.org/drawingml/2006/chart" xmlns:dgm="http://schemas.openxmlformats.org/drawingml/2006/diagram" xmlns:o="urn:schemas-microsoft-com:office:office" xmlns:v="urn:schemas-microsoft-com:vml" xmlns:pvml="urn:schemas-microsoft-com:office:powerpoint" xmlns:com="http://schemas.openxmlformats.org/drawingml/2006/compatibility" xmlns:p14="http://schemas.microsoft.com/office/powerpoint/2010/main" xmlns:p15="http://schemas.microsoft.com/office/powerpoint/2012/main" xmlns:ahyp="http://schemas.microsoft.com/office/drawing/2018/hyperlinkcolor" matchingName="Title and two columns" type="twoColTx">
+<p:sldLayout xmlns:a="http://schemas.openxmlformats.org/drawingml/2006/main" xmlns:r="http://schemas.openxmlformats.org/officeDocument/2006/relationships" xmlns:p="http://schemas.openxmlformats.org/presentationml/2006/main" matchingName="Title and two columns" type="twoColTx">
   <p:cSld name="TITLE_AND_TWO_COLUMNS">
     <p:spTree>
       <p:nvGrpSpPr>
-        <p:cNvPr id="20" name="Shape 20"/>
+        <p:cNvPr id="1" name="Shape 20"/>
         <p:cNvGrpSpPr/>
         <p:nvPr/>
       </p:nvGrpSpPr>
@@ -3311,7 +3397,9 @@
       <p:sp>
         <p:nvSpPr>
           <p:cNvPr id="21" name="Google Shape;21;p5"/>
-          <p:cNvSpPr txBox="1"/>
+          <p:cNvSpPr txBox="1">
+            <a:spLocks noGrp="1"/>
+          </p:cNvSpPr>
           <p:nvPr>
             <p:ph type="title"/>
           </p:nvPr>
@@ -3326,7 +3414,7 @@
           </a:prstGeom>
         </p:spPr>
         <p:txBody>
-          <a:bodyPr anchorCtr="0" anchor="t" bIns="91425" lIns="91425" spcFirstLastPara="1" rIns="91425" wrap="square" tIns="91425">
+          <a:bodyPr spcFirstLastPara="1" wrap="square" lIns="91425" tIns="91425" rIns="91425" bIns="91425" anchor="t" anchorCtr="0">
             <a:normAutofit/>
           </a:bodyPr>
           <a:lstStyle>
@@ -3430,15 +3518,19 @@
               <a:defRPr/>
             </a:lvl9pPr>
           </a:lstStyle>
-          <a:p/>
+          <a:p>
+            <a:endParaRPr/>
+          </a:p>
         </p:txBody>
       </p:sp>
       <p:sp>
         <p:nvSpPr>
           <p:cNvPr id="22" name="Google Shape;22;p5"/>
-          <p:cNvSpPr txBox="1"/>
+          <p:cNvSpPr txBox="1">
+            <a:spLocks noGrp="1"/>
+          </p:cNvSpPr>
           <p:nvPr>
-            <p:ph idx="1" type="body"/>
+            <p:ph type="body" idx="1"/>
           </p:nvPr>
         </p:nvSpPr>
         <p:spPr>
@@ -3451,11 +3543,11 @@
           </a:prstGeom>
         </p:spPr>
         <p:txBody>
-          <a:bodyPr anchorCtr="0" anchor="t" bIns="91425" lIns="91425" spcFirstLastPara="1" rIns="91425" wrap="square" tIns="91425">
+          <a:bodyPr spcFirstLastPara="1" wrap="square" lIns="91425" tIns="91425" rIns="91425" bIns="91425" anchor="t" anchorCtr="0">
             <a:normAutofit/>
           </a:bodyPr>
           <a:lstStyle>
-            <a:lvl1pPr indent="-317500" lvl="0" marL="457200">
+            <a:lvl1pPr marL="457200" lvl="0" indent="-317500">
               <a:spcBef>
                 <a:spcPts val="0"/>
               </a:spcBef>
@@ -3466,7 +3558,7 @@
               <a:buChar char="●"/>
               <a:defRPr sz="1400"/>
             </a:lvl1pPr>
-            <a:lvl2pPr indent="-304800" lvl="1" marL="914400">
+            <a:lvl2pPr marL="914400" lvl="1" indent="-304800">
               <a:spcBef>
                 <a:spcPts val="0"/>
               </a:spcBef>
@@ -3477,7 +3569,7 @@
               <a:buChar char="○"/>
               <a:defRPr sz="1200"/>
             </a:lvl2pPr>
-            <a:lvl3pPr indent="-304800" lvl="2" marL="1371600">
+            <a:lvl3pPr marL="1371600" lvl="2" indent="-304800">
               <a:spcBef>
                 <a:spcPts val="0"/>
               </a:spcBef>
@@ -3488,7 +3580,7 @@
               <a:buChar char="■"/>
               <a:defRPr sz="1200"/>
             </a:lvl3pPr>
-            <a:lvl4pPr indent="-304800" lvl="3" marL="1828800">
+            <a:lvl4pPr marL="1828800" lvl="3" indent="-304800">
               <a:spcBef>
                 <a:spcPts val="0"/>
               </a:spcBef>
@@ -3499,7 +3591,7 @@
               <a:buChar char="●"/>
               <a:defRPr sz="1200"/>
             </a:lvl4pPr>
-            <a:lvl5pPr indent="-304800" lvl="4" marL="2286000">
+            <a:lvl5pPr marL="2286000" lvl="4" indent="-304800">
               <a:spcBef>
                 <a:spcPts val="0"/>
               </a:spcBef>
@@ -3510,7 +3602,7 @@
               <a:buChar char="○"/>
               <a:defRPr sz="1200"/>
             </a:lvl5pPr>
-            <a:lvl6pPr indent="-304800" lvl="5" marL="2743200">
+            <a:lvl6pPr marL="2743200" lvl="5" indent="-304800">
               <a:spcBef>
                 <a:spcPts val="0"/>
               </a:spcBef>
@@ -3521,7 +3613,7 @@
               <a:buChar char="■"/>
               <a:defRPr sz="1200"/>
             </a:lvl6pPr>
-            <a:lvl7pPr indent="-304800" lvl="6" marL="3200400">
+            <a:lvl7pPr marL="3200400" lvl="6" indent="-304800">
               <a:spcBef>
                 <a:spcPts val="0"/>
               </a:spcBef>
@@ -3532,7 +3624,7 @@
               <a:buChar char="●"/>
               <a:defRPr sz="1200"/>
             </a:lvl7pPr>
-            <a:lvl8pPr indent="-304800" lvl="7" marL="3657600">
+            <a:lvl8pPr marL="3657600" lvl="7" indent="-304800">
               <a:spcBef>
                 <a:spcPts val="0"/>
               </a:spcBef>
@@ -3543,7 +3635,7 @@
               <a:buChar char="○"/>
               <a:defRPr sz="1200"/>
             </a:lvl8pPr>
-            <a:lvl9pPr indent="-304800" lvl="8" marL="4114800">
+            <a:lvl9pPr marL="4114800" lvl="8" indent="-304800">
               <a:spcBef>
                 <a:spcPts val="0"/>
               </a:spcBef>
@@ -3555,15 +3647,19 @@
               <a:defRPr sz="1200"/>
             </a:lvl9pPr>
           </a:lstStyle>
-          <a:p/>
+          <a:p>
+            <a:endParaRPr/>
+          </a:p>
         </p:txBody>
       </p:sp>
       <p:sp>
         <p:nvSpPr>
           <p:cNvPr id="23" name="Google Shape;23;p5"/>
-          <p:cNvSpPr txBox="1"/>
+          <p:cNvSpPr txBox="1">
+            <a:spLocks noGrp="1"/>
+          </p:cNvSpPr>
           <p:nvPr>
-            <p:ph idx="2" type="body"/>
+            <p:ph type="body" idx="2"/>
           </p:nvPr>
         </p:nvSpPr>
         <p:spPr>
@@ -3576,11 +3672,11 @@
           </a:prstGeom>
         </p:spPr>
         <p:txBody>
-          <a:bodyPr anchorCtr="0" anchor="t" bIns="91425" lIns="91425" spcFirstLastPara="1" rIns="91425" wrap="square" tIns="91425">
+          <a:bodyPr spcFirstLastPara="1" wrap="square" lIns="91425" tIns="91425" rIns="91425" bIns="91425" anchor="t" anchorCtr="0">
             <a:normAutofit/>
           </a:bodyPr>
           <a:lstStyle>
-            <a:lvl1pPr indent="-317500" lvl="0" marL="457200">
+            <a:lvl1pPr marL="457200" lvl="0" indent="-317500">
               <a:spcBef>
                 <a:spcPts val="0"/>
               </a:spcBef>
@@ -3591,7 +3687,7 @@
               <a:buChar char="●"/>
               <a:defRPr sz="1400"/>
             </a:lvl1pPr>
-            <a:lvl2pPr indent="-304800" lvl="1" marL="914400">
+            <a:lvl2pPr marL="914400" lvl="1" indent="-304800">
               <a:spcBef>
                 <a:spcPts val="0"/>
               </a:spcBef>
@@ -3602,7 +3698,7 @@
               <a:buChar char="○"/>
               <a:defRPr sz="1200"/>
             </a:lvl2pPr>
-            <a:lvl3pPr indent="-304800" lvl="2" marL="1371600">
+            <a:lvl3pPr marL="1371600" lvl="2" indent="-304800">
               <a:spcBef>
                 <a:spcPts val="0"/>
               </a:spcBef>
@@ -3613,7 +3709,7 @@
               <a:buChar char="■"/>
               <a:defRPr sz="1200"/>
             </a:lvl3pPr>
-            <a:lvl4pPr indent="-304800" lvl="3" marL="1828800">
+            <a:lvl4pPr marL="1828800" lvl="3" indent="-304800">
               <a:spcBef>
                 <a:spcPts val="0"/>
               </a:spcBef>
@@ -3624,7 +3720,7 @@
               <a:buChar char="●"/>
               <a:defRPr sz="1200"/>
             </a:lvl4pPr>
-            <a:lvl5pPr indent="-304800" lvl="4" marL="2286000">
+            <a:lvl5pPr marL="2286000" lvl="4" indent="-304800">
               <a:spcBef>
                 <a:spcPts val="0"/>
               </a:spcBef>
@@ -3635,7 +3731,7 @@
               <a:buChar char="○"/>
               <a:defRPr sz="1200"/>
             </a:lvl5pPr>
-            <a:lvl6pPr indent="-304800" lvl="5" marL="2743200">
+            <a:lvl6pPr marL="2743200" lvl="5" indent="-304800">
               <a:spcBef>
                 <a:spcPts val="0"/>
               </a:spcBef>
@@ -3646,7 +3742,7 @@
               <a:buChar char="■"/>
               <a:defRPr sz="1200"/>
             </a:lvl6pPr>
-            <a:lvl7pPr indent="-304800" lvl="6" marL="3200400">
+            <a:lvl7pPr marL="3200400" lvl="6" indent="-304800">
               <a:spcBef>
                 <a:spcPts val="0"/>
               </a:spcBef>
@@ -3657,7 +3753,7 @@
               <a:buChar char="●"/>
               <a:defRPr sz="1200"/>
             </a:lvl7pPr>
-            <a:lvl8pPr indent="-304800" lvl="7" marL="3657600">
+            <a:lvl8pPr marL="3657600" lvl="7" indent="-304800">
               <a:spcBef>
                 <a:spcPts val="0"/>
               </a:spcBef>
@@ -3668,7 +3764,7 @@
               <a:buChar char="○"/>
               <a:defRPr sz="1200"/>
             </a:lvl8pPr>
-            <a:lvl9pPr indent="-304800" lvl="8" marL="4114800">
+            <a:lvl9pPr marL="4114800" lvl="8" indent="-304800">
               <a:spcBef>
                 <a:spcPts val="0"/>
               </a:spcBef>
@@ -3680,15 +3776,19 @@
               <a:defRPr sz="1200"/>
             </a:lvl9pPr>
           </a:lstStyle>
-          <a:p/>
+          <a:p>
+            <a:endParaRPr/>
+          </a:p>
         </p:txBody>
       </p:sp>
       <p:sp>
         <p:nvSpPr>
           <p:cNvPr id="24" name="Google Shape;24;p5"/>
-          <p:cNvSpPr txBox="1"/>
+          <p:cNvSpPr txBox="1">
+            <a:spLocks noGrp="1"/>
+          </p:cNvSpPr>
           <p:nvPr>
-            <p:ph idx="12" type="sldNum"/>
+            <p:ph type="sldNum" idx="12"/>
           </p:nvPr>
         </p:nvSpPr>
         <p:spPr>
@@ -3701,7 +3801,7 @@
           </a:prstGeom>
         </p:spPr>
         <p:txBody>
-          <a:bodyPr anchorCtr="0" anchor="ctr" bIns="91425" lIns="91425" spcFirstLastPara="1" rIns="91425" wrap="square" tIns="91425">
+          <a:bodyPr spcFirstLastPara="1" wrap="square" lIns="91425" tIns="91425" rIns="91425" bIns="91425" anchor="ctr" anchorCtr="0">
             <a:normAutofit/>
           </a:bodyPr>
           <a:lstStyle>
@@ -3743,7 +3843,7 @@
             </a:lvl9pPr>
           </a:lstStyle>
           <a:p>
-            <a:pPr indent="0" lvl="0" marL="0" rtl="0" algn="r">
+            <a:pPr marL="0" lvl="0" indent="0" algn="r" rtl="0">
               <a:spcBef>
                 <a:spcPts val="0"/>
               </a:spcBef>
@@ -3769,11 +3869,11 @@
 </file>
 
 <file path=ppt/slideLayouts/slideLayout5.xml><?xml version="1.0" encoding="utf-8"?>
-<p:sldLayout xmlns:a="http://schemas.openxmlformats.org/drawingml/2006/main" xmlns:r="http://schemas.openxmlformats.org/officeDocument/2006/relationships" xmlns:mc="http://schemas.openxmlformats.org/markup-compatibility/2006" xmlns:mv="urn:schemas-microsoft-com:mac:vml" xmlns:p="http://schemas.openxmlformats.org/presentationml/2006/main" xmlns:c="http://schemas.openxmlformats.org/drawingml/2006/chart" xmlns:dgm="http://schemas.openxmlformats.org/drawingml/2006/diagram" xmlns:o="urn:schemas-microsoft-com:office:office" xmlns:v="urn:schemas-microsoft-com:vml" xmlns:pvml="urn:schemas-microsoft-com:office:powerpoint" xmlns:com="http://schemas.openxmlformats.org/drawingml/2006/compatibility" xmlns:p14="http://schemas.microsoft.com/office/powerpoint/2010/main" xmlns:p15="http://schemas.microsoft.com/office/powerpoint/2012/main" xmlns:ahyp="http://schemas.microsoft.com/office/drawing/2018/hyperlinkcolor" matchingName="Title only" type="titleOnly">
+<p:sldLayout xmlns:a="http://schemas.openxmlformats.org/drawingml/2006/main" xmlns:r="http://schemas.openxmlformats.org/officeDocument/2006/relationships" xmlns:p="http://schemas.openxmlformats.org/presentationml/2006/main" matchingName="Title only" type="titleOnly">
   <p:cSld name="TITLE_ONLY">
     <p:spTree>
       <p:nvGrpSpPr>
-        <p:cNvPr id="25" name="Shape 25"/>
+        <p:cNvPr id="1" name="Shape 25"/>
         <p:cNvGrpSpPr/>
         <p:nvPr/>
       </p:nvGrpSpPr>
@@ -3788,7 +3888,9 @@
       <p:sp>
         <p:nvSpPr>
           <p:cNvPr id="26" name="Google Shape;26;p6"/>
-          <p:cNvSpPr txBox="1"/>
+          <p:cNvSpPr txBox="1">
+            <a:spLocks noGrp="1"/>
+          </p:cNvSpPr>
           <p:nvPr>
             <p:ph type="title"/>
           </p:nvPr>
@@ -3803,7 +3905,7 @@
           </a:prstGeom>
         </p:spPr>
         <p:txBody>
-          <a:bodyPr anchorCtr="0" anchor="t" bIns="91425" lIns="91425" spcFirstLastPara="1" rIns="91425" wrap="square" tIns="91425">
+          <a:bodyPr spcFirstLastPara="1" wrap="square" lIns="91425" tIns="91425" rIns="91425" bIns="91425" anchor="t" anchorCtr="0">
             <a:normAutofit/>
           </a:bodyPr>
           <a:lstStyle>
@@ -3907,15 +4009,19 @@
               <a:defRPr/>
             </a:lvl9pPr>
           </a:lstStyle>
-          <a:p/>
+          <a:p>
+            <a:endParaRPr/>
+          </a:p>
         </p:txBody>
       </p:sp>
       <p:sp>
         <p:nvSpPr>
           <p:cNvPr id="27" name="Google Shape;27;p6"/>
-          <p:cNvSpPr txBox="1"/>
+          <p:cNvSpPr txBox="1">
+            <a:spLocks noGrp="1"/>
+          </p:cNvSpPr>
           <p:nvPr>
-            <p:ph idx="12" type="sldNum"/>
+            <p:ph type="sldNum" idx="12"/>
           </p:nvPr>
         </p:nvSpPr>
         <p:spPr>
@@ -3928,7 +4034,7 @@
           </a:prstGeom>
         </p:spPr>
         <p:txBody>
-          <a:bodyPr anchorCtr="0" anchor="ctr" bIns="91425" lIns="91425" spcFirstLastPara="1" rIns="91425" wrap="square" tIns="91425">
+          <a:bodyPr spcFirstLastPara="1" wrap="square" lIns="91425" tIns="91425" rIns="91425" bIns="91425" anchor="ctr" anchorCtr="0">
             <a:normAutofit/>
           </a:bodyPr>
           <a:lstStyle>
@@ -3970,7 +4076,7 @@
             </a:lvl9pPr>
           </a:lstStyle>
           <a:p>
-            <a:pPr indent="0" lvl="0" marL="0" rtl="0" algn="r">
+            <a:pPr marL="0" lvl="0" indent="0" algn="r" rtl="0">
               <a:spcBef>
                 <a:spcPts val="0"/>
               </a:spcBef>
@@ -3996,11 +4102,11 @@
 </file>
 
 <file path=ppt/slideLayouts/slideLayout6.xml><?xml version="1.0" encoding="utf-8"?>
-<p:sldLayout xmlns:a="http://schemas.openxmlformats.org/drawingml/2006/main" xmlns:r="http://schemas.openxmlformats.org/officeDocument/2006/relationships" xmlns:mc="http://schemas.openxmlformats.org/markup-compatibility/2006" xmlns:mv="urn:schemas-microsoft-com:mac:vml" xmlns:p="http://schemas.openxmlformats.org/presentationml/2006/main" xmlns:c="http://schemas.openxmlformats.org/drawingml/2006/chart" xmlns:dgm="http://schemas.openxmlformats.org/drawingml/2006/diagram" xmlns:o="urn:schemas-microsoft-com:office:office" xmlns:v="urn:schemas-microsoft-com:vml" xmlns:pvml="urn:schemas-microsoft-com:office:powerpoint" xmlns:com="http://schemas.openxmlformats.org/drawingml/2006/compatibility" xmlns:p14="http://schemas.microsoft.com/office/powerpoint/2010/main" xmlns:p15="http://schemas.microsoft.com/office/powerpoint/2012/main" xmlns:ahyp="http://schemas.microsoft.com/office/drawing/2018/hyperlinkcolor" matchingName="One column text">
+<p:sldLayout xmlns:a="http://schemas.openxmlformats.org/drawingml/2006/main" xmlns:r="http://schemas.openxmlformats.org/officeDocument/2006/relationships" xmlns:p="http://schemas.openxmlformats.org/presentationml/2006/main" matchingName="One column text">
   <p:cSld name="ONE_COLUMN_TEXT">
     <p:spTree>
       <p:nvGrpSpPr>
-        <p:cNvPr id="28" name="Shape 28"/>
+        <p:cNvPr id="1" name="Shape 28"/>
         <p:cNvGrpSpPr/>
         <p:nvPr/>
       </p:nvGrpSpPr>
@@ -4015,7 +4121,9 @@
       <p:sp>
         <p:nvSpPr>
           <p:cNvPr id="29" name="Google Shape;29;p7"/>
-          <p:cNvSpPr txBox="1"/>
+          <p:cNvSpPr txBox="1">
+            <a:spLocks noGrp="1"/>
+          </p:cNvSpPr>
           <p:nvPr>
             <p:ph type="title"/>
           </p:nvPr>
@@ -4030,7 +4138,7 @@
           </a:prstGeom>
         </p:spPr>
         <p:txBody>
-          <a:bodyPr anchorCtr="0" anchor="b" bIns="91425" lIns="91425" spcFirstLastPara="1" rIns="91425" wrap="square" tIns="91425">
+          <a:bodyPr spcFirstLastPara="1" wrap="square" lIns="91425" tIns="91425" rIns="91425" bIns="91425" anchor="b" anchorCtr="0">
             <a:normAutofit/>
           </a:bodyPr>
           <a:lstStyle>
@@ -4134,15 +4242,19 @@
               <a:defRPr sz="2400"/>
             </a:lvl9pPr>
           </a:lstStyle>
-          <a:p/>
+          <a:p>
+            <a:endParaRPr/>
+          </a:p>
         </p:txBody>
       </p:sp>
       <p:sp>
         <p:nvSpPr>
           <p:cNvPr id="30" name="Google Shape;30;p7"/>
-          <p:cNvSpPr txBox="1"/>
+          <p:cNvSpPr txBox="1">
+            <a:spLocks noGrp="1"/>
+          </p:cNvSpPr>
           <p:nvPr>
-            <p:ph idx="1" type="body"/>
+            <p:ph type="body" idx="1"/>
           </p:nvPr>
         </p:nvSpPr>
         <p:spPr>
@@ -4155,11 +4267,11 @@
           </a:prstGeom>
         </p:spPr>
         <p:txBody>
-          <a:bodyPr anchorCtr="0" anchor="t" bIns="91425" lIns="91425" spcFirstLastPara="1" rIns="91425" wrap="square" tIns="91425">
+          <a:bodyPr spcFirstLastPara="1" wrap="square" lIns="91425" tIns="91425" rIns="91425" bIns="91425" anchor="t" anchorCtr="0">
             <a:normAutofit/>
           </a:bodyPr>
           <a:lstStyle>
-            <a:lvl1pPr indent="-304800" lvl="0" marL="457200">
+            <a:lvl1pPr marL="457200" lvl="0" indent="-304800">
               <a:spcBef>
                 <a:spcPts val="0"/>
               </a:spcBef>
@@ -4170,7 +4282,7 @@
               <a:buChar char="●"/>
               <a:defRPr sz="1200"/>
             </a:lvl1pPr>
-            <a:lvl2pPr indent="-304800" lvl="1" marL="914400">
+            <a:lvl2pPr marL="914400" lvl="1" indent="-304800">
               <a:spcBef>
                 <a:spcPts val="0"/>
               </a:spcBef>
@@ -4181,7 +4293,7 @@
               <a:buChar char="○"/>
               <a:defRPr sz="1200"/>
             </a:lvl2pPr>
-            <a:lvl3pPr indent="-304800" lvl="2" marL="1371600">
+            <a:lvl3pPr marL="1371600" lvl="2" indent="-304800">
               <a:spcBef>
                 <a:spcPts val="0"/>
               </a:spcBef>
@@ -4192,7 +4304,7 @@
               <a:buChar char="■"/>
               <a:defRPr sz="1200"/>
             </a:lvl3pPr>
-            <a:lvl4pPr indent="-304800" lvl="3" marL="1828800">
+            <a:lvl4pPr marL="1828800" lvl="3" indent="-304800">
               <a:spcBef>
                 <a:spcPts val="0"/>
               </a:spcBef>
@@ -4203,7 +4315,7 @@
               <a:buChar char="●"/>
               <a:defRPr sz="1200"/>
             </a:lvl4pPr>
-            <a:lvl5pPr indent="-304800" lvl="4" marL="2286000">
+            <a:lvl5pPr marL="2286000" lvl="4" indent="-304800">
               <a:spcBef>
                 <a:spcPts val="0"/>
               </a:spcBef>
@@ -4214,7 +4326,7 @@
               <a:buChar char="○"/>
               <a:defRPr sz="1200"/>
             </a:lvl5pPr>
-            <a:lvl6pPr indent="-304800" lvl="5" marL="2743200">
+            <a:lvl6pPr marL="2743200" lvl="5" indent="-304800">
               <a:spcBef>
                 <a:spcPts val="0"/>
               </a:spcBef>
@@ -4225,7 +4337,7 @@
               <a:buChar char="■"/>
               <a:defRPr sz="1200"/>
             </a:lvl6pPr>
-            <a:lvl7pPr indent="-304800" lvl="6" marL="3200400">
+            <a:lvl7pPr marL="3200400" lvl="6" indent="-304800">
               <a:spcBef>
                 <a:spcPts val="0"/>
               </a:spcBef>
@@ -4236,7 +4348,7 @@
               <a:buChar char="●"/>
               <a:defRPr sz="1200"/>
             </a:lvl7pPr>
-            <a:lvl8pPr indent="-304800" lvl="7" marL="3657600">
+            <a:lvl8pPr marL="3657600" lvl="7" indent="-304800">
               <a:spcBef>
                 <a:spcPts val="0"/>
               </a:spcBef>
@@ -4247,7 +4359,7 @@
               <a:buChar char="○"/>
               <a:defRPr sz="1200"/>
             </a:lvl8pPr>
-            <a:lvl9pPr indent="-304800" lvl="8" marL="4114800">
+            <a:lvl9pPr marL="4114800" lvl="8" indent="-304800">
               <a:spcBef>
                 <a:spcPts val="0"/>
               </a:spcBef>
@@ -4259,15 +4371,19 @@
               <a:defRPr sz="1200"/>
             </a:lvl9pPr>
           </a:lstStyle>
-          <a:p/>
+          <a:p>
+            <a:endParaRPr/>
+          </a:p>
         </p:txBody>
       </p:sp>
       <p:sp>
         <p:nvSpPr>
           <p:cNvPr id="31" name="Google Shape;31;p7"/>
-          <p:cNvSpPr txBox="1"/>
+          <p:cNvSpPr txBox="1">
+            <a:spLocks noGrp="1"/>
+          </p:cNvSpPr>
           <p:nvPr>
-            <p:ph idx="12" type="sldNum"/>
+            <p:ph type="sldNum" idx="12"/>
           </p:nvPr>
         </p:nvSpPr>
         <p:spPr>
@@ -4280,7 +4396,7 @@
           </a:prstGeom>
         </p:spPr>
         <p:txBody>
-          <a:bodyPr anchorCtr="0" anchor="ctr" bIns="91425" lIns="91425" spcFirstLastPara="1" rIns="91425" wrap="square" tIns="91425">
+          <a:bodyPr spcFirstLastPara="1" wrap="square" lIns="91425" tIns="91425" rIns="91425" bIns="91425" anchor="ctr" anchorCtr="0">
             <a:normAutofit/>
           </a:bodyPr>
           <a:lstStyle>
@@ -4322,7 +4438,7 @@
             </a:lvl9pPr>
           </a:lstStyle>
           <a:p>
-            <a:pPr indent="0" lvl="0" marL="0" rtl="0" algn="r">
+            <a:pPr marL="0" lvl="0" indent="0" algn="r" rtl="0">
               <a:spcBef>
                 <a:spcPts val="0"/>
               </a:spcBef>
@@ -4348,11 +4464,11 @@
 </file>
 
 <file path=ppt/slideLayouts/slideLayout7.xml><?xml version="1.0" encoding="utf-8"?>
-<p:sldLayout xmlns:a="http://schemas.openxmlformats.org/drawingml/2006/main" xmlns:r="http://schemas.openxmlformats.org/officeDocument/2006/relationships" xmlns:mc="http://schemas.openxmlformats.org/markup-compatibility/2006" xmlns:mv="urn:schemas-microsoft-com:mac:vml" xmlns:p="http://schemas.openxmlformats.org/presentationml/2006/main" xmlns:c="http://schemas.openxmlformats.org/drawingml/2006/chart" xmlns:dgm="http://schemas.openxmlformats.org/drawingml/2006/diagram" xmlns:o="urn:schemas-microsoft-com:office:office" xmlns:v="urn:schemas-microsoft-com:vml" xmlns:pvml="urn:schemas-microsoft-com:office:powerpoint" xmlns:com="http://schemas.openxmlformats.org/drawingml/2006/compatibility" xmlns:p14="http://schemas.microsoft.com/office/powerpoint/2010/main" xmlns:p15="http://schemas.microsoft.com/office/powerpoint/2012/main" xmlns:ahyp="http://schemas.microsoft.com/office/drawing/2018/hyperlinkcolor" matchingName="Main point">
+<p:sldLayout xmlns:a="http://schemas.openxmlformats.org/drawingml/2006/main" xmlns:r="http://schemas.openxmlformats.org/officeDocument/2006/relationships" xmlns:p="http://schemas.openxmlformats.org/presentationml/2006/main" matchingName="Main point">
   <p:cSld name="MAIN_POINT">
     <p:spTree>
       <p:nvGrpSpPr>
-        <p:cNvPr id="32" name="Shape 32"/>
+        <p:cNvPr id="1" name="Shape 32"/>
         <p:cNvGrpSpPr/>
         <p:nvPr/>
       </p:nvGrpSpPr>
@@ -4367,7 +4483,9 @@
       <p:sp>
         <p:nvSpPr>
           <p:cNvPr id="33" name="Google Shape;33;p8"/>
-          <p:cNvSpPr txBox="1"/>
+          <p:cNvSpPr txBox="1">
+            <a:spLocks noGrp="1"/>
+          </p:cNvSpPr>
           <p:nvPr>
             <p:ph type="title"/>
           </p:nvPr>
@@ -4382,7 +4500,7 @@
           </a:prstGeom>
         </p:spPr>
         <p:txBody>
-          <a:bodyPr anchorCtr="0" anchor="ctr" bIns="91425" lIns="91425" spcFirstLastPara="1" rIns="91425" wrap="square" tIns="91425">
+          <a:bodyPr spcFirstLastPara="1" wrap="square" lIns="91425" tIns="91425" rIns="91425" bIns="91425" anchor="ctr" anchorCtr="0">
             <a:normAutofit/>
           </a:bodyPr>
           <a:lstStyle>
@@ -4486,15 +4604,19 @@
               <a:defRPr sz="4800"/>
             </a:lvl9pPr>
           </a:lstStyle>
-          <a:p/>
+          <a:p>
+            <a:endParaRPr/>
+          </a:p>
         </p:txBody>
       </p:sp>
       <p:sp>
         <p:nvSpPr>
           <p:cNvPr id="34" name="Google Shape;34;p8"/>
-          <p:cNvSpPr txBox="1"/>
+          <p:cNvSpPr txBox="1">
+            <a:spLocks noGrp="1"/>
+          </p:cNvSpPr>
           <p:nvPr>
-            <p:ph idx="12" type="sldNum"/>
+            <p:ph type="sldNum" idx="12"/>
           </p:nvPr>
         </p:nvSpPr>
         <p:spPr>
@@ -4507,7 +4629,7 @@
           </a:prstGeom>
         </p:spPr>
         <p:txBody>
-          <a:bodyPr anchorCtr="0" anchor="ctr" bIns="91425" lIns="91425" spcFirstLastPara="1" rIns="91425" wrap="square" tIns="91425">
+          <a:bodyPr spcFirstLastPara="1" wrap="square" lIns="91425" tIns="91425" rIns="91425" bIns="91425" anchor="ctr" anchorCtr="0">
             <a:normAutofit/>
           </a:bodyPr>
           <a:lstStyle>
@@ -4549,7 +4671,7 @@
             </a:lvl9pPr>
           </a:lstStyle>
           <a:p>
-            <a:pPr indent="0" lvl="0" marL="0" rtl="0" algn="r">
+            <a:pPr marL="0" lvl="0" indent="0" algn="r" rtl="0">
               <a:spcBef>
                 <a:spcPts val="0"/>
               </a:spcBef>
@@ -4575,11 +4697,11 @@
 </file>
 
 <file path=ppt/slideLayouts/slideLayout8.xml><?xml version="1.0" encoding="utf-8"?>
-<p:sldLayout xmlns:a="http://schemas.openxmlformats.org/drawingml/2006/main" xmlns:r="http://schemas.openxmlformats.org/officeDocument/2006/relationships" xmlns:mc="http://schemas.openxmlformats.org/markup-compatibility/2006" xmlns:mv="urn:schemas-microsoft-com:mac:vml" xmlns:p="http://schemas.openxmlformats.org/presentationml/2006/main" xmlns:c="http://schemas.openxmlformats.org/drawingml/2006/chart" xmlns:dgm="http://schemas.openxmlformats.org/drawingml/2006/diagram" xmlns:o="urn:schemas-microsoft-com:office:office" xmlns:v="urn:schemas-microsoft-com:vml" xmlns:pvml="urn:schemas-microsoft-com:office:powerpoint" xmlns:com="http://schemas.openxmlformats.org/drawingml/2006/compatibility" xmlns:p14="http://schemas.microsoft.com/office/powerpoint/2010/main" xmlns:p15="http://schemas.microsoft.com/office/powerpoint/2012/main" xmlns:ahyp="http://schemas.microsoft.com/office/drawing/2018/hyperlinkcolor" matchingName="Section title and description">
+<p:sldLayout xmlns:a="http://schemas.openxmlformats.org/drawingml/2006/main" xmlns:r="http://schemas.openxmlformats.org/officeDocument/2006/relationships" xmlns:p="http://schemas.openxmlformats.org/presentationml/2006/main" matchingName="Section title and description">
   <p:cSld name="SECTION_TITLE_AND_DESCRIPTION">
     <p:spTree>
       <p:nvGrpSpPr>
-        <p:cNvPr id="35" name="Shape 35"/>
+        <p:cNvPr id="1" name="Shape 35"/>
         <p:cNvGrpSpPr/>
         <p:nvPr/>
       </p:nvGrpSpPr>
@@ -4613,12 +4735,12 @@
           </a:ln>
         </p:spPr>
         <p:txBody>
-          <a:bodyPr anchorCtr="0" anchor="ctr" bIns="91425" lIns="91425" spcFirstLastPara="1" rIns="91425" wrap="square" tIns="91425">
+          <a:bodyPr spcFirstLastPara="1" wrap="square" lIns="91425" tIns="91425" rIns="91425" bIns="91425" anchor="ctr" anchorCtr="0">
             <a:noAutofit/>
           </a:bodyPr>
           <a:lstStyle/>
           <a:p>
-            <a:pPr indent="0" lvl="0" marL="0" rtl="0" algn="l">
+            <a:pPr marL="0" lvl="0" indent="0" algn="l" rtl="0">
               <a:spcBef>
                 <a:spcPts val="0"/>
               </a:spcBef>
@@ -4627,9 +4749,6 @@
               </a:spcAft>
               <a:buNone/>
             </a:pPr>
-            <a:r>
-              <a:t/>
-            </a:r>
             <a:endParaRPr/>
           </a:p>
         </p:txBody>
@@ -4637,7 +4756,9 @@
       <p:sp>
         <p:nvSpPr>
           <p:cNvPr id="37" name="Google Shape;37;p9"/>
-          <p:cNvSpPr txBox="1"/>
+          <p:cNvSpPr txBox="1">
+            <a:spLocks noGrp="1"/>
+          </p:cNvSpPr>
           <p:nvPr>
             <p:ph type="title"/>
           </p:nvPr>
@@ -4652,7 +4773,7 @@
           </a:prstGeom>
         </p:spPr>
         <p:txBody>
-          <a:bodyPr anchorCtr="0" anchor="b" bIns="91425" lIns="91425" spcFirstLastPara="1" rIns="91425" wrap="square" tIns="91425">
+          <a:bodyPr spcFirstLastPara="1" wrap="square" lIns="91425" tIns="91425" rIns="91425" bIns="91425" anchor="b" anchorCtr="0">
             <a:normAutofit/>
           </a:bodyPr>
           <a:lstStyle>
@@ -4756,15 +4877,19 @@
               <a:defRPr sz="4200"/>
             </a:lvl9pPr>
           </a:lstStyle>
-          <a:p/>
+          <a:p>
+            <a:endParaRPr/>
+          </a:p>
         </p:txBody>
       </p:sp>
       <p:sp>
         <p:nvSpPr>
           <p:cNvPr id="38" name="Google Shape;38;p9"/>
-          <p:cNvSpPr txBox="1"/>
+          <p:cNvSpPr txBox="1">
+            <a:spLocks noGrp="1"/>
+          </p:cNvSpPr>
           <p:nvPr>
-            <p:ph idx="1" type="subTitle"/>
+            <p:ph type="subTitle" idx="1"/>
           </p:nvPr>
         </p:nvSpPr>
         <p:spPr>
@@ -4777,7 +4902,7 @@
           </a:prstGeom>
         </p:spPr>
         <p:txBody>
-          <a:bodyPr anchorCtr="0" anchor="t" bIns="91425" lIns="91425" spcFirstLastPara="1" rIns="91425" wrap="square" tIns="91425">
+          <a:bodyPr spcFirstLastPara="1" wrap="square" lIns="91425" tIns="91425" rIns="91425" bIns="91425" anchor="t" anchorCtr="0">
             <a:normAutofit/>
           </a:bodyPr>
           <a:lstStyle>
@@ -4908,15 +5033,19 @@
               <a:defRPr sz="2100"/>
             </a:lvl9pPr>
           </a:lstStyle>
-          <a:p/>
+          <a:p>
+            <a:endParaRPr/>
+          </a:p>
         </p:txBody>
       </p:sp>
       <p:sp>
         <p:nvSpPr>
           <p:cNvPr id="39" name="Google Shape;39;p9"/>
-          <p:cNvSpPr txBox="1"/>
+          <p:cNvSpPr txBox="1">
+            <a:spLocks noGrp="1"/>
+          </p:cNvSpPr>
           <p:nvPr>
-            <p:ph idx="2" type="body"/>
+            <p:ph type="body" idx="2"/>
           </p:nvPr>
         </p:nvSpPr>
         <p:spPr>
@@ -4929,11 +5058,11 @@
           </a:prstGeom>
         </p:spPr>
         <p:txBody>
-          <a:bodyPr anchorCtr="0" anchor="ctr" bIns="91425" lIns="91425" spcFirstLastPara="1" rIns="91425" wrap="square" tIns="91425">
+          <a:bodyPr spcFirstLastPara="1" wrap="square" lIns="91425" tIns="91425" rIns="91425" bIns="91425" anchor="ctr" anchorCtr="0">
             <a:normAutofit/>
           </a:bodyPr>
           <a:lstStyle>
-            <a:lvl1pPr indent="-342900" lvl="0" marL="457200">
+            <a:lvl1pPr marL="457200" lvl="0" indent="-342900">
               <a:spcBef>
                 <a:spcPts val="0"/>
               </a:spcBef>
@@ -4951,7 +5080,7 @@
                 </a:solidFill>
               </a:defRPr>
             </a:lvl1pPr>
-            <a:lvl2pPr indent="-317500" lvl="1" marL="914400">
+            <a:lvl2pPr marL="914400" lvl="1" indent="-317500">
               <a:spcBef>
                 <a:spcPts val="0"/>
               </a:spcBef>
@@ -4969,7 +5098,7 @@
                 </a:solidFill>
               </a:defRPr>
             </a:lvl2pPr>
-            <a:lvl3pPr indent="-317500" lvl="2" marL="1371600">
+            <a:lvl3pPr marL="1371600" lvl="2" indent="-317500">
               <a:spcBef>
                 <a:spcPts val="0"/>
               </a:spcBef>
@@ -4987,7 +5116,7 @@
                 </a:solidFill>
               </a:defRPr>
             </a:lvl3pPr>
-            <a:lvl4pPr indent="-317500" lvl="3" marL="1828800">
+            <a:lvl4pPr marL="1828800" lvl="3" indent="-317500">
               <a:spcBef>
                 <a:spcPts val="0"/>
               </a:spcBef>
@@ -5005,7 +5134,7 @@
                 </a:solidFill>
               </a:defRPr>
             </a:lvl4pPr>
-            <a:lvl5pPr indent="-317500" lvl="4" marL="2286000">
+            <a:lvl5pPr marL="2286000" lvl="4" indent="-317500">
               <a:spcBef>
                 <a:spcPts val="0"/>
               </a:spcBef>
@@ -5023,7 +5152,7 @@
                 </a:solidFill>
               </a:defRPr>
             </a:lvl5pPr>
-            <a:lvl6pPr indent="-317500" lvl="5" marL="2743200">
+            <a:lvl6pPr marL="2743200" lvl="5" indent="-317500">
               <a:spcBef>
                 <a:spcPts val="0"/>
               </a:spcBef>
@@ -5041,7 +5170,7 @@
                 </a:solidFill>
               </a:defRPr>
             </a:lvl6pPr>
-            <a:lvl7pPr indent="-317500" lvl="6" marL="3200400">
+            <a:lvl7pPr marL="3200400" lvl="6" indent="-317500">
               <a:spcBef>
                 <a:spcPts val="0"/>
               </a:spcBef>
@@ -5059,7 +5188,7 @@
                 </a:solidFill>
               </a:defRPr>
             </a:lvl7pPr>
-            <a:lvl8pPr indent="-317500" lvl="7" marL="3657600">
+            <a:lvl8pPr marL="3657600" lvl="7" indent="-317500">
               <a:spcBef>
                 <a:spcPts val="0"/>
               </a:spcBef>
@@ -5077,7 +5206,7 @@
                 </a:solidFill>
               </a:defRPr>
             </a:lvl8pPr>
-            <a:lvl9pPr indent="-317500" lvl="8" marL="4114800">
+            <a:lvl9pPr marL="4114800" lvl="8" indent="-317500">
               <a:spcBef>
                 <a:spcPts val="0"/>
               </a:spcBef>
@@ -5096,15 +5225,19 @@
               </a:defRPr>
             </a:lvl9pPr>
           </a:lstStyle>
-          <a:p/>
+          <a:p>
+            <a:endParaRPr/>
+          </a:p>
         </p:txBody>
       </p:sp>
       <p:sp>
         <p:nvSpPr>
           <p:cNvPr id="40" name="Google Shape;40;p9"/>
-          <p:cNvSpPr txBox="1"/>
+          <p:cNvSpPr txBox="1">
+            <a:spLocks noGrp="1"/>
+          </p:cNvSpPr>
           <p:nvPr>
-            <p:ph idx="12" type="sldNum"/>
+            <p:ph type="sldNum" idx="12"/>
           </p:nvPr>
         </p:nvSpPr>
         <p:spPr>
@@ -5117,7 +5250,7 @@
           </a:prstGeom>
         </p:spPr>
         <p:txBody>
-          <a:bodyPr anchorCtr="0" anchor="ctr" bIns="91425" lIns="91425" spcFirstLastPara="1" rIns="91425" wrap="square" tIns="91425">
+          <a:bodyPr spcFirstLastPara="1" wrap="square" lIns="91425" tIns="91425" rIns="91425" bIns="91425" anchor="ctr" anchorCtr="0">
             <a:normAutofit/>
           </a:bodyPr>
           <a:lstStyle>
@@ -5159,7 +5292,7 @@
             </a:lvl9pPr>
           </a:lstStyle>
           <a:p>
-            <a:pPr indent="0" lvl="0" marL="0" rtl="0" algn="r">
+            <a:pPr marL="0" lvl="0" indent="0" algn="r" rtl="0">
               <a:spcBef>
                 <a:spcPts val="0"/>
               </a:spcBef>
@@ -5185,11 +5318,11 @@
 </file>
 
 <file path=ppt/slideLayouts/slideLayout9.xml><?xml version="1.0" encoding="utf-8"?>
-<p:sldLayout xmlns:a="http://schemas.openxmlformats.org/drawingml/2006/main" xmlns:r="http://schemas.openxmlformats.org/officeDocument/2006/relationships" xmlns:mc="http://schemas.openxmlformats.org/markup-compatibility/2006" xmlns:mv="urn:schemas-microsoft-com:mac:vml" xmlns:p="http://schemas.openxmlformats.org/presentationml/2006/main" xmlns:c="http://schemas.openxmlformats.org/drawingml/2006/chart" xmlns:dgm="http://schemas.openxmlformats.org/drawingml/2006/diagram" xmlns:o="urn:schemas-microsoft-com:office:office" xmlns:v="urn:schemas-microsoft-com:vml" xmlns:pvml="urn:schemas-microsoft-com:office:powerpoint" xmlns:com="http://schemas.openxmlformats.org/drawingml/2006/compatibility" xmlns:p14="http://schemas.microsoft.com/office/powerpoint/2010/main" xmlns:p15="http://schemas.microsoft.com/office/powerpoint/2012/main" xmlns:ahyp="http://schemas.microsoft.com/office/drawing/2018/hyperlinkcolor" matchingName="Caption">
+<p:sldLayout xmlns:a="http://schemas.openxmlformats.org/drawingml/2006/main" xmlns:r="http://schemas.openxmlformats.org/officeDocument/2006/relationships" xmlns:p="http://schemas.openxmlformats.org/presentationml/2006/main" matchingName="Caption">
   <p:cSld name="CAPTION_ONLY">
     <p:spTree>
       <p:nvGrpSpPr>
-        <p:cNvPr id="41" name="Shape 41"/>
+        <p:cNvPr id="1" name="Shape 41"/>
         <p:cNvGrpSpPr/>
         <p:nvPr/>
       </p:nvGrpSpPr>
@@ -5204,9 +5337,11 @@
       <p:sp>
         <p:nvSpPr>
           <p:cNvPr id="42" name="Google Shape;42;p10"/>
-          <p:cNvSpPr txBox="1"/>
+          <p:cNvSpPr txBox="1">
+            <a:spLocks noGrp="1"/>
+          </p:cNvSpPr>
           <p:nvPr>
-            <p:ph idx="1" type="body"/>
+            <p:ph type="body" idx="1"/>
           </p:nvPr>
         </p:nvSpPr>
         <p:spPr>
@@ -5219,11 +5354,11 @@
           </a:prstGeom>
         </p:spPr>
         <p:txBody>
-          <a:bodyPr anchorCtr="0" anchor="ctr" bIns="91425" lIns="91425" spcFirstLastPara="1" rIns="91425" wrap="square" tIns="91425">
+          <a:bodyPr spcFirstLastPara="1" wrap="square" lIns="91425" tIns="91425" rIns="91425" bIns="91425" anchor="ctr" anchorCtr="0">
             <a:normAutofit/>
           </a:bodyPr>
           <a:lstStyle>
-            <a:lvl1pPr indent="-228600" lvl="0" marL="457200">
+            <a:lvl1pPr marL="457200" lvl="0" indent="-228600">
               <a:lnSpc>
                 <a:spcPct val="100000"/>
               </a:lnSpc>
@@ -5238,15 +5373,19 @@
               <a:defRPr/>
             </a:lvl1pPr>
           </a:lstStyle>
-          <a:p/>
+          <a:p>
+            <a:endParaRPr/>
+          </a:p>
         </p:txBody>
       </p:sp>
       <p:sp>
         <p:nvSpPr>
           <p:cNvPr id="43" name="Google Shape;43;p10"/>
-          <p:cNvSpPr txBox="1"/>
+          <p:cNvSpPr txBox="1">
+            <a:spLocks noGrp="1"/>
+          </p:cNvSpPr>
           <p:nvPr>
-            <p:ph idx="12" type="sldNum"/>
+            <p:ph type="sldNum" idx="12"/>
           </p:nvPr>
         </p:nvSpPr>
         <p:spPr>
@@ -5259,7 +5398,7 @@
           </a:prstGeom>
         </p:spPr>
         <p:txBody>
-          <a:bodyPr anchorCtr="0" anchor="ctr" bIns="91425" lIns="91425" spcFirstLastPara="1" rIns="91425" wrap="square" tIns="91425">
+          <a:bodyPr spcFirstLastPara="1" wrap="square" lIns="91425" tIns="91425" rIns="91425" bIns="91425" anchor="ctr" anchorCtr="0">
             <a:normAutofit/>
           </a:bodyPr>
           <a:lstStyle>
@@ -5301,7 +5440,7 @@
             </a:lvl9pPr>
           </a:lstStyle>
           <a:p>
-            <a:pPr indent="0" lvl="0" marL="0" rtl="0" algn="r">
+            <a:pPr marL="0" lvl="0" indent="0" algn="r" rtl="0">
               <a:spcBef>
                 <a:spcPts val="0"/>
               </a:spcBef>
@@ -5327,18 +5466,19 @@
 </file>
 
 <file path=ppt/slideMasters/slideMaster1.xml><?xml version="1.0" encoding="utf-8"?>
-<p:sldMaster xmlns:a="http://schemas.openxmlformats.org/drawingml/2006/main" xmlns:r="http://schemas.openxmlformats.org/officeDocument/2006/relationships" xmlns:mc="http://schemas.openxmlformats.org/markup-compatibility/2006" xmlns:mv="urn:schemas-microsoft-com:mac:vml" xmlns:p="http://schemas.openxmlformats.org/presentationml/2006/main" xmlns:c="http://schemas.openxmlformats.org/drawingml/2006/chart" xmlns:dgm="http://schemas.openxmlformats.org/drawingml/2006/diagram" xmlns:o="urn:schemas-microsoft-com:office:office" xmlns:v="urn:schemas-microsoft-com:vml" xmlns:pvml="urn:schemas-microsoft-com:office:powerpoint" xmlns:com="http://schemas.openxmlformats.org/drawingml/2006/compatibility" xmlns:p14="http://schemas.microsoft.com/office/powerpoint/2010/main" xmlns:p15="http://schemas.microsoft.com/office/powerpoint/2012/main" xmlns:ahyp="http://schemas.microsoft.com/office/drawing/2018/hyperlinkcolor">
+<p:sldMaster xmlns:a="http://schemas.openxmlformats.org/drawingml/2006/main" xmlns:r="http://schemas.openxmlformats.org/officeDocument/2006/relationships" xmlns:p="http://schemas.openxmlformats.org/presentationml/2006/main">
   <p:cSld name="simple-dark-2">
     <p:bg>
       <p:bgPr>
         <a:solidFill>
           <a:schemeClr val="lt1"/>
         </a:solidFill>
+        <a:effectLst/>
       </p:bgPr>
     </p:bg>
     <p:spTree>
       <p:nvGrpSpPr>
-        <p:cNvPr id="5" name="Shape 5"/>
+        <p:cNvPr id="1" name="Shape 5"/>
         <p:cNvGrpSpPr/>
         <p:nvPr/>
       </p:nvGrpSpPr>
@@ -5353,7 +5493,9 @@
       <p:sp>
         <p:nvSpPr>
           <p:cNvPr id="6" name="Google Shape;6;p1"/>
-          <p:cNvSpPr txBox="1"/>
+          <p:cNvSpPr txBox="1">
+            <a:spLocks noGrp="1"/>
+          </p:cNvSpPr>
           <p:nvPr>
             <p:ph type="title"/>
           </p:nvPr>
@@ -5372,7 +5514,7 @@
           </a:ln>
         </p:spPr>
         <p:txBody>
-          <a:bodyPr anchorCtr="0" anchor="t" bIns="91425" lIns="91425" spcFirstLastPara="1" rIns="91425" wrap="square" tIns="91425">
+          <a:bodyPr spcFirstLastPara="1" wrap="square" lIns="91425" tIns="91425" rIns="91425" bIns="91425" anchor="t" anchorCtr="0">
             <a:normAutofit/>
           </a:bodyPr>
           <a:lstStyle>
@@ -5539,15 +5681,19 @@
               </a:defRPr>
             </a:lvl9pPr>
           </a:lstStyle>
-          <a:p/>
+          <a:p>
+            <a:endParaRPr/>
+          </a:p>
         </p:txBody>
       </p:sp>
       <p:sp>
         <p:nvSpPr>
           <p:cNvPr id="7" name="Google Shape;7;p1"/>
-          <p:cNvSpPr txBox="1"/>
+          <p:cNvSpPr txBox="1">
+            <a:spLocks noGrp="1"/>
+          </p:cNvSpPr>
           <p:nvPr>
-            <p:ph idx="1" type="body"/>
+            <p:ph type="body" idx="1"/>
           </p:nvPr>
         </p:nvSpPr>
         <p:spPr>
@@ -5564,11 +5710,11 @@
           </a:ln>
         </p:spPr>
         <p:txBody>
-          <a:bodyPr anchorCtr="0" anchor="t" bIns="91425" lIns="91425" spcFirstLastPara="1" rIns="91425" wrap="square" tIns="91425">
+          <a:bodyPr spcFirstLastPara="1" wrap="square" lIns="91425" tIns="91425" rIns="91425" bIns="91425" anchor="t" anchorCtr="0">
             <a:normAutofit/>
           </a:bodyPr>
           <a:lstStyle>
-            <a:lvl1pPr indent="-342900" lvl="0" marL="457200">
+            <a:lvl1pPr marL="457200" lvl="0" indent="-342900">
               <a:lnSpc>
                 <a:spcPct val="115000"/>
               </a:lnSpc>
@@ -5589,7 +5735,7 @@
                 </a:solidFill>
               </a:defRPr>
             </a:lvl1pPr>
-            <a:lvl2pPr indent="-317500" lvl="1" marL="914400">
+            <a:lvl2pPr marL="914400" lvl="1" indent="-317500">
               <a:lnSpc>
                 <a:spcPct val="115000"/>
               </a:lnSpc>
@@ -5610,7 +5756,7 @@
                 </a:solidFill>
               </a:defRPr>
             </a:lvl2pPr>
-            <a:lvl3pPr indent="-317500" lvl="2" marL="1371600">
+            <a:lvl3pPr marL="1371600" lvl="2" indent="-317500">
               <a:lnSpc>
                 <a:spcPct val="115000"/>
               </a:lnSpc>
@@ -5631,7 +5777,7 @@
                 </a:solidFill>
               </a:defRPr>
             </a:lvl3pPr>
-            <a:lvl4pPr indent="-317500" lvl="3" marL="1828800">
+            <a:lvl4pPr marL="1828800" lvl="3" indent="-317500">
               <a:lnSpc>
                 <a:spcPct val="115000"/>
               </a:lnSpc>
@@ -5652,7 +5798,7 @@
                 </a:solidFill>
               </a:defRPr>
             </a:lvl4pPr>
-            <a:lvl5pPr indent="-317500" lvl="4" marL="2286000">
+            <a:lvl5pPr marL="2286000" lvl="4" indent="-317500">
               <a:lnSpc>
                 <a:spcPct val="115000"/>
               </a:lnSpc>
@@ -5673,7 +5819,7 @@
                 </a:solidFill>
               </a:defRPr>
             </a:lvl5pPr>
-            <a:lvl6pPr indent="-317500" lvl="5" marL="2743200">
+            <a:lvl6pPr marL="2743200" lvl="5" indent="-317500">
               <a:lnSpc>
                 <a:spcPct val="115000"/>
               </a:lnSpc>
@@ -5694,7 +5840,7 @@
                 </a:solidFill>
               </a:defRPr>
             </a:lvl6pPr>
-            <a:lvl7pPr indent="-317500" lvl="6" marL="3200400">
+            <a:lvl7pPr marL="3200400" lvl="6" indent="-317500">
               <a:lnSpc>
                 <a:spcPct val="115000"/>
               </a:lnSpc>
@@ -5715,7 +5861,7 @@
                 </a:solidFill>
               </a:defRPr>
             </a:lvl7pPr>
-            <a:lvl8pPr indent="-317500" lvl="7" marL="3657600">
+            <a:lvl8pPr marL="3657600" lvl="7" indent="-317500">
               <a:lnSpc>
                 <a:spcPct val="115000"/>
               </a:lnSpc>
@@ -5736,7 +5882,7 @@
                 </a:solidFill>
               </a:defRPr>
             </a:lvl8pPr>
-            <a:lvl9pPr indent="-317500" lvl="8" marL="4114800">
+            <a:lvl9pPr marL="4114800" lvl="8" indent="-317500">
               <a:lnSpc>
                 <a:spcPct val="115000"/>
               </a:lnSpc>
@@ -5758,15 +5904,19 @@
               </a:defRPr>
             </a:lvl9pPr>
           </a:lstStyle>
-          <a:p/>
+          <a:p>
+            <a:endParaRPr/>
+          </a:p>
         </p:txBody>
       </p:sp>
       <p:sp>
         <p:nvSpPr>
           <p:cNvPr id="8" name="Google Shape;8;p1"/>
-          <p:cNvSpPr txBox="1"/>
+          <p:cNvSpPr txBox="1">
+            <a:spLocks noGrp="1"/>
+          </p:cNvSpPr>
           <p:nvPr>
-            <p:ph idx="12" type="sldNum"/>
+            <p:ph type="sldNum" idx="12"/>
           </p:nvPr>
         </p:nvSpPr>
         <p:spPr>
@@ -5783,7 +5933,7 @@
           </a:ln>
         </p:spPr>
         <p:txBody>
-          <a:bodyPr anchorCtr="0" anchor="ctr" bIns="91425" lIns="91425" spcFirstLastPara="1" rIns="91425" wrap="square" tIns="91425">
+          <a:bodyPr spcFirstLastPara="1" wrap="square" lIns="91425" tIns="91425" rIns="91425" bIns="91425" anchor="ctr" anchorCtr="0">
             <a:normAutofit/>
           </a:bodyPr>
           <a:lstStyle>
@@ -5861,7 +6011,7 @@
             </a:lvl9pPr>
           </a:lstStyle>
           <a:p>
-            <a:pPr indent="0" lvl="0" marL="0" rtl="0" algn="r">
+            <a:pPr marL="0" lvl="0" indent="0" algn="r" rtl="0">
               <a:spcBef>
                 <a:spcPts val="0"/>
               </a:spcBef>
@@ -5880,7 +6030,7 @@
       </p:sp>
     </p:spTree>
   </p:cSld>
-  <p:clrMap accent1="accent1" accent2="accent2" accent3="accent3" accent4="accent4" accent5="accent5" accent6="accent6" bg1="lt1" bg2="dk2" tx1="dk1" tx2="lt2" folHlink="folHlink" hlink="hlink"/>
+  <p:clrMap bg1="lt1" tx1="dk1" bg2="dk2" tx2="lt2" accent1="accent1" accent2="accent2" accent3="accent3" accent4="accent4" accent5="accent5" accent6="accent6" hlink="hlink" folHlink="folHlink"/>
   <p:sldLayoutIdLst>
     <p:sldLayoutId id="2147483648" r:id="rId1"/>
     <p:sldLayoutId id="2147483649" r:id="rId2"/>
@@ -5894,10 +6044,10 @@
     <p:sldLayoutId id="2147483657" r:id="rId10"/>
     <p:sldLayoutId id="2147483658" r:id="rId11"/>
   </p:sldLayoutIdLst>
-  <p:hf dt="0" ftr="0" hdr="0" sldNum="0"/>
+  <p:hf sldNum="0" hdr="0" ftr="0" dt="0"/>
   <p:txStyles>
     <p:titleStyle>
-      <a:defPPr lvl="0" marR="0" rtl="0" algn="l">
+      <a:defPPr marR="0" lvl="0" algn="l" rtl="0">
         <a:lnSpc>
           <a:spcPct val="100000"/>
         </a:lnSpc>
@@ -5908,7 +6058,7 @@
           <a:spcPts val="0"/>
         </a:spcAft>
       </a:defPPr>
-      <a:lvl1pPr lvl="0" marR="0" rtl="0" algn="l">
+      <a:lvl1pPr marR="0" lvl="0" algn="l" rtl="0">
         <a:lnSpc>
           <a:spcPct val="100000"/>
         </a:lnSpc>
@@ -5922,7 +6072,7 @@
           <a:srgbClr val="000000"/>
         </a:buClr>
         <a:buFont typeface="Arial"/>
-        <a:defRPr b="0" i="0" sz="1400" u="none" cap="none" strike="noStrike">
+        <a:defRPr sz="1400" b="0" i="0" u="none" strike="noStrike" cap="none">
           <a:solidFill>
             <a:srgbClr val="000000"/>
           </a:solidFill>
@@ -5932,7 +6082,7 @@
           <a:sym typeface="Arial"/>
         </a:defRPr>
       </a:lvl1pPr>
-      <a:lvl2pPr lvl="1" marR="0" rtl="0" algn="l">
+      <a:lvl2pPr marR="0" lvl="1" algn="l" rtl="0">
         <a:lnSpc>
           <a:spcPct val="100000"/>
         </a:lnSpc>
@@ -5946,7 +6096,7 @@
           <a:srgbClr val="000000"/>
         </a:buClr>
         <a:buFont typeface="Arial"/>
-        <a:defRPr b="0" i="0" sz="1400" u="none" cap="none" strike="noStrike">
+        <a:defRPr sz="1400" b="0" i="0" u="none" strike="noStrike" cap="none">
           <a:solidFill>
             <a:srgbClr val="000000"/>
           </a:solidFill>
@@ -5956,7 +6106,7 @@
           <a:sym typeface="Arial"/>
         </a:defRPr>
       </a:lvl2pPr>
-      <a:lvl3pPr lvl="2" marR="0" rtl="0" algn="l">
+      <a:lvl3pPr marR="0" lvl="2" algn="l" rtl="0">
         <a:lnSpc>
           <a:spcPct val="100000"/>
         </a:lnSpc>
@@ -5970,7 +6120,7 @@
           <a:srgbClr val="000000"/>
         </a:buClr>
         <a:buFont typeface="Arial"/>
-        <a:defRPr b="0" i="0" sz="1400" u="none" cap="none" strike="noStrike">
+        <a:defRPr sz="1400" b="0" i="0" u="none" strike="noStrike" cap="none">
           <a:solidFill>
             <a:srgbClr val="000000"/>
           </a:solidFill>
@@ -5980,7 +6130,7 @@
           <a:sym typeface="Arial"/>
         </a:defRPr>
       </a:lvl3pPr>
-      <a:lvl4pPr lvl="3" marR="0" rtl="0" algn="l">
+      <a:lvl4pPr marR="0" lvl="3" algn="l" rtl="0">
         <a:lnSpc>
           <a:spcPct val="100000"/>
         </a:lnSpc>
@@ -5994,7 +6144,7 @@
           <a:srgbClr val="000000"/>
         </a:buClr>
         <a:buFont typeface="Arial"/>
-        <a:defRPr b="0" i="0" sz="1400" u="none" cap="none" strike="noStrike">
+        <a:defRPr sz="1400" b="0" i="0" u="none" strike="noStrike" cap="none">
           <a:solidFill>
             <a:srgbClr val="000000"/>
           </a:solidFill>
@@ -6004,7 +6154,7 @@
           <a:sym typeface="Arial"/>
         </a:defRPr>
       </a:lvl4pPr>
-      <a:lvl5pPr lvl="4" marR="0" rtl="0" algn="l">
+      <a:lvl5pPr marR="0" lvl="4" algn="l" rtl="0">
         <a:lnSpc>
           <a:spcPct val="100000"/>
         </a:lnSpc>
@@ -6018,7 +6168,7 @@
           <a:srgbClr val="000000"/>
         </a:buClr>
         <a:buFont typeface="Arial"/>
-        <a:defRPr b="0" i="0" sz="1400" u="none" cap="none" strike="noStrike">
+        <a:defRPr sz="1400" b="0" i="0" u="none" strike="noStrike" cap="none">
           <a:solidFill>
             <a:srgbClr val="000000"/>
           </a:solidFill>
@@ -6028,7 +6178,7 @@
           <a:sym typeface="Arial"/>
         </a:defRPr>
       </a:lvl5pPr>
-      <a:lvl6pPr lvl="5" marR="0" rtl="0" algn="l">
+      <a:lvl6pPr marR="0" lvl="5" algn="l" rtl="0">
         <a:lnSpc>
           <a:spcPct val="100000"/>
         </a:lnSpc>
@@ -6042,7 +6192,7 @@
           <a:srgbClr val="000000"/>
         </a:buClr>
         <a:buFont typeface="Arial"/>
-        <a:defRPr b="0" i="0" sz="1400" u="none" cap="none" strike="noStrike">
+        <a:defRPr sz="1400" b="0" i="0" u="none" strike="noStrike" cap="none">
           <a:solidFill>
             <a:srgbClr val="000000"/>
           </a:solidFill>
@@ -6052,7 +6202,7 @@
           <a:sym typeface="Arial"/>
         </a:defRPr>
       </a:lvl6pPr>
-      <a:lvl7pPr lvl="6" marR="0" rtl="0" algn="l">
+      <a:lvl7pPr marR="0" lvl="6" algn="l" rtl="0">
         <a:lnSpc>
           <a:spcPct val="100000"/>
         </a:lnSpc>
@@ -6066,7 +6216,7 @@
           <a:srgbClr val="000000"/>
         </a:buClr>
         <a:buFont typeface="Arial"/>
-        <a:defRPr b="0" i="0" sz="1400" u="none" cap="none" strike="noStrike">
+        <a:defRPr sz="1400" b="0" i="0" u="none" strike="noStrike" cap="none">
           <a:solidFill>
             <a:srgbClr val="000000"/>
           </a:solidFill>
@@ -6076,7 +6226,7 @@
           <a:sym typeface="Arial"/>
         </a:defRPr>
       </a:lvl7pPr>
-      <a:lvl8pPr lvl="7" marR="0" rtl="0" algn="l">
+      <a:lvl8pPr marR="0" lvl="7" algn="l" rtl="0">
         <a:lnSpc>
           <a:spcPct val="100000"/>
         </a:lnSpc>
@@ -6090,7 +6240,7 @@
           <a:srgbClr val="000000"/>
         </a:buClr>
         <a:buFont typeface="Arial"/>
-        <a:defRPr b="0" i="0" sz="1400" u="none" cap="none" strike="noStrike">
+        <a:defRPr sz="1400" b="0" i="0" u="none" strike="noStrike" cap="none">
           <a:solidFill>
             <a:srgbClr val="000000"/>
           </a:solidFill>
@@ -6100,7 +6250,7 @@
           <a:sym typeface="Arial"/>
         </a:defRPr>
       </a:lvl8pPr>
-      <a:lvl9pPr lvl="8" marR="0" rtl="0" algn="l">
+      <a:lvl9pPr marR="0" lvl="8" algn="l" rtl="0">
         <a:lnSpc>
           <a:spcPct val="100000"/>
         </a:lnSpc>
@@ -6114,7 +6264,7 @@
           <a:srgbClr val="000000"/>
         </a:buClr>
         <a:buFont typeface="Arial"/>
-        <a:defRPr b="0" i="0" sz="1400" u="none" cap="none" strike="noStrike">
+        <a:defRPr sz="1400" b="0" i="0" u="none" strike="noStrike" cap="none">
           <a:solidFill>
             <a:srgbClr val="000000"/>
           </a:solidFill>
@@ -6126,7 +6276,7 @@
       </a:lvl9pPr>
     </p:titleStyle>
     <p:bodyStyle>
-      <a:defPPr lvl="0" marR="0" rtl="0" algn="l">
+      <a:defPPr marR="0" lvl="0" algn="l" rtl="0">
         <a:lnSpc>
           <a:spcPct val="100000"/>
         </a:lnSpc>
@@ -6137,7 +6287,7 @@
           <a:spcPts val="0"/>
         </a:spcAft>
       </a:defPPr>
-      <a:lvl1pPr lvl="0" marR="0" rtl="0" algn="l">
+      <a:lvl1pPr marR="0" lvl="0" algn="l" rtl="0">
         <a:lnSpc>
           <a:spcPct val="100000"/>
         </a:lnSpc>
@@ -6151,7 +6301,7 @@
           <a:srgbClr val="000000"/>
         </a:buClr>
         <a:buFont typeface="Arial"/>
-        <a:defRPr b="0" i="0" sz="1400" u="none" cap="none" strike="noStrike">
+        <a:defRPr sz="1400" b="0" i="0" u="none" strike="noStrike" cap="none">
           <a:solidFill>
             <a:srgbClr val="000000"/>
           </a:solidFill>
@@ -6161,7 +6311,7 @@
           <a:sym typeface="Arial"/>
         </a:defRPr>
       </a:lvl1pPr>
-      <a:lvl2pPr lvl="1" marR="0" rtl="0" algn="l">
+      <a:lvl2pPr marR="0" lvl="1" algn="l" rtl="0">
         <a:lnSpc>
           <a:spcPct val="100000"/>
         </a:lnSpc>
@@ -6175,7 +6325,7 @@
           <a:srgbClr val="000000"/>
         </a:buClr>
         <a:buFont typeface="Arial"/>
-        <a:defRPr b="0" i="0" sz="1400" u="none" cap="none" strike="noStrike">
+        <a:defRPr sz="1400" b="0" i="0" u="none" strike="noStrike" cap="none">
           <a:solidFill>
             <a:srgbClr val="000000"/>
           </a:solidFill>
@@ -6185,7 +6335,7 @@
           <a:sym typeface="Arial"/>
         </a:defRPr>
       </a:lvl2pPr>
-      <a:lvl3pPr lvl="2" marR="0" rtl="0" algn="l">
+      <a:lvl3pPr marR="0" lvl="2" algn="l" rtl="0">
         <a:lnSpc>
           <a:spcPct val="100000"/>
         </a:lnSpc>
@@ -6199,7 +6349,7 @@
           <a:srgbClr val="000000"/>
         </a:buClr>
         <a:buFont typeface="Arial"/>
-        <a:defRPr b="0" i="0" sz="1400" u="none" cap="none" strike="noStrike">
+        <a:defRPr sz="1400" b="0" i="0" u="none" strike="noStrike" cap="none">
           <a:solidFill>
             <a:srgbClr val="000000"/>
           </a:solidFill>
@@ -6209,7 +6359,7 @@
           <a:sym typeface="Arial"/>
         </a:defRPr>
       </a:lvl3pPr>
-      <a:lvl4pPr lvl="3" marR="0" rtl="0" algn="l">
+      <a:lvl4pPr marR="0" lvl="3" algn="l" rtl="0">
         <a:lnSpc>
           <a:spcPct val="100000"/>
         </a:lnSpc>
@@ -6223,7 +6373,7 @@
           <a:srgbClr val="000000"/>
         </a:buClr>
         <a:buFont typeface="Arial"/>
-        <a:defRPr b="0" i="0" sz="1400" u="none" cap="none" strike="noStrike">
+        <a:defRPr sz="1400" b="0" i="0" u="none" strike="noStrike" cap="none">
           <a:solidFill>
             <a:srgbClr val="000000"/>
           </a:solidFill>
@@ -6233,7 +6383,7 @@
           <a:sym typeface="Arial"/>
         </a:defRPr>
       </a:lvl4pPr>
-      <a:lvl5pPr lvl="4" marR="0" rtl="0" algn="l">
+      <a:lvl5pPr marR="0" lvl="4" algn="l" rtl="0">
         <a:lnSpc>
           <a:spcPct val="100000"/>
         </a:lnSpc>
@@ -6247,7 +6397,7 @@
           <a:srgbClr val="000000"/>
         </a:buClr>
         <a:buFont typeface="Arial"/>
-        <a:defRPr b="0" i="0" sz="1400" u="none" cap="none" strike="noStrike">
+        <a:defRPr sz="1400" b="0" i="0" u="none" strike="noStrike" cap="none">
           <a:solidFill>
             <a:srgbClr val="000000"/>
           </a:solidFill>
@@ -6257,7 +6407,7 @@
           <a:sym typeface="Arial"/>
         </a:defRPr>
       </a:lvl5pPr>
-      <a:lvl6pPr lvl="5" marR="0" rtl="0" algn="l">
+      <a:lvl6pPr marR="0" lvl="5" algn="l" rtl="0">
         <a:lnSpc>
           <a:spcPct val="100000"/>
         </a:lnSpc>
@@ -6271,7 +6421,7 @@
           <a:srgbClr val="000000"/>
         </a:buClr>
         <a:buFont typeface="Arial"/>
-        <a:defRPr b="0" i="0" sz="1400" u="none" cap="none" strike="noStrike">
+        <a:defRPr sz="1400" b="0" i="0" u="none" strike="noStrike" cap="none">
           <a:solidFill>
             <a:srgbClr val="000000"/>
           </a:solidFill>
@@ -6281,7 +6431,7 @@
           <a:sym typeface="Arial"/>
         </a:defRPr>
       </a:lvl6pPr>
-      <a:lvl7pPr lvl="6" marR="0" rtl="0" algn="l">
+      <a:lvl7pPr marR="0" lvl="6" algn="l" rtl="0">
         <a:lnSpc>
           <a:spcPct val="100000"/>
         </a:lnSpc>
@@ -6295,7 +6445,7 @@
           <a:srgbClr val="000000"/>
         </a:buClr>
         <a:buFont typeface="Arial"/>
-        <a:defRPr b="0" i="0" sz="1400" u="none" cap="none" strike="noStrike">
+        <a:defRPr sz="1400" b="0" i="0" u="none" strike="noStrike" cap="none">
           <a:solidFill>
             <a:srgbClr val="000000"/>
           </a:solidFill>
@@ -6305,7 +6455,7 @@
           <a:sym typeface="Arial"/>
         </a:defRPr>
       </a:lvl7pPr>
-      <a:lvl8pPr lvl="7" marR="0" rtl="0" algn="l">
+      <a:lvl8pPr marR="0" lvl="7" algn="l" rtl="0">
         <a:lnSpc>
           <a:spcPct val="100000"/>
         </a:lnSpc>
@@ -6319,7 +6469,7 @@
           <a:srgbClr val="000000"/>
         </a:buClr>
         <a:buFont typeface="Arial"/>
-        <a:defRPr b="0" i="0" sz="1400" u="none" cap="none" strike="noStrike">
+        <a:defRPr sz="1400" b="0" i="0" u="none" strike="noStrike" cap="none">
           <a:solidFill>
             <a:srgbClr val="000000"/>
           </a:solidFill>
@@ -6329,7 +6479,7 @@
           <a:sym typeface="Arial"/>
         </a:defRPr>
       </a:lvl8pPr>
-      <a:lvl9pPr lvl="8" marR="0" rtl="0" algn="l">
+      <a:lvl9pPr marR="0" lvl="8" algn="l" rtl="0">
         <a:lnSpc>
           <a:spcPct val="100000"/>
         </a:lnSpc>
@@ -6343,7 +6493,7 @@
           <a:srgbClr val="000000"/>
         </a:buClr>
         <a:buFont typeface="Arial"/>
-        <a:defRPr b="0" i="0" sz="1400" u="none" cap="none" strike="noStrike">
+        <a:defRPr sz="1400" b="0" i="0" u="none" strike="noStrike" cap="none">
           <a:solidFill>
             <a:srgbClr val="000000"/>
           </a:solidFill>
@@ -6355,7 +6505,7 @@
       </a:lvl9pPr>
     </p:bodyStyle>
     <p:otherStyle>
-      <a:defPPr lvl="0" marR="0" rtl="0" algn="l">
+      <a:defPPr marR="0" lvl="0" algn="l" rtl="0">
         <a:lnSpc>
           <a:spcPct val="100000"/>
         </a:lnSpc>
@@ -6366,7 +6516,7 @@
           <a:spcPts val="0"/>
         </a:spcAft>
       </a:defPPr>
-      <a:lvl1pPr lvl="0" marR="0" rtl="0" algn="l">
+      <a:lvl1pPr marR="0" lvl="0" algn="l" rtl="0">
         <a:lnSpc>
           <a:spcPct val="100000"/>
         </a:lnSpc>
@@ -6380,7 +6530,7 @@
           <a:srgbClr val="000000"/>
         </a:buClr>
         <a:buFont typeface="Arial"/>
-        <a:defRPr b="0" i="0" sz="1400" u="none" cap="none" strike="noStrike">
+        <a:defRPr sz="1400" b="0" i="0" u="none" strike="noStrike" cap="none">
           <a:solidFill>
             <a:srgbClr val="000000"/>
           </a:solidFill>
@@ -6390,7 +6540,7 @@
           <a:sym typeface="Arial"/>
         </a:defRPr>
       </a:lvl1pPr>
-      <a:lvl2pPr lvl="1" marR="0" rtl="0" algn="l">
+      <a:lvl2pPr marR="0" lvl="1" algn="l" rtl="0">
         <a:lnSpc>
           <a:spcPct val="100000"/>
         </a:lnSpc>
@@ -6404,7 +6554,7 @@
           <a:srgbClr val="000000"/>
         </a:buClr>
         <a:buFont typeface="Arial"/>
-        <a:defRPr b="0" i="0" sz="1400" u="none" cap="none" strike="noStrike">
+        <a:defRPr sz="1400" b="0" i="0" u="none" strike="noStrike" cap="none">
           <a:solidFill>
             <a:srgbClr val="000000"/>
           </a:solidFill>
@@ -6414,7 +6564,7 @@
           <a:sym typeface="Arial"/>
         </a:defRPr>
       </a:lvl2pPr>
-      <a:lvl3pPr lvl="2" marR="0" rtl="0" algn="l">
+      <a:lvl3pPr marR="0" lvl="2" algn="l" rtl="0">
         <a:lnSpc>
           <a:spcPct val="100000"/>
         </a:lnSpc>
@@ -6428,7 +6578,7 @@
           <a:srgbClr val="000000"/>
         </a:buClr>
         <a:buFont typeface="Arial"/>
-        <a:defRPr b="0" i="0" sz="1400" u="none" cap="none" strike="noStrike">
+        <a:defRPr sz="1400" b="0" i="0" u="none" strike="noStrike" cap="none">
           <a:solidFill>
             <a:srgbClr val="000000"/>
           </a:solidFill>
@@ -6438,7 +6588,7 @@
           <a:sym typeface="Arial"/>
         </a:defRPr>
       </a:lvl3pPr>
-      <a:lvl4pPr lvl="3" marR="0" rtl="0" algn="l">
+      <a:lvl4pPr marR="0" lvl="3" algn="l" rtl="0">
         <a:lnSpc>
           <a:spcPct val="100000"/>
         </a:lnSpc>
@@ -6452,7 +6602,7 @@
           <a:srgbClr val="000000"/>
         </a:buClr>
         <a:buFont typeface="Arial"/>
-        <a:defRPr b="0" i="0" sz="1400" u="none" cap="none" strike="noStrike">
+        <a:defRPr sz="1400" b="0" i="0" u="none" strike="noStrike" cap="none">
           <a:solidFill>
             <a:srgbClr val="000000"/>
           </a:solidFill>
@@ -6462,7 +6612,7 @@
           <a:sym typeface="Arial"/>
         </a:defRPr>
       </a:lvl4pPr>
-      <a:lvl5pPr lvl="4" marR="0" rtl="0" algn="l">
+      <a:lvl5pPr marR="0" lvl="4" algn="l" rtl="0">
         <a:lnSpc>
           <a:spcPct val="100000"/>
         </a:lnSpc>
@@ -6476,7 +6626,7 @@
           <a:srgbClr val="000000"/>
         </a:buClr>
         <a:buFont typeface="Arial"/>
-        <a:defRPr b="0" i="0" sz="1400" u="none" cap="none" strike="noStrike">
+        <a:defRPr sz="1400" b="0" i="0" u="none" strike="noStrike" cap="none">
           <a:solidFill>
             <a:srgbClr val="000000"/>
           </a:solidFill>
@@ -6486,7 +6636,7 @@
           <a:sym typeface="Arial"/>
         </a:defRPr>
       </a:lvl5pPr>
-      <a:lvl6pPr lvl="5" marR="0" rtl="0" algn="l">
+      <a:lvl6pPr marR="0" lvl="5" algn="l" rtl="0">
         <a:lnSpc>
           <a:spcPct val="100000"/>
         </a:lnSpc>
@@ -6500,7 +6650,7 @@
           <a:srgbClr val="000000"/>
         </a:buClr>
         <a:buFont typeface="Arial"/>
-        <a:defRPr b="0" i="0" sz="1400" u="none" cap="none" strike="noStrike">
+        <a:defRPr sz="1400" b="0" i="0" u="none" strike="noStrike" cap="none">
           <a:solidFill>
             <a:srgbClr val="000000"/>
           </a:solidFill>
@@ -6510,7 +6660,7 @@
           <a:sym typeface="Arial"/>
         </a:defRPr>
       </a:lvl6pPr>
-      <a:lvl7pPr lvl="6" marR="0" rtl="0" algn="l">
+      <a:lvl7pPr marR="0" lvl="6" algn="l" rtl="0">
         <a:lnSpc>
           <a:spcPct val="100000"/>
         </a:lnSpc>
@@ -6524,7 +6674,7 @@
           <a:srgbClr val="000000"/>
         </a:buClr>
         <a:buFont typeface="Arial"/>
-        <a:defRPr b="0" i="0" sz="1400" u="none" cap="none" strike="noStrike">
+        <a:defRPr sz="1400" b="0" i="0" u="none" strike="noStrike" cap="none">
           <a:solidFill>
             <a:srgbClr val="000000"/>
           </a:solidFill>
@@ -6534,7 +6684,7 @@
           <a:sym typeface="Arial"/>
         </a:defRPr>
       </a:lvl7pPr>
-      <a:lvl8pPr lvl="7" marR="0" rtl="0" algn="l">
+      <a:lvl8pPr marR="0" lvl="7" algn="l" rtl="0">
         <a:lnSpc>
           <a:spcPct val="100000"/>
         </a:lnSpc>
@@ -6548,7 +6698,7 @@
           <a:srgbClr val="000000"/>
         </a:buClr>
         <a:buFont typeface="Arial"/>
-        <a:defRPr b="0" i="0" sz="1400" u="none" cap="none" strike="noStrike">
+        <a:defRPr sz="1400" b="0" i="0" u="none" strike="noStrike" cap="none">
           <a:solidFill>
             <a:srgbClr val="000000"/>
           </a:solidFill>
@@ -6558,7 +6708,7 @@
           <a:sym typeface="Arial"/>
         </a:defRPr>
       </a:lvl8pPr>
-      <a:lvl9pPr lvl="8" marR="0" rtl="0" algn="l">
+      <a:lvl9pPr marR="0" lvl="8" algn="l" rtl="0">
         <a:lnSpc>
           <a:spcPct val="100000"/>
         </a:lnSpc>
@@ -6572,7 +6722,7 @@
           <a:srgbClr val="000000"/>
         </a:buClr>
         <a:buFont typeface="Arial"/>
-        <a:defRPr b="0" i="0" sz="1400" u="none" cap="none" strike="noStrike">
+        <a:defRPr sz="1400" b="0" i="0" u="none" strike="noStrike" cap="none">
           <a:solidFill>
             <a:srgbClr val="000000"/>
           </a:solidFill>
@@ -6588,11 +6738,11 @@
 </file>
 
 <file path=ppt/slides/slide1.xml><?xml version="1.0" encoding="utf-8"?>
-<p:sld xmlns:a="http://schemas.openxmlformats.org/drawingml/2006/main" xmlns:r="http://schemas.openxmlformats.org/officeDocument/2006/relationships" xmlns:mc="http://schemas.openxmlformats.org/markup-compatibility/2006" xmlns:mv="urn:schemas-microsoft-com:mac:vml" xmlns:p="http://schemas.openxmlformats.org/presentationml/2006/main" xmlns:c="http://schemas.openxmlformats.org/drawingml/2006/chart" xmlns:dgm="http://schemas.openxmlformats.org/drawingml/2006/diagram" xmlns:o="urn:schemas-microsoft-com:office:office" xmlns:v="urn:schemas-microsoft-com:vml" xmlns:pvml="urn:schemas-microsoft-com:office:powerpoint" xmlns:com="http://schemas.openxmlformats.org/drawingml/2006/compatibility" xmlns:p14="http://schemas.microsoft.com/office/powerpoint/2010/main" xmlns:p15="http://schemas.microsoft.com/office/powerpoint/2012/main" xmlns:ahyp="http://schemas.microsoft.com/office/drawing/2018/hyperlinkcolor">
+<p:sld xmlns:a="http://schemas.openxmlformats.org/drawingml/2006/main" xmlns:r="http://schemas.openxmlformats.org/officeDocument/2006/relationships" xmlns:p="http://schemas.openxmlformats.org/presentationml/2006/main">
   <p:cSld>
     <p:spTree>
       <p:nvGrpSpPr>
-        <p:cNvPr id="53" name="Shape 53"/>
+        <p:cNvPr id="1" name="Shape 53"/>
         <p:cNvGrpSpPr/>
         <p:nvPr/>
       </p:nvGrpSpPr>
@@ -6607,7 +6757,9 @@
       <p:sp>
         <p:nvSpPr>
           <p:cNvPr id="54" name="Google Shape;54;p13"/>
-          <p:cNvSpPr txBox="1"/>
+          <p:cNvSpPr txBox="1">
+            <a:spLocks noGrp="1"/>
+          </p:cNvSpPr>
           <p:nvPr>
             <p:ph type="ctrTitle"/>
           </p:nvPr>
@@ -6615,19 +6767,19 @@
         <p:spPr>
           <a:xfrm>
             <a:off x="311708" y="744575"/>
-            <a:ext cx="8520600" cy="2052600"/>
+            <a:ext cx="5376292" cy="2052600"/>
           </a:xfrm>
           <a:prstGeom prst="rect">
             <a:avLst/>
           </a:prstGeom>
         </p:spPr>
         <p:txBody>
-          <a:bodyPr anchorCtr="0" anchor="b" bIns="91425" lIns="91425" spcFirstLastPara="1" rIns="91425" wrap="square" tIns="91425">
+          <a:bodyPr spcFirstLastPara="1" wrap="square" lIns="91425" tIns="91425" rIns="91425" bIns="91425" anchor="b" anchorCtr="0">
             <a:normAutofit/>
           </a:bodyPr>
           <a:lstStyle/>
           <a:p>
-            <a:pPr indent="0" lvl="0" marL="0" rtl="0" algn="ctr">
+            <a:pPr marL="0" lvl="0" indent="0" algn="ctr" rtl="0">
               <a:spcBef>
                 <a:spcPts val="0"/>
               </a:spcBef>
@@ -6637,19 +6789,21 @@
               <a:buNone/>
             </a:pPr>
             <a:r>
-              <a:rPr lang="en"/>
+              <a:rPr lang="en" dirty="0"/>
               <a:t>自我介紹</a:t>
             </a:r>
-            <a:endParaRPr/>
+            <a:endParaRPr dirty="0"/>
           </a:p>
         </p:txBody>
       </p:sp>
       <p:sp>
         <p:nvSpPr>
           <p:cNvPr id="55" name="Google Shape;55;p13"/>
-          <p:cNvSpPr txBox="1"/>
+          <p:cNvSpPr txBox="1">
+            <a:spLocks noGrp="1"/>
+          </p:cNvSpPr>
           <p:nvPr>
-            <p:ph idx="1" type="subTitle"/>
+            <p:ph type="subTitle" idx="1"/>
           </p:nvPr>
         </p:nvSpPr>
         <p:spPr>
@@ -6662,12 +6816,12 @@
           </a:prstGeom>
         </p:spPr>
         <p:txBody>
-          <a:bodyPr anchorCtr="0" anchor="t" bIns="91425" lIns="91425" spcFirstLastPara="1" rIns="91425" wrap="square" tIns="91425">
+          <a:bodyPr spcFirstLastPara="1" wrap="square" lIns="91425" tIns="91425" rIns="91425" bIns="91425" anchor="t" anchorCtr="0">
             <a:normAutofit/>
           </a:bodyPr>
           <a:lstStyle/>
           <a:p>
-            <a:pPr indent="0" lvl="0" marL="0" rtl="0" algn="ctr">
+            <a:pPr marL="0" lvl="0" indent="0" algn="ctr" rtl="0">
               <a:spcBef>
                 <a:spcPts val="0"/>
               </a:spcBef>
@@ -6676,9 +6830,6 @@
               </a:spcAft>
               <a:buNone/>
             </a:pPr>
-            <a:r>
-              <a:t/>
-            </a:r>
             <a:endParaRPr/>
           </a:p>
         </p:txBody>
@@ -6692,11 +6843,11 @@
 </file>
 
 <file path=ppt/slides/slide2.xml><?xml version="1.0" encoding="utf-8"?>
-<p:sld xmlns:a="http://schemas.openxmlformats.org/drawingml/2006/main" xmlns:r="http://schemas.openxmlformats.org/officeDocument/2006/relationships" xmlns:mc="http://schemas.openxmlformats.org/markup-compatibility/2006" xmlns:mv="urn:schemas-microsoft-com:mac:vml" xmlns:p="http://schemas.openxmlformats.org/presentationml/2006/main" xmlns:c="http://schemas.openxmlformats.org/drawingml/2006/chart" xmlns:dgm="http://schemas.openxmlformats.org/drawingml/2006/diagram" xmlns:o="urn:schemas-microsoft-com:office:office" xmlns:v="urn:schemas-microsoft-com:vml" xmlns:pvml="urn:schemas-microsoft-com:office:powerpoint" xmlns:com="http://schemas.openxmlformats.org/drawingml/2006/compatibility" xmlns:p14="http://schemas.microsoft.com/office/powerpoint/2010/main" xmlns:p15="http://schemas.microsoft.com/office/powerpoint/2012/main" xmlns:ahyp="http://schemas.microsoft.com/office/drawing/2018/hyperlinkcolor">
+<p:sld xmlns:a="http://schemas.openxmlformats.org/drawingml/2006/main" xmlns:r="http://schemas.openxmlformats.org/officeDocument/2006/relationships" xmlns:p="http://schemas.openxmlformats.org/presentationml/2006/main">
   <p:cSld>
     <p:spTree>
       <p:nvGrpSpPr>
-        <p:cNvPr id="59" name="Shape 59"/>
+        <p:cNvPr id="1" name="Shape 59"/>
         <p:cNvGrpSpPr/>
         <p:nvPr/>
       </p:nvGrpSpPr>
@@ -6711,7 +6862,9 @@
       <p:sp>
         <p:nvSpPr>
           <p:cNvPr id="60" name="Google Shape;60;p14"/>
-          <p:cNvSpPr txBox="1"/>
+          <p:cNvSpPr txBox="1">
+            <a:spLocks noGrp="1"/>
+          </p:cNvSpPr>
           <p:nvPr>
             <p:ph type="title"/>
           </p:nvPr>
@@ -6726,12 +6879,12 @@
           </a:prstGeom>
         </p:spPr>
         <p:txBody>
-          <a:bodyPr anchorCtr="0" anchor="t" bIns="91425" lIns="91425" spcFirstLastPara="1" rIns="91425" wrap="square" tIns="91425">
+          <a:bodyPr spcFirstLastPara="1" wrap="square" lIns="91425" tIns="91425" rIns="91425" bIns="91425" anchor="t" anchorCtr="0">
             <a:normAutofit fontScale="90000"/>
           </a:bodyPr>
           <a:lstStyle/>
           <a:p>
-            <a:pPr indent="0" lvl="0" marL="0" rtl="0" algn="l">
+            <a:pPr marL="0" lvl="0" indent="0" algn="l" rtl="0">
               <a:spcBef>
                 <a:spcPts val="0"/>
               </a:spcBef>
@@ -6751,9 +6904,11 @@
       <p:sp>
         <p:nvSpPr>
           <p:cNvPr id="61" name="Google Shape;61;p14"/>
-          <p:cNvSpPr txBox="1"/>
+          <p:cNvSpPr txBox="1">
+            <a:spLocks noGrp="1"/>
+          </p:cNvSpPr>
           <p:nvPr>
-            <p:ph idx="1" type="body"/>
+            <p:ph type="body" idx="1"/>
           </p:nvPr>
         </p:nvSpPr>
         <p:spPr>
@@ -6766,12 +6921,12 @@
           </a:prstGeom>
         </p:spPr>
         <p:txBody>
-          <a:bodyPr anchorCtr="0" anchor="t" bIns="91425" lIns="91425" spcFirstLastPara="1" rIns="91425" wrap="square" tIns="91425">
+          <a:bodyPr spcFirstLastPara="1" wrap="square" lIns="91425" tIns="91425" rIns="91425" bIns="91425" anchor="t" anchorCtr="0">
             <a:normAutofit/>
           </a:bodyPr>
           <a:lstStyle/>
           <a:p>
-            <a:pPr indent="0" lvl="0" marL="0" rtl="0" algn="l">
+            <a:pPr marL="0" lvl="0" indent="0" algn="l" rtl="0">
               <a:spcBef>
                 <a:spcPts val="0"/>
               </a:spcBef>
@@ -6780,10 +6935,7 @@
               </a:spcAft>
               <a:buNone/>
             </a:pPr>
-            <a:r>
-              <a:t/>
-            </a:r>
-            <a:endParaRPr/>
+            <a:endParaRPr dirty="0"/>
           </a:p>
         </p:txBody>
       </p:sp>
@@ -6803,8 +6955,8 @@
         </p:blipFill>
         <p:spPr>
           <a:xfrm>
-            <a:off x="584875" y="1057200"/>
-            <a:ext cx="3606950" cy="3606950"/>
+            <a:off x="584874" y="1057200"/>
+            <a:ext cx="3987126" cy="3606950"/>
           </a:xfrm>
           <a:prstGeom prst="rect">
             <a:avLst/>
@@ -6824,11 +6976,11 @@
 </file>
 
 <file path=ppt/slides/slide3.xml><?xml version="1.0" encoding="utf-8"?>
-<p:sld xmlns:a="http://schemas.openxmlformats.org/drawingml/2006/main" xmlns:r="http://schemas.openxmlformats.org/officeDocument/2006/relationships" xmlns:mc="http://schemas.openxmlformats.org/markup-compatibility/2006" xmlns:mv="urn:schemas-microsoft-com:mac:vml" xmlns:p="http://schemas.openxmlformats.org/presentationml/2006/main" xmlns:c="http://schemas.openxmlformats.org/drawingml/2006/chart" xmlns:dgm="http://schemas.openxmlformats.org/drawingml/2006/diagram" xmlns:o="urn:schemas-microsoft-com:office:office" xmlns:v="urn:schemas-microsoft-com:vml" xmlns:pvml="urn:schemas-microsoft-com:office:powerpoint" xmlns:com="http://schemas.openxmlformats.org/drawingml/2006/compatibility" xmlns:p14="http://schemas.microsoft.com/office/powerpoint/2010/main" xmlns:p15="http://schemas.microsoft.com/office/powerpoint/2012/main" xmlns:ahyp="http://schemas.microsoft.com/office/drawing/2018/hyperlinkcolor">
+<p:sld xmlns:a="http://schemas.openxmlformats.org/drawingml/2006/main" xmlns:r="http://schemas.openxmlformats.org/officeDocument/2006/relationships" xmlns:p="http://schemas.openxmlformats.org/presentationml/2006/main">
   <p:cSld>
     <p:spTree>
       <p:nvGrpSpPr>
-        <p:cNvPr id="66" name="Shape 66"/>
+        <p:cNvPr id="1" name="Shape 66"/>
         <p:cNvGrpSpPr/>
         <p:nvPr/>
       </p:nvGrpSpPr>
@@ -6843,7 +6995,9 @@
       <p:sp>
         <p:nvSpPr>
           <p:cNvPr id="67" name="Google Shape;67;p15"/>
-          <p:cNvSpPr txBox="1"/>
+          <p:cNvSpPr txBox="1">
+            <a:spLocks noGrp="1"/>
+          </p:cNvSpPr>
           <p:nvPr>
             <p:ph type="title"/>
           </p:nvPr>
@@ -6858,12 +7012,12 @@
           </a:prstGeom>
         </p:spPr>
         <p:txBody>
-          <a:bodyPr anchorCtr="0" anchor="t" bIns="91425" lIns="91425" spcFirstLastPara="1" rIns="91425" wrap="square" tIns="91425">
+          <a:bodyPr spcFirstLastPara="1" wrap="square" lIns="91425" tIns="91425" rIns="91425" bIns="91425" anchor="t" anchorCtr="0">
             <a:normAutofit fontScale="90000"/>
           </a:bodyPr>
           <a:lstStyle/>
           <a:p>
-            <a:pPr indent="0" lvl="0" marL="0" rtl="0" algn="l">
+            <a:pPr marL="0" lvl="0" indent="0" algn="l" rtl="0">
               <a:spcBef>
                 <a:spcPts val="0"/>
               </a:spcBef>
@@ -6883,9 +7037,11 @@
       <p:sp>
         <p:nvSpPr>
           <p:cNvPr id="68" name="Google Shape;68;p15"/>
-          <p:cNvSpPr txBox="1"/>
+          <p:cNvSpPr txBox="1">
+            <a:spLocks noGrp="1"/>
+          </p:cNvSpPr>
           <p:nvPr>
-            <p:ph idx="1" type="body"/>
+            <p:ph type="body" idx="1"/>
           </p:nvPr>
         </p:nvSpPr>
         <p:spPr>
@@ -6898,12 +7054,12 @@
           </a:prstGeom>
         </p:spPr>
         <p:txBody>
-          <a:bodyPr anchorCtr="0" anchor="t" bIns="91425" lIns="91425" spcFirstLastPara="1" rIns="91425" wrap="square" tIns="91425">
+          <a:bodyPr spcFirstLastPara="1" wrap="square" lIns="91425" tIns="91425" rIns="91425" bIns="91425" anchor="t" anchorCtr="0">
             <a:normAutofit/>
           </a:bodyPr>
           <a:lstStyle/>
           <a:p>
-            <a:pPr indent="0" lvl="0" marL="0" rtl="0" algn="l">
+            <a:pPr marL="0" lvl="0" indent="0" algn="l" rtl="0">
               <a:spcBef>
                 <a:spcPts val="0"/>
               </a:spcBef>
@@ -6912,10 +7068,7 @@
               </a:spcAft>
               <a:buNone/>
             </a:pPr>
-            <a:r>
-              <a:t/>
-            </a:r>
-            <a:endParaRPr/>
+            <a:endParaRPr dirty="0"/>
           </a:p>
         </p:txBody>
       </p:sp>
@@ -6936,7 +7089,7 @@
         <p:spPr>
           <a:xfrm>
             <a:off x="583175" y="1058625"/>
-            <a:ext cx="3788349" cy="3604101"/>
+            <a:ext cx="3988825" cy="3604101"/>
           </a:xfrm>
           <a:prstGeom prst="rect">
             <a:avLst/>
@@ -6956,11 +7109,11 @@
 </file>
 
 <file path=ppt/slides/slide4.xml><?xml version="1.0" encoding="utf-8"?>
-<p:sld xmlns:a="http://schemas.openxmlformats.org/drawingml/2006/main" xmlns:r="http://schemas.openxmlformats.org/officeDocument/2006/relationships" xmlns:mc="http://schemas.openxmlformats.org/markup-compatibility/2006" xmlns:mv="urn:schemas-microsoft-com:mac:vml" xmlns:p="http://schemas.openxmlformats.org/presentationml/2006/main" xmlns:c="http://schemas.openxmlformats.org/drawingml/2006/chart" xmlns:dgm="http://schemas.openxmlformats.org/drawingml/2006/diagram" xmlns:o="urn:schemas-microsoft-com:office:office" xmlns:v="urn:schemas-microsoft-com:vml" xmlns:pvml="urn:schemas-microsoft-com:office:powerpoint" xmlns:com="http://schemas.openxmlformats.org/drawingml/2006/compatibility" xmlns:p14="http://schemas.microsoft.com/office/powerpoint/2010/main" xmlns:p15="http://schemas.microsoft.com/office/powerpoint/2012/main" xmlns:ahyp="http://schemas.microsoft.com/office/drawing/2018/hyperlinkcolor">
+<p:sld xmlns:a="http://schemas.openxmlformats.org/drawingml/2006/main" xmlns:r="http://schemas.openxmlformats.org/officeDocument/2006/relationships" xmlns:p="http://schemas.openxmlformats.org/presentationml/2006/main">
   <p:cSld>
     <p:spTree>
       <p:nvGrpSpPr>
-        <p:cNvPr id="73" name="Shape 73"/>
+        <p:cNvPr id="1" name="Shape 73"/>
         <p:cNvGrpSpPr/>
         <p:nvPr/>
       </p:nvGrpSpPr>
@@ -6975,7 +7128,9 @@
       <p:sp>
         <p:nvSpPr>
           <p:cNvPr id="74" name="Google Shape;74;p16"/>
-          <p:cNvSpPr txBox="1"/>
+          <p:cNvSpPr txBox="1">
+            <a:spLocks noGrp="1"/>
+          </p:cNvSpPr>
           <p:nvPr>
             <p:ph type="title"/>
           </p:nvPr>
@@ -6990,12 +7145,12 @@
           </a:prstGeom>
         </p:spPr>
         <p:txBody>
-          <a:bodyPr anchorCtr="0" anchor="t" bIns="91425" lIns="91425" spcFirstLastPara="1" rIns="91425" wrap="square" tIns="91425">
+          <a:bodyPr spcFirstLastPara="1" wrap="square" lIns="91425" tIns="91425" rIns="91425" bIns="91425" anchor="t" anchorCtr="0">
             <a:normAutofit fontScale="90000"/>
           </a:bodyPr>
           <a:lstStyle/>
           <a:p>
-            <a:pPr indent="0" lvl="0" marL="0" rtl="0" algn="l">
+            <a:pPr marL="0" lvl="0" indent="0" algn="l" rtl="0">
               <a:spcBef>
                 <a:spcPts val="0"/>
               </a:spcBef>
@@ -7015,9 +7170,11 @@
       <p:sp>
         <p:nvSpPr>
           <p:cNvPr id="75" name="Google Shape;75;p16"/>
-          <p:cNvSpPr txBox="1"/>
+          <p:cNvSpPr txBox="1">
+            <a:spLocks noGrp="1"/>
+          </p:cNvSpPr>
           <p:nvPr>
-            <p:ph idx="1" type="body"/>
+            <p:ph type="body" idx="1"/>
           </p:nvPr>
         </p:nvSpPr>
         <p:spPr>
@@ -7030,12 +7187,12 @@
           </a:prstGeom>
         </p:spPr>
         <p:txBody>
-          <a:bodyPr anchorCtr="0" anchor="t" bIns="91425" lIns="91425" spcFirstLastPara="1" rIns="91425" wrap="square" tIns="91425">
+          <a:bodyPr spcFirstLastPara="1" wrap="square" lIns="91425" tIns="91425" rIns="91425" bIns="91425" anchor="t" anchorCtr="0">
             <a:normAutofit/>
           </a:bodyPr>
           <a:lstStyle/>
           <a:p>
-            <a:pPr indent="0" lvl="0" marL="0" rtl="0" algn="l">
+            <a:pPr marL="0" lvl="0" indent="0" algn="l" rtl="0">
               <a:spcBef>
                 <a:spcPts val="0"/>
               </a:spcBef>
@@ -7044,10 +7201,7 @@
               </a:spcAft>
               <a:buNone/>
             </a:pPr>
-            <a:r>
-              <a:t/>
-            </a:r>
-            <a:endParaRPr/>
+            <a:endParaRPr dirty="0"/>
           </a:p>
         </p:txBody>
       </p:sp>
@@ -7068,7 +7222,7 @@
         <p:spPr>
           <a:xfrm>
             <a:off x="583175" y="1058625"/>
-            <a:ext cx="3604101" cy="3604101"/>
+            <a:ext cx="3988825" cy="3604101"/>
           </a:xfrm>
           <a:prstGeom prst="rect">
             <a:avLst/>
@@ -7088,11 +7242,11 @@
 </file>
 
 <file path=ppt/slides/slide5.xml><?xml version="1.0" encoding="utf-8"?>
-<p:sld xmlns:a="http://schemas.openxmlformats.org/drawingml/2006/main" xmlns:r="http://schemas.openxmlformats.org/officeDocument/2006/relationships" xmlns:mc="http://schemas.openxmlformats.org/markup-compatibility/2006" xmlns:mv="urn:schemas-microsoft-com:mac:vml" xmlns:p="http://schemas.openxmlformats.org/presentationml/2006/main" xmlns:c="http://schemas.openxmlformats.org/drawingml/2006/chart" xmlns:dgm="http://schemas.openxmlformats.org/drawingml/2006/diagram" xmlns:o="urn:schemas-microsoft-com:office:office" xmlns:v="urn:schemas-microsoft-com:vml" xmlns:pvml="urn:schemas-microsoft-com:office:powerpoint" xmlns:com="http://schemas.openxmlformats.org/drawingml/2006/compatibility" xmlns:p14="http://schemas.microsoft.com/office/powerpoint/2010/main" xmlns:p15="http://schemas.microsoft.com/office/powerpoint/2012/main" xmlns:ahyp="http://schemas.microsoft.com/office/drawing/2018/hyperlinkcolor">
+<p:sld xmlns:a="http://schemas.openxmlformats.org/drawingml/2006/main" xmlns:r="http://schemas.openxmlformats.org/officeDocument/2006/relationships" xmlns:p="http://schemas.openxmlformats.org/presentationml/2006/main">
   <p:cSld>
     <p:spTree>
       <p:nvGrpSpPr>
-        <p:cNvPr id="80" name="Shape 80"/>
+        <p:cNvPr id="1" name="Shape 80"/>
         <p:cNvGrpSpPr/>
         <p:nvPr/>
       </p:nvGrpSpPr>
@@ -7107,7 +7261,9 @@
       <p:sp>
         <p:nvSpPr>
           <p:cNvPr id="81" name="Google Shape;81;p17"/>
-          <p:cNvSpPr txBox="1"/>
+          <p:cNvSpPr txBox="1">
+            <a:spLocks noGrp="1"/>
+          </p:cNvSpPr>
           <p:nvPr>
             <p:ph type="title"/>
           </p:nvPr>
@@ -7122,12 +7278,12 @@
           </a:prstGeom>
         </p:spPr>
         <p:txBody>
-          <a:bodyPr anchorCtr="0" anchor="t" bIns="91425" lIns="91425" spcFirstLastPara="1" rIns="91425" wrap="square" tIns="91425">
+          <a:bodyPr spcFirstLastPara="1" wrap="square" lIns="91425" tIns="91425" rIns="91425" bIns="91425" anchor="t" anchorCtr="0">
             <a:normAutofit fontScale="90000"/>
           </a:bodyPr>
           <a:lstStyle/>
           <a:p>
-            <a:pPr indent="0" lvl="0" marL="0" rtl="0" algn="l">
+            <a:pPr marL="0" lvl="0" indent="0" algn="l" rtl="0">
               <a:spcBef>
                 <a:spcPts val="0"/>
               </a:spcBef>
@@ -7147,9 +7303,11 @@
       <p:sp>
         <p:nvSpPr>
           <p:cNvPr id="82" name="Google Shape;82;p17"/>
-          <p:cNvSpPr txBox="1"/>
+          <p:cNvSpPr txBox="1">
+            <a:spLocks noGrp="1"/>
+          </p:cNvSpPr>
           <p:nvPr>
-            <p:ph idx="1" type="body"/>
+            <p:ph type="body" idx="1"/>
           </p:nvPr>
         </p:nvSpPr>
         <p:spPr>
@@ -7162,12 +7320,12 @@
           </a:prstGeom>
         </p:spPr>
         <p:txBody>
-          <a:bodyPr anchorCtr="0" anchor="t" bIns="91425" lIns="91425" spcFirstLastPara="1" rIns="91425" wrap="square" tIns="91425">
+          <a:bodyPr spcFirstLastPara="1" wrap="square" lIns="91425" tIns="91425" rIns="91425" bIns="91425" anchor="t" anchorCtr="0">
             <a:normAutofit/>
           </a:bodyPr>
           <a:lstStyle/>
           <a:p>
-            <a:pPr indent="0" lvl="0" marL="0" rtl="0" algn="l">
+            <a:pPr marL="0" lvl="0" indent="0" algn="l" rtl="0">
               <a:spcBef>
                 <a:spcPts val="0"/>
               </a:spcBef>
@@ -7176,10 +7334,7 @@
               </a:spcAft>
               <a:buNone/>
             </a:pPr>
-            <a:r>
-              <a:t/>
-            </a:r>
-            <a:endParaRPr/>
+            <a:endParaRPr dirty="0"/>
           </a:p>
         </p:txBody>
       </p:sp>
@@ -7193,13 +7348,13 @@
           <a:blip r:embed="rId3">
             <a:alphaModFix/>
           </a:blip>
-          <a:srcRect b="0" l="0" r="0" t="0"/>
+          <a:srcRect/>
           <a:stretch/>
         </p:blipFill>
         <p:spPr>
           <a:xfrm>
             <a:off x="583175" y="1058625"/>
-            <a:ext cx="3604101" cy="3604101"/>
+            <a:ext cx="3988825" cy="3604101"/>
           </a:xfrm>
           <a:prstGeom prst="rect">
             <a:avLst/>
@@ -7219,11 +7374,11 @@
 </file>
 
 <file path=ppt/slides/slide6.xml><?xml version="1.0" encoding="utf-8"?>
-<p:sld xmlns:a="http://schemas.openxmlformats.org/drawingml/2006/main" xmlns:r="http://schemas.openxmlformats.org/officeDocument/2006/relationships" xmlns:mc="http://schemas.openxmlformats.org/markup-compatibility/2006" xmlns:mv="urn:schemas-microsoft-com:mac:vml" xmlns:p="http://schemas.openxmlformats.org/presentationml/2006/main" xmlns:c="http://schemas.openxmlformats.org/drawingml/2006/chart" xmlns:dgm="http://schemas.openxmlformats.org/drawingml/2006/diagram" xmlns:o="urn:schemas-microsoft-com:office:office" xmlns:v="urn:schemas-microsoft-com:vml" xmlns:pvml="urn:schemas-microsoft-com:office:powerpoint" xmlns:com="http://schemas.openxmlformats.org/drawingml/2006/compatibility" xmlns:p14="http://schemas.microsoft.com/office/powerpoint/2010/main" xmlns:p15="http://schemas.microsoft.com/office/powerpoint/2012/main" xmlns:ahyp="http://schemas.microsoft.com/office/drawing/2018/hyperlinkcolor">
+<p:sld xmlns:a="http://schemas.openxmlformats.org/drawingml/2006/main" xmlns:r="http://schemas.openxmlformats.org/officeDocument/2006/relationships" xmlns:p="http://schemas.openxmlformats.org/presentationml/2006/main">
   <p:cSld>
     <p:spTree>
       <p:nvGrpSpPr>
-        <p:cNvPr id="87" name="Shape 87"/>
+        <p:cNvPr id="1" name="Shape 87"/>
         <p:cNvGrpSpPr/>
         <p:nvPr/>
       </p:nvGrpSpPr>
@@ -7238,7 +7393,9 @@
       <p:sp>
         <p:nvSpPr>
           <p:cNvPr id="88" name="Google Shape;88;p18"/>
-          <p:cNvSpPr txBox="1"/>
+          <p:cNvSpPr txBox="1">
+            <a:spLocks noGrp="1"/>
+          </p:cNvSpPr>
           <p:nvPr>
             <p:ph type="title"/>
           </p:nvPr>
@@ -7253,12 +7410,12 @@
           </a:prstGeom>
         </p:spPr>
         <p:txBody>
-          <a:bodyPr anchorCtr="0" anchor="t" bIns="91425" lIns="91425" spcFirstLastPara="1" rIns="91425" wrap="square" tIns="91425">
+          <a:bodyPr spcFirstLastPara="1" wrap="square" lIns="91425" tIns="91425" rIns="91425" bIns="91425" anchor="t" anchorCtr="0">
             <a:normAutofit fontScale="90000"/>
           </a:bodyPr>
           <a:lstStyle/>
           <a:p>
-            <a:pPr indent="0" lvl="0" marL="0" rtl="0" algn="l">
+            <a:pPr marL="0" lvl="0" indent="0" algn="l" rtl="0">
               <a:spcBef>
                 <a:spcPts val="0"/>
               </a:spcBef>
@@ -7278,9 +7435,11 @@
       <p:sp>
         <p:nvSpPr>
           <p:cNvPr id="89" name="Google Shape;89;p18"/>
-          <p:cNvSpPr txBox="1"/>
+          <p:cNvSpPr txBox="1">
+            <a:spLocks noGrp="1"/>
+          </p:cNvSpPr>
           <p:nvPr>
-            <p:ph idx="1" type="body"/>
+            <p:ph type="body" idx="1"/>
           </p:nvPr>
         </p:nvSpPr>
         <p:spPr>
@@ -7293,12 +7452,12 @@
           </a:prstGeom>
         </p:spPr>
         <p:txBody>
-          <a:bodyPr anchorCtr="0" anchor="t" bIns="91425" lIns="91425" spcFirstLastPara="1" rIns="91425" wrap="square" tIns="91425">
+          <a:bodyPr spcFirstLastPara="1" wrap="square" lIns="91425" tIns="91425" rIns="91425" bIns="91425" anchor="t" anchorCtr="0">
             <a:normAutofit/>
           </a:bodyPr>
           <a:lstStyle/>
           <a:p>
-            <a:pPr indent="0" lvl="0" marL="0" rtl="0" algn="l">
+            <a:pPr marL="0" lvl="0" indent="0" algn="l" rtl="0">
               <a:spcBef>
                 <a:spcPts val="0"/>
               </a:spcBef>
@@ -7307,9 +7466,6 @@
               </a:spcAft>
               <a:buNone/>
             </a:pPr>
-            <a:r>
-              <a:t/>
-            </a:r>
             <a:endParaRPr/>
           </a:p>
         </p:txBody>
@@ -7324,13 +7480,13 @@
           <a:blip r:embed="rId3">
             <a:alphaModFix/>
           </a:blip>
-          <a:srcRect b="0" l="0" r="0" t="0"/>
+          <a:srcRect/>
           <a:stretch/>
         </p:blipFill>
         <p:spPr>
           <a:xfrm>
             <a:off x="583175" y="1058625"/>
-            <a:ext cx="3604101" cy="3604101"/>
+            <a:ext cx="3988825" cy="3604101"/>
           </a:xfrm>
           <a:prstGeom prst="rect">
             <a:avLst/>
@@ -7350,11 +7506,11 @@
 </file>
 
 <file path=ppt/slides/slide7.xml><?xml version="1.0" encoding="utf-8"?>
-<p:sld xmlns:a="http://schemas.openxmlformats.org/drawingml/2006/main" xmlns:r="http://schemas.openxmlformats.org/officeDocument/2006/relationships" xmlns:mc="http://schemas.openxmlformats.org/markup-compatibility/2006" xmlns:mv="urn:schemas-microsoft-com:mac:vml" xmlns:p="http://schemas.openxmlformats.org/presentationml/2006/main" xmlns:c="http://schemas.openxmlformats.org/drawingml/2006/chart" xmlns:dgm="http://schemas.openxmlformats.org/drawingml/2006/diagram" xmlns:o="urn:schemas-microsoft-com:office:office" xmlns:v="urn:schemas-microsoft-com:vml" xmlns:pvml="urn:schemas-microsoft-com:office:powerpoint" xmlns:com="http://schemas.openxmlformats.org/drawingml/2006/compatibility" xmlns:p14="http://schemas.microsoft.com/office/powerpoint/2010/main" xmlns:p15="http://schemas.microsoft.com/office/powerpoint/2012/main" xmlns:ahyp="http://schemas.microsoft.com/office/drawing/2018/hyperlinkcolor">
+<p:sld xmlns:a="http://schemas.openxmlformats.org/drawingml/2006/main" xmlns:r="http://schemas.openxmlformats.org/officeDocument/2006/relationships" xmlns:p="http://schemas.openxmlformats.org/presentationml/2006/main">
   <p:cSld>
     <p:spTree>
       <p:nvGrpSpPr>
-        <p:cNvPr id="94" name="Shape 94"/>
+        <p:cNvPr id="1" name="Shape 94"/>
         <p:cNvGrpSpPr/>
         <p:nvPr/>
       </p:nvGrpSpPr>
@@ -7369,7 +7525,9 @@
       <p:sp>
         <p:nvSpPr>
           <p:cNvPr id="95" name="Google Shape;95;p19"/>
-          <p:cNvSpPr txBox="1"/>
+          <p:cNvSpPr txBox="1">
+            <a:spLocks noGrp="1"/>
+          </p:cNvSpPr>
           <p:nvPr>
             <p:ph type="title"/>
           </p:nvPr>
@@ -7384,12 +7542,12 @@
           </a:prstGeom>
         </p:spPr>
         <p:txBody>
-          <a:bodyPr anchorCtr="0" anchor="t" bIns="91425" lIns="91425" spcFirstLastPara="1" rIns="91425" wrap="square" tIns="91425">
+          <a:bodyPr spcFirstLastPara="1" wrap="square" lIns="91425" tIns="91425" rIns="91425" bIns="91425" anchor="t" anchorCtr="0">
             <a:normAutofit fontScale="90000"/>
           </a:bodyPr>
           <a:lstStyle/>
           <a:p>
-            <a:pPr indent="0" lvl="0" marL="0" rtl="0" algn="l">
+            <a:pPr marL="0" lvl="0" indent="0" algn="l" rtl="0">
               <a:spcBef>
                 <a:spcPts val="0"/>
               </a:spcBef>
@@ -7409,9 +7567,11 @@
       <p:sp>
         <p:nvSpPr>
           <p:cNvPr id="96" name="Google Shape;96;p19"/>
-          <p:cNvSpPr txBox="1"/>
+          <p:cNvSpPr txBox="1">
+            <a:spLocks noGrp="1"/>
+          </p:cNvSpPr>
           <p:nvPr>
-            <p:ph idx="1" type="body"/>
+            <p:ph type="body" idx="1"/>
           </p:nvPr>
         </p:nvSpPr>
         <p:spPr>
@@ -7424,12 +7584,12 @@
           </a:prstGeom>
         </p:spPr>
         <p:txBody>
-          <a:bodyPr anchorCtr="0" anchor="t" bIns="91425" lIns="91425" spcFirstLastPara="1" rIns="91425" wrap="square" tIns="91425">
+          <a:bodyPr spcFirstLastPara="1" wrap="square" lIns="91425" tIns="91425" rIns="91425" bIns="91425" anchor="t" anchorCtr="0">
             <a:normAutofit/>
           </a:bodyPr>
           <a:lstStyle/>
           <a:p>
-            <a:pPr indent="0" lvl="0" marL="0" rtl="0" algn="l">
+            <a:pPr marL="0" lvl="0" indent="0" algn="l" rtl="0">
               <a:spcBef>
                 <a:spcPts val="0"/>
               </a:spcBef>
@@ -7438,9 +7598,6 @@
               </a:spcAft>
               <a:buNone/>
             </a:pPr>
-            <a:r>
-              <a:t/>
-            </a:r>
             <a:endParaRPr/>
           </a:p>
         </p:txBody>
@@ -7455,13 +7612,13 @@
           <a:blip r:embed="rId3">
             <a:alphaModFix/>
           </a:blip>
-          <a:srcRect b="0" l="0" r="0" t="0"/>
+          <a:srcRect/>
           <a:stretch/>
         </p:blipFill>
         <p:spPr>
           <a:xfrm>
             <a:off x="583175" y="1058625"/>
-            <a:ext cx="3604101" cy="3604101"/>
+            <a:ext cx="3988825" cy="3604101"/>
           </a:xfrm>
           <a:prstGeom prst="rect">
             <a:avLst/>
@@ -7481,11 +7638,11 @@
 </file>
 
 <file path=ppt/slides/slide8.xml><?xml version="1.0" encoding="utf-8"?>
-<p:sld xmlns:a="http://schemas.openxmlformats.org/drawingml/2006/main" xmlns:r="http://schemas.openxmlformats.org/officeDocument/2006/relationships" xmlns:mc="http://schemas.openxmlformats.org/markup-compatibility/2006" xmlns:mv="urn:schemas-microsoft-com:mac:vml" xmlns:p="http://schemas.openxmlformats.org/presentationml/2006/main" xmlns:c="http://schemas.openxmlformats.org/drawingml/2006/chart" xmlns:dgm="http://schemas.openxmlformats.org/drawingml/2006/diagram" xmlns:o="urn:schemas-microsoft-com:office:office" xmlns:v="urn:schemas-microsoft-com:vml" xmlns:pvml="urn:schemas-microsoft-com:office:powerpoint" xmlns:com="http://schemas.openxmlformats.org/drawingml/2006/compatibility" xmlns:p14="http://schemas.microsoft.com/office/powerpoint/2010/main" xmlns:p15="http://schemas.microsoft.com/office/powerpoint/2012/main" xmlns:ahyp="http://schemas.microsoft.com/office/drawing/2018/hyperlinkcolor">
+<p:sld xmlns:a="http://schemas.openxmlformats.org/drawingml/2006/main" xmlns:r="http://schemas.openxmlformats.org/officeDocument/2006/relationships" xmlns:p="http://schemas.openxmlformats.org/presentationml/2006/main">
   <p:cSld>
     <p:spTree>
       <p:nvGrpSpPr>
-        <p:cNvPr id="101" name="Shape 101"/>
+        <p:cNvPr id="1" name="Shape 101"/>
         <p:cNvGrpSpPr/>
         <p:nvPr/>
       </p:nvGrpSpPr>
@@ -7500,7 +7657,9 @@
       <p:sp>
         <p:nvSpPr>
           <p:cNvPr id="102" name="Google Shape;102;p20"/>
-          <p:cNvSpPr txBox="1"/>
+          <p:cNvSpPr txBox="1">
+            <a:spLocks noGrp="1"/>
+          </p:cNvSpPr>
           <p:nvPr>
             <p:ph type="title"/>
           </p:nvPr>
@@ -7515,12 +7674,12 @@
           </a:prstGeom>
         </p:spPr>
         <p:txBody>
-          <a:bodyPr anchorCtr="0" anchor="t" bIns="91425" lIns="91425" spcFirstLastPara="1" rIns="91425" wrap="square" tIns="91425">
+          <a:bodyPr spcFirstLastPara="1" wrap="square" lIns="91425" tIns="91425" rIns="91425" bIns="91425" anchor="t" anchorCtr="0">
             <a:normAutofit fontScale="90000"/>
           </a:bodyPr>
           <a:lstStyle/>
           <a:p>
-            <a:pPr indent="0" lvl="0" marL="0" rtl="0" algn="l">
+            <a:pPr marL="0" lvl="0" indent="0" algn="l" rtl="0">
               <a:spcBef>
                 <a:spcPts val="0"/>
               </a:spcBef>
@@ -7540,9 +7699,11 @@
       <p:sp>
         <p:nvSpPr>
           <p:cNvPr id="103" name="Google Shape;103;p20"/>
-          <p:cNvSpPr txBox="1"/>
+          <p:cNvSpPr txBox="1">
+            <a:spLocks noGrp="1"/>
+          </p:cNvSpPr>
           <p:nvPr>
-            <p:ph idx="1" type="body"/>
+            <p:ph type="body" idx="1"/>
           </p:nvPr>
         </p:nvSpPr>
         <p:spPr>
@@ -7555,12 +7716,12 @@
           </a:prstGeom>
         </p:spPr>
         <p:txBody>
-          <a:bodyPr anchorCtr="0" anchor="t" bIns="91425" lIns="91425" spcFirstLastPara="1" rIns="91425" wrap="square" tIns="91425">
+          <a:bodyPr spcFirstLastPara="1" wrap="square" lIns="91425" tIns="91425" rIns="91425" bIns="91425" anchor="t" anchorCtr="0">
             <a:normAutofit/>
           </a:bodyPr>
           <a:lstStyle/>
           <a:p>
-            <a:pPr indent="0" lvl="0" marL="0" rtl="0" algn="l">
+            <a:pPr marL="0" lvl="0" indent="0" algn="l" rtl="0">
               <a:spcBef>
                 <a:spcPts val="0"/>
               </a:spcBef>
@@ -7569,10 +7730,7 @@
               </a:spcAft>
               <a:buNone/>
             </a:pPr>
-            <a:r>
-              <a:t/>
-            </a:r>
-            <a:endParaRPr/>
+            <a:endParaRPr dirty="0"/>
           </a:p>
         </p:txBody>
       </p:sp>
@@ -7586,13 +7744,13 @@
           <a:blip r:embed="rId3">
             <a:alphaModFix/>
           </a:blip>
-          <a:srcRect b="0" l="0" r="0" t="0"/>
+          <a:srcRect/>
           <a:stretch/>
         </p:blipFill>
         <p:spPr>
           <a:xfrm>
             <a:off x="583175" y="1058625"/>
-            <a:ext cx="3604101" cy="3604101"/>
+            <a:ext cx="3988825" cy="3604101"/>
           </a:xfrm>
           <a:prstGeom prst="rect">
             <a:avLst/>
@@ -7611,8 +7769,79 @@
 </p:sld>
 </file>
 
+<file path=ppt/slides/slide9.xml><?xml version="1.0" encoding="utf-8"?>
+<p:sld xmlns:a="http://schemas.openxmlformats.org/drawingml/2006/main" xmlns:r="http://schemas.openxmlformats.org/officeDocument/2006/relationships" xmlns:p="http://schemas.openxmlformats.org/presentationml/2006/main">
+  <p:cSld>
+    <p:spTree>
+      <p:nvGrpSpPr>
+        <p:cNvPr id="1" name=""/>
+        <p:cNvGrpSpPr/>
+        <p:nvPr/>
+      </p:nvGrpSpPr>
+      <p:grpSpPr>
+        <a:xfrm>
+          <a:off x="0" y="0"/>
+          <a:ext cx="0" cy="0"/>
+          <a:chOff x="0" y="0"/>
+          <a:chExt cx="0" cy="0"/>
+        </a:xfrm>
+      </p:grpSpPr>
+      <p:sp>
+        <p:nvSpPr>
+          <p:cNvPr id="2" name="標題 1">
+            <a:extLst>
+              <a:ext uri="{FF2B5EF4-FFF2-40B4-BE49-F238E27FC236}">
+                <a16:creationId xmlns:a16="http://schemas.microsoft.com/office/drawing/2014/main" id="{B5392355-8F27-4143-8409-2418C0CBA2E4}"/>
+              </a:ext>
+            </a:extLst>
+          </p:cNvPr>
+          <p:cNvSpPr>
+            <a:spLocks noGrp="1"/>
+          </p:cNvSpPr>
+          <p:nvPr>
+            <p:ph type="title"/>
+          </p:nvPr>
+        </p:nvSpPr>
+        <p:spPr>
+          <a:xfrm>
+            <a:off x="585300" y="1733825"/>
+            <a:ext cx="5045100" cy="572700"/>
+          </a:xfrm>
+        </p:spPr>
+        <p:txBody>
+          <a:bodyPr>
+            <a:noAutofit/>
+          </a:bodyPr>
+          <a:lstStyle/>
+          <a:p>
+            <a:pPr algn="ctr"/>
+            <a:r>
+              <a:rPr lang="en-US" altLang="zh-TW" sz="5400" dirty="0">
+                <a:latin typeface="Bradley Hand ITC" panose="03070402050302030203" pitchFamily="66" charset="0"/>
+              </a:rPr>
+              <a:t>Thank you for Listening</a:t>
+            </a:r>
+            <a:endParaRPr lang="zh-TW" altLang="en-US" sz="5400" dirty="0">
+              <a:latin typeface="Bradley Hand ITC" panose="03070402050302030203" pitchFamily="66" charset="0"/>
+            </a:endParaRPr>
+          </a:p>
+        </p:txBody>
+      </p:sp>
+    </p:spTree>
+    <p:extLst>
+      <p:ext uri="{BB962C8B-B14F-4D97-AF65-F5344CB8AC3E}">
+        <p14:creationId xmlns:p14="http://schemas.microsoft.com/office/powerpoint/2010/main" val="2152344801"/>
+      </p:ext>
+    </p:extLst>
+  </p:cSld>
+  <p:clrMapOvr>
+    <a:masterClrMapping/>
+  </p:clrMapOvr>
+</p:sld>
+</file>
+
 <file path=ppt/theme/theme1.xml><?xml version="1.0" encoding="utf-8"?>
-<a:theme xmlns:a="http://schemas.openxmlformats.org/drawingml/2006/main" xmlns:r="http://schemas.openxmlformats.org/officeDocument/2006/relationships" name="Simple Dark">
+<a:theme xmlns:a="http://schemas.openxmlformats.org/drawingml/2006/main" name="Simple Dark">
   <a:themeElements>
     <a:clrScheme name="Simple Dark">
       <a:dk1>
@@ -7887,11 +8116,13 @@
       </a:bgFillStyleLst>
     </a:fmtScheme>
   </a:themeElements>
+  <a:objectDefaults/>
+  <a:extraClrSchemeLst/>
 </a:theme>
 </file>
 
 <file path=ppt/theme/theme2.xml><?xml version="1.0" encoding="utf-8"?>
-<a:theme xmlns:a="http://schemas.openxmlformats.org/drawingml/2006/main" xmlns:r="http://schemas.openxmlformats.org/officeDocument/2006/relationships">
+<a:theme xmlns:a="http://schemas.openxmlformats.org/drawingml/2006/main">
   <a:themeElements>
     <a:clrScheme name="Default">
       <a:dk1>
@@ -8166,5 +8397,7 @@
       </a:bgFillStyleLst>
     </a:fmtScheme>
   </a:themeElements>
+  <a:objectDefaults/>
+  <a:extraClrSchemeLst/>
 </a:theme>
 </file>